--- a/Gabarit_Proposition_du_Projet.pptx
+++ b/Gabarit_Proposition_du_Projet.pptx
@@ -1,21 +1,25 @@
 
 <file path=ppt/presentation.xml><?xml version="1.0" encoding="utf-8"?>
-<p:presentation xmlns:a="http://schemas.openxmlformats.org/drawingml/2006/main" xmlns:r="http://schemas.openxmlformats.org/officeDocument/2006/relationships" xmlns:mc="http://schemas.openxmlformats.org/markup-compatibility/2006" xmlns:mv="urn:schemas-microsoft-com:mac:vml" xmlns:p="http://schemas.openxmlformats.org/presentationml/2006/main" xmlns:c="http://schemas.openxmlformats.org/drawingml/2006/chart" xmlns:dgm="http://schemas.openxmlformats.org/drawingml/2006/diagram" xmlns:o="urn:schemas-microsoft-com:office:office" xmlns:v="urn:schemas-microsoft-com:vml" xmlns:pvml="urn:schemas-microsoft-com:office:powerpoint" xmlns:com="http://schemas.openxmlformats.org/drawingml/2006/compatibility" xmlns:p14="http://schemas.microsoft.com/office/powerpoint/2010/main" xmlns:p15="http://schemas.microsoft.com/office/powerpoint/2012/main" autoCompressPictures="0" strictFirstAndLastChars="0" saveSubsetFonts="1">
+<p:presentation xmlns:a="http://schemas.openxmlformats.org/drawingml/2006/main" xmlns:r="http://schemas.openxmlformats.org/officeDocument/2006/relationships" xmlns:p="http://schemas.openxmlformats.org/presentationml/2006/main" strictFirstAndLastChars="0" saveSubsetFonts="1" autoCompressPictures="0">
   <p:sldMasterIdLst>
-    <p:sldMasterId id="2147483659" r:id="rId3"/>
+    <p:sldMasterId id="2147483659" r:id="rId1"/>
   </p:sldMasterIdLst>
   <p:notesMasterIdLst>
-    <p:notesMasterId r:id="rId4"/>
+    <p:notesMasterId r:id="rId9"/>
   </p:notesMasterIdLst>
   <p:sldIdLst>
-    <p:sldId id="256" r:id="rId5"/>
-    <p:sldId id="257" r:id="rId6"/>
-    <p:sldId id="258" r:id="rId7"/>
+    <p:sldId id="256" r:id="rId2"/>
+    <p:sldId id="257" r:id="rId3"/>
+    <p:sldId id="259" r:id="rId4"/>
+    <p:sldId id="258" r:id="rId5"/>
+    <p:sldId id="260" r:id="rId6"/>
+    <p:sldId id="261" r:id="rId7"/>
+    <p:sldId id="262" r:id="rId8"/>
   </p:sldIdLst>
-  <p:sldSz cy="5143500" cx="9144000"/>
+  <p:sldSz cx="9144000" cy="5143500" type="screen16x9"/>
   <p:notesSz cx="6858000" cy="9144000"/>
   <p:defaultTextStyle>
-    <a:defPPr lvl="0" marR="0" rtl="0" algn="l">
+    <a:defPPr marR="0" lvl="0" algn="l" rtl="0">
       <a:lnSpc>
         <a:spcPct val="100000"/>
       </a:lnSpc>
@@ -26,7 +30,7 @@
         <a:spcPts val="0"/>
       </a:spcAft>
     </a:defPPr>
-    <a:lvl1pPr lvl="0" marR="0" rtl="0" algn="l">
+    <a:lvl1pPr marR="0" lvl="0" algn="l" rtl="0">
       <a:lnSpc>
         <a:spcPct val="100000"/>
       </a:lnSpc>
@@ -37,7 +41,7 @@
         <a:spcPts val="0"/>
       </a:spcAft>
       <a:buNone/>
-      <a:defRPr b="0" i="0" sz="1400" u="none" cap="none" strike="noStrike">
+      <a:defRPr sz="1400" b="0" i="0" u="none" strike="noStrike" cap="none">
         <a:solidFill>
           <a:srgbClr val="000000"/>
         </a:solidFill>
@@ -47,7 +51,7 @@
         <a:sym typeface="Arial"/>
       </a:defRPr>
     </a:lvl1pPr>
-    <a:lvl2pPr lvl="1" marR="0" rtl="0" algn="l">
+    <a:lvl2pPr marR="0" lvl="1" algn="l" rtl="0">
       <a:lnSpc>
         <a:spcPct val="100000"/>
       </a:lnSpc>
@@ -58,7 +62,7 @@
         <a:spcPts val="0"/>
       </a:spcAft>
       <a:buNone/>
-      <a:defRPr b="0" i="0" sz="1400" u="none" cap="none" strike="noStrike">
+      <a:defRPr sz="1400" b="0" i="0" u="none" strike="noStrike" cap="none">
         <a:solidFill>
           <a:srgbClr val="000000"/>
         </a:solidFill>
@@ -68,7 +72,7 @@
         <a:sym typeface="Arial"/>
       </a:defRPr>
     </a:lvl2pPr>
-    <a:lvl3pPr lvl="2" marR="0" rtl="0" algn="l">
+    <a:lvl3pPr marR="0" lvl="2" algn="l" rtl="0">
       <a:lnSpc>
         <a:spcPct val="100000"/>
       </a:lnSpc>
@@ -79,7 +83,7 @@
         <a:spcPts val="0"/>
       </a:spcAft>
       <a:buNone/>
-      <a:defRPr b="0" i="0" sz="1400" u="none" cap="none" strike="noStrike">
+      <a:defRPr sz="1400" b="0" i="0" u="none" strike="noStrike" cap="none">
         <a:solidFill>
           <a:srgbClr val="000000"/>
         </a:solidFill>
@@ -89,7 +93,7 @@
         <a:sym typeface="Arial"/>
       </a:defRPr>
     </a:lvl3pPr>
-    <a:lvl4pPr lvl="3" marR="0" rtl="0" algn="l">
+    <a:lvl4pPr marR="0" lvl="3" algn="l" rtl="0">
       <a:lnSpc>
         <a:spcPct val="100000"/>
       </a:lnSpc>
@@ -100,7 +104,7 @@
         <a:spcPts val="0"/>
       </a:spcAft>
       <a:buNone/>
-      <a:defRPr b="0" i="0" sz="1400" u="none" cap="none" strike="noStrike">
+      <a:defRPr sz="1400" b="0" i="0" u="none" strike="noStrike" cap="none">
         <a:solidFill>
           <a:srgbClr val="000000"/>
         </a:solidFill>
@@ -110,7 +114,7 @@
         <a:sym typeface="Arial"/>
       </a:defRPr>
     </a:lvl4pPr>
-    <a:lvl5pPr lvl="4" marR="0" rtl="0" algn="l">
+    <a:lvl5pPr marR="0" lvl="4" algn="l" rtl="0">
       <a:lnSpc>
         <a:spcPct val="100000"/>
       </a:lnSpc>
@@ -121,7 +125,7 @@
         <a:spcPts val="0"/>
       </a:spcAft>
       <a:buNone/>
-      <a:defRPr b="0" i="0" sz="1400" u="none" cap="none" strike="noStrike">
+      <a:defRPr sz="1400" b="0" i="0" u="none" strike="noStrike" cap="none">
         <a:solidFill>
           <a:srgbClr val="000000"/>
         </a:solidFill>
@@ -131,7 +135,7 @@
         <a:sym typeface="Arial"/>
       </a:defRPr>
     </a:lvl5pPr>
-    <a:lvl6pPr lvl="5" marR="0" rtl="0" algn="l">
+    <a:lvl6pPr marR="0" lvl="5" algn="l" rtl="0">
       <a:lnSpc>
         <a:spcPct val="100000"/>
       </a:lnSpc>
@@ -142,7 +146,7 @@
         <a:spcPts val="0"/>
       </a:spcAft>
       <a:buNone/>
-      <a:defRPr b="0" i="0" sz="1400" u="none" cap="none" strike="noStrike">
+      <a:defRPr sz="1400" b="0" i="0" u="none" strike="noStrike" cap="none">
         <a:solidFill>
           <a:srgbClr val="000000"/>
         </a:solidFill>
@@ -152,7 +156,7 @@
         <a:sym typeface="Arial"/>
       </a:defRPr>
     </a:lvl6pPr>
-    <a:lvl7pPr lvl="6" marR="0" rtl="0" algn="l">
+    <a:lvl7pPr marR="0" lvl="6" algn="l" rtl="0">
       <a:lnSpc>
         <a:spcPct val="100000"/>
       </a:lnSpc>
@@ -163,7 +167,7 @@
         <a:spcPts val="0"/>
       </a:spcAft>
       <a:buNone/>
-      <a:defRPr b="0" i="0" sz="1400" u="none" cap="none" strike="noStrike">
+      <a:defRPr sz="1400" b="0" i="0" u="none" strike="noStrike" cap="none">
         <a:solidFill>
           <a:srgbClr val="000000"/>
         </a:solidFill>
@@ -173,7 +177,7 @@
         <a:sym typeface="Arial"/>
       </a:defRPr>
     </a:lvl7pPr>
-    <a:lvl8pPr lvl="7" marR="0" rtl="0" algn="l">
+    <a:lvl8pPr marR="0" lvl="7" algn="l" rtl="0">
       <a:lnSpc>
         <a:spcPct val="100000"/>
       </a:lnSpc>
@@ -184,7 +188,7 @@
         <a:spcPts val="0"/>
       </a:spcAft>
       <a:buNone/>
-      <a:defRPr b="0" i="0" sz="1400" u="none" cap="none" strike="noStrike">
+      <a:defRPr sz="1400" b="0" i="0" u="none" strike="noStrike" cap="none">
         <a:solidFill>
           <a:srgbClr val="000000"/>
         </a:solidFill>
@@ -194,7 +198,7 @@
         <a:sym typeface="Arial"/>
       </a:defRPr>
     </a:lvl8pPr>
-    <a:lvl9pPr lvl="8" marR="0" rtl="0" algn="l">
+    <a:lvl9pPr marR="0" lvl="8" algn="l" rtl="0">
       <a:lnSpc>
         <a:spcPct val="100000"/>
       </a:lnSpc>
@@ -205,7 +209,7 @@
         <a:spcPts val="0"/>
       </a:spcAft>
       <a:buNone/>
-      <a:defRPr b="0" i="0" sz="1400" u="none" cap="none" strike="noStrike">
+      <a:defRPr sz="1400" b="0" i="0" u="none" strike="noStrike" cap="none">
         <a:solidFill>
           <a:srgbClr val="000000"/>
         </a:solidFill>
@@ -220,11 +224,16 @@
 </file>
 
 <file path=ppt/notesMasters/notesMaster1.xml><?xml version="1.0" encoding="utf-8"?>
-<p:notesMaster xmlns:a="http://schemas.openxmlformats.org/drawingml/2006/main" xmlns:r="http://schemas.openxmlformats.org/officeDocument/2006/relationships" xmlns:mc="http://schemas.openxmlformats.org/markup-compatibility/2006" xmlns:mv="urn:schemas-microsoft-com:mac:vml" xmlns:p="http://schemas.openxmlformats.org/presentationml/2006/main" xmlns:c="http://schemas.openxmlformats.org/drawingml/2006/chart" xmlns:dgm="http://schemas.openxmlformats.org/drawingml/2006/diagram" xmlns:o="urn:schemas-microsoft-com:office:office" xmlns:v="urn:schemas-microsoft-com:vml" xmlns:pvml="urn:schemas-microsoft-com:office:powerpoint" xmlns:com="http://schemas.openxmlformats.org/drawingml/2006/compatibility" xmlns:p14="http://schemas.microsoft.com/office/powerpoint/2010/main" xmlns:p15="http://schemas.microsoft.com/office/powerpoint/2012/main">
+<p:notesMaster xmlns:a="http://schemas.openxmlformats.org/drawingml/2006/main" xmlns:r="http://schemas.openxmlformats.org/officeDocument/2006/relationships" xmlns:p="http://schemas.openxmlformats.org/presentationml/2006/main">
   <p:cSld>
+    <p:bg>
+      <p:bgRef idx="1001">
+        <a:schemeClr val="bg1"/>
+      </p:bgRef>
+    </p:bg>
     <p:spTree>
       <p:nvGrpSpPr>
-        <p:cNvPr id="2" name="Shape 2"/>
+        <p:cNvPr id="1" name="Shape 2"/>
         <p:cNvGrpSpPr/>
         <p:nvPr/>
       </p:nvGrpSpPr>
@@ -239,9 +248,11 @@
       <p:sp>
         <p:nvSpPr>
           <p:cNvPr id="3" name="Shape 3"/>
-          <p:cNvSpPr/>
+          <p:cNvSpPr>
+            <a:spLocks noGrp="1" noRot="1" noChangeAspect="1"/>
+          </p:cNvSpPr>
           <p:nvPr>
-            <p:ph idx="2" type="sldImg"/>
+            <p:ph type="sldImg" idx="2"/>
           </p:nvPr>
         </p:nvSpPr>
         <p:spPr>
@@ -250,8 +261,13 @@
             <a:ext cx="6096075" cy="3429000"/>
           </a:xfrm>
           <a:custGeom>
+            <a:avLst/>
+            <a:gdLst/>
+            <a:ahLst/>
+            <a:cxnLst/>
+            <a:rect l="0" t="0" r="0" b="0"/>
             <a:pathLst>
-              <a:path extrusionOk="0" h="120000" w="120000">
+              <a:path w="120000" h="120000" extrusionOk="0">
                 <a:moveTo>
                   <a:pt x="0" y="0"/>
                 </a:moveTo>
@@ -269,23 +285,25 @@
             </a:pathLst>
           </a:custGeom>
           <a:noFill/>
-          <a:ln cap="flat" cmpd="sng" w="9525">
+          <a:ln w="9525" cap="flat" cmpd="sng">
             <a:solidFill>
               <a:srgbClr val="000000"/>
             </a:solidFill>
             <a:prstDash val="solid"/>
             <a:round/>
-            <a:headEnd len="med" w="med" type="none"/>
-            <a:tailEnd len="med" w="med" type="none"/>
+            <a:headEnd type="none" w="med" len="med"/>
+            <a:tailEnd type="none" w="med" len="med"/>
           </a:ln>
         </p:spPr>
       </p:sp>
       <p:sp>
         <p:nvSpPr>
           <p:cNvPr id="4" name="Shape 4"/>
-          <p:cNvSpPr txBox="1"/>
+          <p:cNvSpPr txBox="1">
+            <a:spLocks noGrp="1"/>
+          </p:cNvSpPr>
           <p:nvPr>
-            <p:ph idx="1" type="body"/>
+            <p:ph type="body" idx="1"/>
           </p:nvPr>
         </p:nvSpPr>
         <p:spPr>
@@ -302,9 +320,9 @@
           </a:ln>
         </p:spPr>
         <p:txBody>
-          <a:bodyPr anchorCtr="0" anchor="t" bIns="91425" lIns="91425" rIns="91425" wrap="square" tIns="91425"/>
+          <a:bodyPr wrap="square" lIns="91425" tIns="91425" rIns="91425" bIns="91425" anchor="t" anchorCtr="0"/>
           <a:lstStyle>
-            <a:lvl1pPr indent="-298450" lvl="0" marL="457200">
+            <a:lvl1pPr marL="457200" lvl="0" indent="-298450">
               <a:spcBef>
                 <a:spcPts val="0"/>
               </a:spcBef>
@@ -315,7 +333,7 @@
               <a:buChar char="●"/>
               <a:defRPr sz="1100"/>
             </a:lvl1pPr>
-            <a:lvl2pPr indent="-298450" lvl="1" marL="914400">
+            <a:lvl2pPr marL="914400" lvl="1" indent="-298450">
               <a:spcBef>
                 <a:spcPts val="0"/>
               </a:spcBef>
@@ -326,7 +344,7 @@
               <a:buChar char="○"/>
               <a:defRPr sz="1100"/>
             </a:lvl2pPr>
-            <a:lvl3pPr indent="-298450" lvl="2" marL="1371600">
+            <a:lvl3pPr marL="1371600" lvl="2" indent="-298450">
               <a:spcBef>
                 <a:spcPts val="0"/>
               </a:spcBef>
@@ -337,7 +355,7 @@
               <a:buChar char="■"/>
               <a:defRPr sz="1100"/>
             </a:lvl3pPr>
-            <a:lvl4pPr indent="-298450" lvl="3" marL="1828800">
+            <a:lvl4pPr marL="1828800" lvl="3" indent="-298450">
               <a:spcBef>
                 <a:spcPts val="0"/>
               </a:spcBef>
@@ -348,7 +366,7 @@
               <a:buChar char="●"/>
               <a:defRPr sz="1100"/>
             </a:lvl4pPr>
-            <a:lvl5pPr indent="-298450" lvl="4" marL="2286000">
+            <a:lvl5pPr marL="2286000" lvl="4" indent="-298450">
               <a:spcBef>
                 <a:spcPts val="0"/>
               </a:spcBef>
@@ -359,7 +377,7 @@
               <a:buChar char="○"/>
               <a:defRPr sz="1100"/>
             </a:lvl5pPr>
-            <a:lvl6pPr indent="-298450" lvl="5" marL="2743200">
+            <a:lvl6pPr marL="2743200" lvl="5" indent="-298450">
               <a:spcBef>
                 <a:spcPts val="0"/>
               </a:spcBef>
@@ -370,7 +388,7 @@
               <a:buChar char="■"/>
               <a:defRPr sz="1100"/>
             </a:lvl6pPr>
-            <a:lvl7pPr indent="-298450" lvl="6" marL="3200400">
+            <a:lvl7pPr marL="3200400" lvl="6" indent="-298450">
               <a:spcBef>
                 <a:spcPts val="0"/>
               </a:spcBef>
@@ -381,7 +399,7 @@
               <a:buChar char="●"/>
               <a:defRPr sz="1100"/>
             </a:lvl7pPr>
-            <a:lvl8pPr indent="-298450" lvl="7" marL="3657600">
+            <a:lvl8pPr marL="3657600" lvl="7" indent="-298450">
               <a:spcBef>
                 <a:spcPts val="0"/>
               </a:spcBef>
@@ -392,7 +410,7 @@
               <a:buChar char="○"/>
               <a:defRPr sz="1100"/>
             </a:lvl8pPr>
-            <a:lvl9pPr indent="-298450" lvl="8" marL="4114800">
+            <a:lvl9pPr marL="4114800" lvl="8" indent="-298450">
               <a:spcBef>
                 <a:spcPts val="0"/>
               </a:spcBef>
@@ -404,21 +422,115 @@
               <a:defRPr sz="1100"/>
             </a:lvl9pPr>
           </a:lstStyle>
-          <a:p/>
+          <a:p>
+            <a:endParaRPr/>
+          </a:p>
         </p:txBody>
       </p:sp>
     </p:spTree>
   </p:cSld>
-  <p:clrMap accent1="accent1" accent2="accent2" accent3="accent3" accent4="accent4" accent5="accent5" accent6="accent6" bg1="lt1" bg2="dk2" tx1="dk1" tx2="lt2" folHlink="folHlink" hlink="hlink"/>
+  <p:clrMap bg1="lt1" tx1="dk1" bg2="dk2" tx2="lt2" accent1="accent1" accent2="accent2" accent3="accent3" accent4="accent4" accent5="accent5" accent6="accent6" hlink="hlink" folHlink="folHlink"/>
+  <p:notesStyle>
+    <a:lvl1pPr marL="0" algn="l" defTabSz="914400" rtl="0" eaLnBrk="1" latinLnBrk="0" hangingPunct="1">
+      <a:defRPr sz="1200" kern="1200">
+        <a:solidFill>
+          <a:schemeClr val="tx1"/>
+        </a:solidFill>
+        <a:latin typeface="+mn-lt"/>
+        <a:ea typeface="+mn-ea"/>
+        <a:cs typeface="+mn-cs"/>
+      </a:defRPr>
+    </a:lvl1pPr>
+    <a:lvl2pPr marL="457200" algn="l" defTabSz="914400" rtl="0" eaLnBrk="1" latinLnBrk="0" hangingPunct="1">
+      <a:defRPr sz="1200" kern="1200">
+        <a:solidFill>
+          <a:schemeClr val="tx1"/>
+        </a:solidFill>
+        <a:latin typeface="+mn-lt"/>
+        <a:ea typeface="+mn-ea"/>
+        <a:cs typeface="+mn-cs"/>
+      </a:defRPr>
+    </a:lvl2pPr>
+    <a:lvl3pPr marL="914400" algn="l" defTabSz="914400" rtl="0" eaLnBrk="1" latinLnBrk="0" hangingPunct="1">
+      <a:defRPr sz="1200" kern="1200">
+        <a:solidFill>
+          <a:schemeClr val="tx1"/>
+        </a:solidFill>
+        <a:latin typeface="+mn-lt"/>
+        <a:ea typeface="+mn-ea"/>
+        <a:cs typeface="+mn-cs"/>
+      </a:defRPr>
+    </a:lvl3pPr>
+    <a:lvl4pPr marL="1371600" algn="l" defTabSz="914400" rtl="0" eaLnBrk="1" latinLnBrk="0" hangingPunct="1">
+      <a:defRPr sz="1200" kern="1200">
+        <a:solidFill>
+          <a:schemeClr val="tx1"/>
+        </a:solidFill>
+        <a:latin typeface="+mn-lt"/>
+        <a:ea typeface="+mn-ea"/>
+        <a:cs typeface="+mn-cs"/>
+      </a:defRPr>
+    </a:lvl4pPr>
+    <a:lvl5pPr marL="1828800" algn="l" defTabSz="914400" rtl="0" eaLnBrk="1" latinLnBrk="0" hangingPunct="1">
+      <a:defRPr sz="1200" kern="1200">
+        <a:solidFill>
+          <a:schemeClr val="tx1"/>
+        </a:solidFill>
+        <a:latin typeface="+mn-lt"/>
+        <a:ea typeface="+mn-ea"/>
+        <a:cs typeface="+mn-cs"/>
+      </a:defRPr>
+    </a:lvl5pPr>
+    <a:lvl6pPr marL="2286000" algn="l" defTabSz="914400" rtl="0" eaLnBrk="1" latinLnBrk="0" hangingPunct="1">
+      <a:defRPr sz="1200" kern="1200">
+        <a:solidFill>
+          <a:schemeClr val="tx1"/>
+        </a:solidFill>
+        <a:latin typeface="+mn-lt"/>
+        <a:ea typeface="+mn-ea"/>
+        <a:cs typeface="+mn-cs"/>
+      </a:defRPr>
+    </a:lvl6pPr>
+    <a:lvl7pPr marL="2743200" algn="l" defTabSz="914400" rtl="0" eaLnBrk="1" latinLnBrk="0" hangingPunct="1">
+      <a:defRPr sz="1200" kern="1200">
+        <a:solidFill>
+          <a:schemeClr val="tx1"/>
+        </a:solidFill>
+        <a:latin typeface="+mn-lt"/>
+        <a:ea typeface="+mn-ea"/>
+        <a:cs typeface="+mn-cs"/>
+      </a:defRPr>
+    </a:lvl7pPr>
+    <a:lvl8pPr marL="3200400" algn="l" defTabSz="914400" rtl="0" eaLnBrk="1" latinLnBrk="0" hangingPunct="1">
+      <a:defRPr sz="1200" kern="1200">
+        <a:solidFill>
+          <a:schemeClr val="tx1"/>
+        </a:solidFill>
+        <a:latin typeface="+mn-lt"/>
+        <a:ea typeface="+mn-ea"/>
+        <a:cs typeface="+mn-cs"/>
+      </a:defRPr>
+    </a:lvl8pPr>
+    <a:lvl9pPr marL="3657600" algn="l" defTabSz="914400" rtl="0" eaLnBrk="1" latinLnBrk="0" hangingPunct="1">
+      <a:defRPr sz="1200" kern="1200">
+        <a:solidFill>
+          <a:schemeClr val="tx1"/>
+        </a:solidFill>
+        <a:latin typeface="+mn-lt"/>
+        <a:ea typeface="+mn-ea"/>
+        <a:cs typeface="+mn-cs"/>
+      </a:defRPr>
+    </a:lvl9pPr>
+  </p:notesStyle>
 </p:notesMaster>
 </file>
 
 <file path=ppt/notesSlides/notesSlide1.xml><?xml version="1.0" encoding="utf-8"?>
-<p:notes xmlns:a="http://schemas.openxmlformats.org/drawingml/2006/main" xmlns:r="http://schemas.openxmlformats.org/officeDocument/2006/relationships" xmlns:mc="http://schemas.openxmlformats.org/markup-compatibility/2006" xmlns:mv="urn:schemas-microsoft-com:mac:vml" xmlns:p="http://schemas.openxmlformats.org/presentationml/2006/main" xmlns:c="http://schemas.openxmlformats.org/drawingml/2006/chart" xmlns:dgm="http://schemas.openxmlformats.org/drawingml/2006/diagram" xmlns:o="urn:schemas-microsoft-com:office:office" xmlns:v="urn:schemas-microsoft-com:vml" xmlns:pvml="urn:schemas-microsoft-com:office:powerpoint" xmlns:com="http://schemas.openxmlformats.org/drawingml/2006/compatibility" xmlns:p14="http://schemas.microsoft.com/office/powerpoint/2010/main" xmlns:p15="http://schemas.microsoft.com/office/powerpoint/2012/main" showMasterPhAnim="0" showMasterSp="0">
+<p:notes xmlns:a="http://schemas.openxmlformats.org/drawingml/2006/main" xmlns:r="http://schemas.openxmlformats.org/officeDocument/2006/relationships" xmlns:p="http://schemas.openxmlformats.org/presentationml/2006/main" showMasterSp="0" showMasterPhAnim="0">
   <p:cSld>
     <p:spTree>
       <p:nvGrpSpPr>
-        <p:cNvPr id="50" name="Shape 50"/>
+        <p:cNvPr id="1" name="Shape 50"/>
         <p:cNvGrpSpPr/>
         <p:nvPr/>
       </p:nvGrpSpPr>
@@ -433,19 +545,26 @@
       <p:sp>
         <p:nvSpPr>
           <p:cNvPr id="51" name="Shape 51"/>
-          <p:cNvSpPr/>
+          <p:cNvSpPr>
+            <a:spLocks noGrp="1" noRot="1" noChangeAspect="1"/>
+          </p:cNvSpPr>
           <p:nvPr>
-            <p:ph idx="2" type="sldImg"/>
+            <p:ph type="sldImg" idx="2"/>
           </p:nvPr>
         </p:nvSpPr>
         <p:spPr>
           <a:xfrm>
-            <a:off x="381300" y="685800"/>
-            <a:ext cx="6096075" cy="3429000"/>
+            <a:off x="381000" y="685800"/>
+            <a:ext cx="6096000" cy="3429000"/>
           </a:xfrm>
           <a:custGeom>
+            <a:avLst/>
+            <a:gdLst/>
+            <a:ahLst/>
+            <a:cxnLst/>
+            <a:rect l="0" t="0" r="0" b="0"/>
             <a:pathLst>
-              <a:path extrusionOk="0" h="120000" w="120000">
+              <a:path w="120000" h="120000" extrusionOk="0">
                 <a:moveTo>
                   <a:pt x="0" y="0"/>
                 </a:moveTo>
@@ -467,9 +586,11 @@
       <p:sp>
         <p:nvSpPr>
           <p:cNvPr id="52" name="Shape 52"/>
-          <p:cNvSpPr txBox="1"/>
+          <p:cNvSpPr txBox="1">
+            <a:spLocks noGrp="1"/>
+          </p:cNvSpPr>
           <p:nvPr>
-            <p:ph idx="1" type="body"/>
+            <p:ph type="body" idx="1"/>
           </p:nvPr>
         </p:nvSpPr>
         <p:spPr>
@@ -482,12 +603,12 @@
           </a:prstGeom>
         </p:spPr>
         <p:txBody>
-          <a:bodyPr anchorCtr="0" anchor="t" bIns="91425" lIns="91425" rIns="91425" wrap="square" tIns="91425">
+          <a:bodyPr wrap="square" lIns="91425" tIns="91425" rIns="91425" bIns="91425" anchor="t" anchorCtr="0">
             <a:noAutofit/>
           </a:bodyPr>
           <a:lstStyle/>
           <a:p>
-            <a:pPr indent="0" lvl="0" marL="0">
+            <a:pPr marL="0" lvl="0" indent="0">
               <a:spcBef>
                 <a:spcPts val="0"/>
               </a:spcBef>
@@ -496,9 +617,6 @@
               </a:spcAft>
               <a:buNone/>
             </a:pPr>
-            <a:r>
-              <a:t/>
-            </a:r>
             <a:endParaRPr/>
           </a:p>
         </p:txBody>
@@ -512,11 +630,11 @@
 </file>
 
 <file path=ppt/notesSlides/notesSlide2.xml><?xml version="1.0" encoding="utf-8"?>
-<p:notes xmlns:a="http://schemas.openxmlformats.org/drawingml/2006/main" xmlns:r="http://schemas.openxmlformats.org/officeDocument/2006/relationships" xmlns:mc="http://schemas.openxmlformats.org/markup-compatibility/2006" xmlns:mv="urn:schemas-microsoft-com:mac:vml" xmlns:p="http://schemas.openxmlformats.org/presentationml/2006/main" xmlns:c="http://schemas.openxmlformats.org/drawingml/2006/chart" xmlns:dgm="http://schemas.openxmlformats.org/drawingml/2006/diagram" xmlns:o="urn:schemas-microsoft-com:office:office" xmlns:v="urn:schemas-microsoft-com:vml" xmlns:pvml="urn:schemas-microsoft-com:office:powerpoint" xmlns:com="http://schemas.openxmlformats.org/drawingml/2006/compatibility" xmlns:p14="http://schemas.microsoft.com/office/powerpoint/2010/main" xmlns:p15="http://schemas.microsoft.com/office/powerpoint/2012/main" showMasterPhAnim="0" showMasterSp="0">
+<p:notes xmlns:a="http://schemas.openxmlformats.org/drawingml/2006/main" xmlns:r="http://schemas.openxmlformats.org/officeDocument/2006/relationships" xmlns:p="http://schemas.openxmlformats.org/presentationml/2006/main" showMasterSp="0" showMasterPhAnim="0">
   <p:cSld>
     <p:spTree>
       <p:nvGrpSpPr>
-        <p:cNvPr id="56" name="Shape 56"/>
+        <p:cNvPr id="1" name="Shape 56"/>
         <p:cNvGrpSpPr/>
         <p:nvPr/>
       </p:nvGrpSpPr>
@@ -531,19 +649,26 @@
       <p:sp>
         <p:nvSpPr>
           <p:cNvPr id="57" name="Shape 57"/>
-          <p:cNvSpPr/>
+          <p:cNvSpPr>
+            <a:spLocks noGrp="1" noRot="1" noChangeAspect="1"/>
+          </p:cNvSpPr>
           <p:nvPr>
-            <p:ph idx="2" type="sldImg"/>
+            <p:ph type="sldImg" idx="2"/>
           </p:nvPr>
         </p:nvSpPr>
         <p:spPr>
           <a:xfrm>
-            <a:off x="381300" y="685800"/>
+            <a:off x="381000" y="685800"/>
             <a:ext cx="6096000" cy="3429000"/>
           </a:xfrm>
           <a:custGeom>
+            <a:avLst/>
+            <a:gdLst/>
+            <a:ahLst/>
+            <a:cxnLst/>
+            <a:rect l="0" t="0" r="0" b="0"/>
             <a:pathLst>
-              <a:path extrusionOk="0" h="120000" w="120000">
+              <a:path w="120000" h="120000" extrusionOk="0">
                 <a:moveTo>
                   <a:pt x="0" y="0"/>
                 </a:moveTo>
@@ -565,9 +690,11 @@
       <p:sp>
         <p:nvSpPr>
           <p:cNvPr id="58" name="Shape 58"/>
-          <p:cNvSpPr txBox="1"/>
+          <p:cNvSpPr txBox="1">
+            <a:spLocks noGrp="1"/>
+          </p:cNvSpPr>
           <p:nvPr>
-            <p:ph idx="1" type="body"/>
+            <p:ph type="body" idx="1"/>
           </p:nvPr>
         </p:nvSpPr>
         <p:spPr>
@@ -580,12 +707,12 @@
           </a:prstGeom>
         </p:spPr>
         <p:txBody>
-          <a:bodyPr anchorCtr="0" anchor="t" bIns="91425" lIns="91425" rIns="91425" wrap="square" tIns="91425">
+          <a:bodyPr wrap="square" lIns="91425" tIns="91425" rIns="91425" bIns="91425" anchor="t" anchorCtr="0">
             <a:noAutofit/>
           </a:bodyPr>
           <a:lstStyle/>
           <a:p>
-            <a:pPr indent="0" lvl="0" marL="0" rtl="0">
+            <a:pPr marL="0" lvl="0" indent="0" rtl="0">
               <a:spcBef>
                 <a:spcPts val="0"/>
               </a:spcBef>
@@ -594,10 +721,7 @@
               </a:spcAft>
               <a:buNone/>
             </a:pPr>
-            <a:r>
-              <a:t/>
-            </a:r>
-            <a:endParaRPr/>
+            <a:endParaRPr dirty="0"/>
           </a:p>
         </p:txBody>
       </p:sp>
@@ -610,11 +734,11 @@
 </file>
 
 <file path=ppt/notesSlides/notesSlide3.xml><?xml version="1.0" encoding="utf-8"?>
-<p:notes xmlns:a="http://schemas.openxmlformats.org/drawingml/2006/main" xmlns:r="http://schemas.openxmlformats.org/officeDocument/2006/relationships" xmlns:mc="http://schemas.openxmlformats.org/markup-compatibility/2006" xmlns:mv="urn:schemas-microsoft-com:mac:vml" xmlns:p="http://schemas.openxmlformats.org/presentationml/2006/main" xmlns:c="http://schemas.openxmlformats.org/drawingml/2006/chart" xmlns:dgm="http://schemas.openxmlformats.org/drawingml/2006/diagram" xmlns:o="urn:schemas-microsoft-com:office:office" xmlns:v="urn:schemas-microsoft-com:vml" xmlns:pvml="urn:schemas-microsoft-com:office:powerpoint" xmlns:com="http://schemas.openxmlformats.org/drawingml/2006/compatibility" xmlns:p14="http://schemas.microsoft.com/office/powerpoint/2010/main" xmlns:p15="http://schemas.microsoft.com/office/powerpoint/2012/main" showMasterPhAnim="0" showMasterSp="0">
+<p:notes xmlns:a="http://schemas.openxmlformats.org/drawingml/2006/main" xmlns:r="http://schemas.openxmlformats.org/officeDocument/2006/relationships" xmlns:p="http://schemas.openxmlformats.org/presentationml/2006/main" showMasterSp="0" showMasterPhAnim="0">
   <p:cSld>
     <p:spTree>
       <p:nvGrpSpPr>
-        <p:cNvPr id="63" name="Shape 63"/>
+        <p:cNvPr id="1" name="Shape 63"/>
         <p:cNvGrpSpPr/>
         <p:nvPr/>
       </p:nvGrpSpPr>
@@ -629,19 +753,26 @@
       <p:sp>
         <p:nvSpPr>
           <p:cNvPr id="64" name="Shape 64"/>
-          <p:cNvSpPr/>
+          <p:cNvSpPr>
+            <a:spLocks noGrp="1" noRot="1" noChangeAspect="1"/>
+          </p:cNvSpPr>
           <p:nvPr>
-            <p:ph idx="2" type="sldImg"/>
+            <p:ph type="sldImg" idx="2"/>
           </p:nvPr>
         </p:nvSpPr>
         <p:spPr>
           <a:xfrm>
-            <a:off x="381300" y="685800"/>
+            <a:off x="381000" y="685800"/>
             <a:ext cx="6096000" cy="3429000"/>
           </a:xfrm>
           <a:custGeom>
+            <a:avLst/>
+            <a:gdLst/>
+            <a:ahLst/>
+            <a:cxnLst/>
+            <a:rect l="0" t="0" r="0" b="0"/>
             <a:pathLst>
-              <a:path extrusionOk="0" h="120000" w="120000">
+              <a:path w="120000" h="120000" extrusionOk="0">
                 <a:moveTo>
                   <a:pt x="0" y="0"/>
                 </a:moveTo>
@@ -663,9 +794,11 @@
       <p:sp>
         <p:nvSpPr>
           <p:cNvPr id="65" name="Shape 65"/>
-          <p:cNvSpPr txBox="1"/>
+          <p:cNvSpPr txBox="1">
+            <a:spLocks noGrp="1"/>
+          </p:cNvSpPr>
           <p:nvPr>
-            <p:ph idx="1" type="body"/>
+            <p:ph type="body" idx="1"/>
           </p:nvPr>
         </p:nvSpPr>
         <p:spPr>
@@ -678,12 +811,12 @@
           </a:prstGeom>
         </p:spPr>
         <p:txBody>
-          <a:bodyPr anchorCtr="0" anchor="t" bIns="91425" lIns="91425" rIns="91425" wrap="square" tIns="91425">
+          <a:bodyPr wrap="square" lIns="91425" tIns="91425" rIns="91425" bIns="91425" anchor="t" anchorCtr="0">
             <a:noAutofit/>
           </a:bodyPr>
           <a:lstStyle/>
           <a:p>
-            <a:pPr indent="0" lvl="0" marL="0">
+            <a:pPr marL="0" lvl="0" indent="0">
               <a:spcBef>
                 <a:spcPts val="0"/>
               </a:spcBef>
@@ -692,9 +825,6 @@
               </a:spcAft>
               <a:buNone/>
             </a:pPr>
-            <a:r>
-              <a:t/>
-            </a:r>
             <a:endParaRPr/>
           </a:p>
         </p:txBody>
@@ -707,12 +837,139 @@
 </p:notes>
 </file>
 
+<file path=ppt/notesSlides/notesSlide4.xml><?xml version="1.0" encoding="utf-8"?>
+<p:notes xmlns:a="http://schemas.openxmlformats.org/drawingml/2006/main" xmlns:r="http://schemas.openxmlformats.org/officeDocument/2006/relationships" xmlns:p="http://schemas.openxmlformats.org/presentationml/2006/main">
+  <p:cSld>
+    <p:spTree>
+      <p:nvGrpSpPr>
+        <p:cNvPr id="1" name=""/>
+        <p:cNvGrpSpPr/>
+        <p:nvPr/>
+      </p:nvGrpSpPr>
+      <p:grpSpPr>
+        <a:xfrm>
+          <a:off x="0" y="0"/>
+          <a:ext cx="0" cy="0"/>
+          <a:chOff x="0" y="0"/>
+          <a:chExt cx="0" cy="0"/>
+        </a:xfrm>
+      </p:grpSpPr>
+      <p:sp>
+        <p:nvSpPr>
+          <p:cNvPr id="2" name="Espace réservé de l'image des diapositives 1"/>
+          <p:cNvSpPr>
+            <a:spLocks noGrp="1" noRot="1" noChangeAspect="1"/>
+          </p:cNvSpPr>
+          <p:nvPr>
+            <p:ph type="sldImg"/>
+          </p:nvPr>
+        </p:nvSpPr>
+        <p:spPr>
+          <a:xfrm>
+            <a:off x="381000" y="685800"/>
+            <a:ext cx="6096000" cy="3429000"/>
+          </a:xfrm>
+        </p:spPr>
+      </p:sp>
+      <p:sp>
+        <p:nvSpPr>
+          <p:cNvPr id="3" name="Espace réservé des notes 2"/>
+          <p:cNvSpPr>
+            <a:spLocks noGrp="1"/>
+          </p:cNvSpPr>
+          <p:nvPr>
+            <p:ph type="body" idx="1"/>
+          </p:nvPr>
+        </p:nvSpPr>
+        <p:spPr/>
+        <p:txBody>
+          <a:bodyPr/>
+          <a:lstStyle/>
+          <a:p>
+            <a:endParaRPr lang="fr-FR" dirty="0"/>
+          </a:p>
+        </p:txBody>
+      </p:sp>
+    </p:spTree>
+    <p:extLst>
+      <p:ext uri="{BB962C8B-B14F-4D97-AF65-F5344CB8AC3E}">
+        <p14:creationId xmlns:p14="http://schemas.microsoft.com/office/powerpoint/2010/main" val="2635255640"/>
+      </p:ext>
+    </p:extLst>
+  </p:cSld>
+  <p:clrMapOvr>
+    <a:masterClrMapping/>
+  </p:clrMapOvr>
+</p:notes>
+</file>
+
+<file path=ppt/notesSlides/notesSlide5.xml><?xml version="1.0" encoding="utf-8"?>
+<p:notes xmlns:a="http://schemas.openxmlformats.org/drawingml/2006/main" xmlns:r="http://schemas.openxmlformats.org/officeDocument/2006/relationships" xmlns:p="http://schemas.openxmlformats.org/presentationml/2006/main">
+  <p:cSld>
+    <p:spTree>
+      <p:nvGrpSpPr>
+        <p:cNvPr id="1" name=""/>
+        <p:cNvGrpSpPr/>
+        <p:nvPr/>
+      </p:nvGrpSpPr>
+      <p:grpSpPr>
+        <a:xfrm>
+          <a:off x="0" y="0"/>
+          <a:ext cx="0" cy="0"/>
+          <a:chOff x="0" y="0"/>
+          <a:chExt cx="0" cy="0"/>
+        </a:xfrm>
+      </p:grpSpPr>
+      <p:sp>
+        <p:nvSpPr>
+          <p:cNvPr id="2" name="Espace réservé de l'image des diapositives 1"/>
+          <p:cNvSpPr>
+            <a:spLocks noGrp="1" noRot="1" noChangeAspect="1"/>
+          </p:cNvSpPr>
+          <p:nvPr>
+            <p:ph type="sldImg"/>
+          </p:nvPr>
+        </p:nvSpPr>
+        <p:spPr/>
+      </p:sp>
+      <p:sp>
+        <p:nvSpPr>
+          <p:cNvPr id="3" name="Espace réservé des notes 2"/>
+          <p:cNvSpPr>
+            <a:spLocks noGrp="1"/>
+          </p:cNvSpPr>
+          <p:nvPr>
+            <p:ph type="body" idx="1"/>
+          </p:nvPr>
+        </p:nvSpPr>
+        <p:spPr/>
+        <p:txBody>
+          <a:bodyPr/>
+          <a:lstStyle/>
+          <a:p>
+            <a:endParaRPr lang="fr-FR" dirty="0"/>
+          </a:p>
+        </p:txBody>
+      </p:sp>
+    </p:spTree>
+    <p:extLst>
+      <p:ext uri="{BB962C8B-B14F-4D97-AF65-F5344CB8AC3E}">
+        <p14:creationId xmlns:p14="http://schemas.microsoft.com/office/powerpoint/2010/main" val="3629651671"/>
+      </p:ext>
+    </p:extLst>
+  </p:cSld>
+  <p:clrMapOvr>
+    <a:masterClrMapping/>
+  </p:clrMapOvr>
+</p:notes>
+</file>
+
 <file path=ppt/slideLayouts/slideLayout1.xml><?xml version="1.0" encoding="utf-8"?>
-<p:sldLayout xmlns:a="http://schemas.openxmlformats.org/drawingml/2006/main" xmlns:r="http://schemas.openxmlformats.org/officeDocument/2006/relationships" xmlns:mc="http://schemas.openxmlformats.org/markup-compatibility/2006" xmlns:mv="urn:schemas-microsoft-com:mac:vml" xmlns:p="http://schemas.openxmlformats.org/presentationml/2006/main" xmlns:c="http://schemas.openxmlformats.org/drawingml/2006/chart" xmlns:dgm="http://schemas.openxmlformats.org/drawingml/2006/diagram" xmlns:o="urn:schemas-microsoft-com:office:office" xmlns:v="urn:schemas-microsoft-com:vml" xmlns:pvml="urn:schemas-microsoft-com:office:powerpoint" xmlns:com="http://schemas.openxmlformats.org/drawingml/2006/compatibility" xmlns:p14="http://schemas.microsoft.com/office/powerpoint/2010/main" xmlns:p15="http://schemas.microsoft.com/office/powerpoint/2012/main" type="title">
+<p:sldLayout xmlns:a="http://schemas.openxmlformats.org/drawingml/2006/main" xmlns:r="http://schemas.openxmlformats.org/officeDocument/2006/relationships" xmlns:p="http://schemas.openxmlformats.org/presentationml/2006/main" type="title">
   <p:cSld name="Title slide">
     <p:spTree>
       <p:nvGrpSpPr>
-        <p:cNvPr id="9" name="Shape 9"/>
+        <p:cNvPr id="1" name="Shape 9"/>
         <p:cNvGrpSpPr/>
         <p:nvPr/>
       </p:nvGrpSpPr>
@@ -727,7 +984,9 @@
       <p:sp>
         <p:nvSpPr>
           <p:cNvPr id="10" name="Shape 10"/>
-          <p:cNvSpPr txBox="1"/>
+          <p:cNvSpPr txBox="1">
+            <a:spLocks noGrp="1"/>
+          </p:cNvSpPr>
           <p:nvPr>
             <p:ph type="ctrTitle"/>
           </p:nvPr>
@@ -742,7 +1001,7 @@
           </a:prstGeom>
         </p:spPr>
         <p:txBody>
-          <a:bodyPr anchorCtr="0" anchor="b" bIns="91425" lIns="91425" rIns="91425" wrap="square" tIns="91425"/>
+          <a:bodyPr wrap="square" lIns="91425" tIns="91425" rIns="91425" bIns="91425" anchor="b" anchorCtr="0"/>
           <a:lstStyle>
             <a:lvl1pPr lvl="0" algn="ctr">
               <a:spcBef>
@@ -844,15 +1103,19 @@
               <a:defRPr sz="5200"/>
             </a:lvl9pPr>
           </a:lstStyle>
-          <a:p/>
+          <a:p>
+            <a:endParaRPr/>
+          </a:p>
         </p:txBody>
       </p:sp>
       <p:sp>
         <p:nvSpPr>
           <p:cNvPr id="11" name="Shape 11"/>
-          <p:cNvSpPr txBox="1"/>
+          <p:cNvSpPr txBox="1">
+            <a:spLocks noGrp="1"/>
+          </p:cNvSpPr>
           <p:nvPr>
-            <p:ph idx="1" type="subTitle"/>
+            <p:ph type="subTitle" idx="1"/>
           </p:nvPr>
         </p:nvSpPr>
         <p:spPr>
@@ -865,7 +1128,7 @@
           </a:prstGeom>
         </p:spPr>
         <p:txBody>
-          <a:bodyPr anchorCtr="0" anchor="t" bIns="91425" lIns="91425" rIns="91425" wrap="square" tIns="91425"/>
+          <a:bodyPr wrap="square" lIns="91425" tIns="91425" rIns="91425" bIns="91425" anchor="t" anchorCtr="0"/>
           <a:lstStyle>
             <a:lvl1pPr lvl="0" algn="ctr">
               <a:lnSpc>
@@ -994,15 +1257,19 @@
               <a:defRPr sz="2800"/>
             </a:lvl9pPr>
           </a:lstStyle>
-          <a:p/>
+          <a:p>
+            <a:endParaRPr/>
+          </a:p>
         </p:txBody>
       </p:sp>
       <p:sp>
         <p:nvSpPr>
           <p:cNvPr id="12" name="Shape 12"/>
-          <p:cNvSpPr txBox="1"/>
+          <p:cNvSpPr txBox="1">
+            <a:spLocks noGrp="1"/>
+          </p:cNvSpPr>
           <p:nvPr>
-            <p:ph idx="12" type="sldNum"/>
+            <p:ph type="sldNum" idx="12"/>
           </p:nvPr>
         </p:nvSpPr>
         <p:spPr>
@@ -1015,12 +1282,12 @@
           </a:prstGeom>
         </p:spPr>
         <p:txBody>
-          <a:bodyPr anchorCtr="0" anchor="ctr" bIns="91425" lIns="91425" rIns="91425" wrap="square" tIns="91425">
+          <a:bodyPr wrap="square" lIns="91425" tIns="91425" rIns="91425" bIns="91425" anchor="ctr" anchorCtr="0">
             <a:noAutofit/>
           </a:bodyPr>
           <a:lstStyle/>
           <a:p>
-            <a:pPr indent="0" lvl="0" marL="0">
+            <a:pPr marL="0" lvl="0" indent="0">
               <a:spcBef>
                 <a:spcPts val="0"/>
               </a:spcBef>
@@ -1031,7 +1298,7 @@
             </a:pPr>
             <a:fld id="{00000000-1234-1234-1234-123412341234}" type="slidenum">
               <a:rPr lang="en"/>
-              <a:t>‹#›</a:t>
+              <a:t>‹N°›</a:t>
             </a:fld>
             <a:endParaRPr/>
           </a:p>
@@ -1046,11 +1313,11 @@
 </file>
 
 <file path=ppt/slideLayouts/slideLayout10.xml><?xml version="1.0" encoding="utf-8"?>
-<p:sldLayout xmlns:a="http://schemas.openxmlformats.org/drawingml/2006/main" xmlns:r="http://schemas.openxmlformats.org/officeDocument/2006/relationships" xmlns:mc="http://schemas.openxmlformats.org/markup-compatibility/2006" xmlns:mv="urn:schemas-microsoft-com:mac:vml" xmlns:p="http://schemas.openxmlformats.org/presentationml/2006/main" xmlns:c="http://schemas.openxmlformats.org/drawingml/2006/chart" xmlns:dgm="http://schemas.openxmlformats.org/drawingml/2006/diagram" xmlns:o="urn:schemas-microsoft-com:office:office" xmlns:v="urn:schemas-microsoft-com:vml" xmlns:pvml="urn:schemas-microsoft-com:office:powerpoint" xmlns:com="http://schemas.openxmlformats.org/drawingml/2006/compatibility" xmlns:p14="http://schemas.microsoft.com/office/powerpoint/2010/main" xmlns:p15="http://schemas.microsoft.com/office/powerpoint/2012/main">
+<p:sldLayout xmlns:a="http://schemas.openxmlformats.org/drawingml/2006/main" xmlns:r="http://schemas.openxmlformats.org/officeDocument/2006/relationships" xmlns:p="http://schemas.openxmlformats.org/presentationml/2006/main">
   <p:cSld name="Big number">
     <p:spTree>
       <p:nvGrpSpPr>
-        <p:cNvPr id="44" name="Shape 44"/>
+        <p:cNvPr id="1" name="Shape 44"/>
         <p:cNvGrpSpPr/>
         <p:nvPr/>
       </p:nvGrpSpPr>
@@ -1065,7 +1332,9 @@
       <p:sp>
         <p:nvSpPr>
           <p:cNvPr id="45" name="Shape 45"/>
-          <p:cNvSpPr txBox="1"/>
+          <p:cNvSpPr txBox="1">
+            <a:spLocks noGrp="1"/>
+          </p:cNvSpPr>
           <p:nvPr>
             <p:ph type="title"/>
           </p:nvPr>
@@ -1080,7 +1349,7 @@
           </a:prstGeom>
         </p:spPr>
         <p:txBody>
-          <a:bodyPr anchorCtr="0" anchor="b" bIns="91425" lIns="91425" rIns="91425" wrap="square" tIns="91425"/>
+          <a:bodyPr wrap="square" lIns="91425" tIns="91425" rIns="91425" bIns="91425" anchor="b" anchorCtr="0"/>
           <a:lstStyle>
             <a:lvl1pPr lvl="0" algn="ctr">
               <a:spcBef>
@@ -1182,15 +1451,19 @@
               <a:defRPr sz="12000"/>
             </a:lvl9pPr>
           </a:lstStyle>
-          <a:p/>
+          <a:p>
+            <a:endParaRPr/>
+          </a:p>
         </p:txBody>
       </p:sp>
       <p:sp>
         <p:nvSpPr>
           <p:cNvPr id="46" name="Shape 46"/>
-          <p:cNvSpPr txBox="1"/>
+          <p:cNvSpPr txBox="1">
+            <a:spLocks noGrp="1"/>
+          </p:cNvSpPr>
           <p:nvPr>
-            <p:ph idx="1" type="body"/>
+            <p:ph type="body" idx="1"/>
           </p:nvPr>
         </p:nvSpPr>
         <p:spPr>
@@ -1203,9 +1476,9 @@
           </a:prstGeom>
         </p:spPr>
         <p:txBody>
-          <a:bodyPr anchorCtr="0" anchor="t" bIns="91425" lIns="91425" rIns="91425" wrap="square" tIns="91425"/>
+          <a:bodyPr wrap="square" lIns="91425" tIns="91425" rIns="91425" bIns="91425" anchor="t" anchorCtr="0"/>
           <a:lstStyle>
-            <a:lvl1pPr indent="-342900" lvl="0" marL="457200" algn="ctr">
+            <a:lvl1pPr marL="457200" lvl="0" indent="-342900" algn="ctr">
               <a:spcBef>
                 <a:spcPts val="0"/>
               </a:spcBef>
@@ -1216,7 +1489,7 @@
               <a:buChar char="●"/>
               <a:defRPr/>
             </a:lvl1pPr>
-            <a:lvl2pPr indent="-317500" lvl="1" marL="914400" algn="ctr">
+            <a:lvl2pPr marL="914400" lvl="1" indent="-317500" algn="ctr">
               <a:spcBef>
                 <a:spcPts val="1600"/>
               </a:spcBef>
@@ -1227,7 +1500,7 @@
               <a:buChar char="○"/>
               <a:defRPr/>
             </a:lvl2pPr>
-            <a:lvl3pPr indent="-317500" lvl="2" marL="1371600" algn="ctr">
+            <a:lvl3pPr marL="1371600" lvl="2" indent="-317500" algn="ctr">
               <a:spcBef>
                 <a:spcPts val="1600"/>
               </a:spcBef>
@@ -1238,7 +1511,7 @@
               <a:buChar char="■"/>
               <a:defRPr/>
             </a:lvl3pPr>
-            <a:lvl4pPr indent="-317500" lvl="3" marL="1828800" algn="ctr">
+            <a:lvl4pPr marL="1828800" lvl="3" indent="-317500" algn="ctr">
               <a:spcBef>
                 <a:spcPts val="1600"/>
               </a:spcBef>
@@ -1249,7 +1522,7 @@
               <a:buChar char="●"/>
               <a:defRPr/>
             </a:lvl4pPr>
-            <a:lvl5pPr indent="-317500" lvl="4" marL="2286000" algn="ctr">
+            <a:lvl5pPr marL="2286000" lvl="4" indent="-317500" algn="ctr">
               <a:spcBef>
                 <a:spcPts val="1600"/>
               </a:spcBef>
@@ -1260,7 +1533,7 @@
               <a:buChar char="○"/>
               <a:defRPr/>
             </a:lvl5pPr>
-            <a:lvl6pPr indent="-317500" lvl="5" marL="2743200" algn="ctr">
+            <a:lvl6pPr marL="2743200" lvl="5" indent="-317500" algn="ctr">
               <a:spcBef>
                 <a:spcPts val="1600"/>
               </a:spcBef>
@@ -1271,7 +1544,7 @@
               <a:buChar char="■"/>
               <a:defRPr/>
             </a:lvl6pPr>
-            <a:lvl7pPr indent="-317500" lvl="6" marL="3200400" algn="ctr">
+            <a:lvl7pPr marL="3200400" lvl="6" indent="-317500" algn="ctr">
               <a:spcBef>
                 <a:spcPts val="1600"/>
               </a:spcBef>
@@ -1282,7 +1555,7 @@
               <a:buChar char="●"/>
               <a:defRPr/>
             </a:lvl7pPr>
-            <a:lvl8pPr indent="-317500" lvl="7" marL="3657600" algn="ctr">
+            <a:lvl8pPr marL="3657600" lvl="7" indent="-317500" algn="ctr">
               <a:spcBef>
                 <a:spcPts val="1600"/>
               </a:spcBef>
@@ -1293,7 +1566,7 @@
               <a:buChar char="○"/>
               <a:defRPr/>
             </a:lvl8pPr>
-            <a:lvl9pPr indent="-317500" lvl="8" marL="4114800" algn="ctr">
+            <a:lvl9pPr marL="4114800" lvl="8" indent="-317500" algn="ctr">
               <a:spcBef>
                 <a:spcPts val="1600"/>
               </a:spcBef>
@@ -1305,15 +1578,19 @@
               <a:defRPr/>
             </a:lvl9pPr>
           </a:lstStyle>
-          <a:p/>
+          <a:p>
+            <a:endParaRPr/>
+          </a:p>
         </p:txBody>
       </p:sp>
       <p:sp>
         <p:nvSpPr>
           <p:cNvPr id="47" name="Shape 47"/>
-          <p:cNvSpPr txBox="1"/>
+          <p:cNvSpPr txBox="1">
+            <a:spLocks noGrp="1"/>
+          </p:cNvSpPr>
           <p:nvPr>
-            <p:ph idx="12" type="sldNum"/>
+            <p:ph type="sldNum" idx="12"/>
           </p:nvPr>
         </p:nvSpPr>
         <p:spPr>
@@ -1326,12 +1603,12 @@
           </a:prstGeom>
         </p:spPr>
         <p:txBody>
-          <a:bodyPr anchorCtr="0" anchor="ctr" bIns="91425" lIns="91425" rIns="91425" wrap="square" tIns="91425">
+          <a:bodyPr wrap="square" lIns="91425" tIns="91425" rIns="91425" bIns="91425" anchor="ctr" anchorCtr="0">
             <a:noAutofit/>
           </a:bodyPr>
           <a:lstStyle/>
           <a:p>
-            <a:pPr indent="0" lvl="0" marL="0">
+            <a:pPr marL="0" lvl="0" indent="0">
               <a:spcBef>
                 <a:spcPts val="0"/>
               </a:spcBef>
@@ -1342,7 +1619,7 @@
             </a:pPr>
             <a:fld id="{00000000-1234-1234-1234-123412341234}" type="slidenum">
               <a:rPr lang="en"/>
-              <a:t>‹#›</a:t>
+              <a:t>‹N°›</a:t>
             </a:fld>
             <a:endParaRPr/>
           </a:p>
@@ -1357,11 +1634,11 @@
 </file>
 
 <file path=ppt/slideLayouts/slideLayout11.xml><?xml version="1.0" encoding="utf-8"?>
-<p:sldLayout xmlns:a="http://schemas.openxmlformats.org/drawingml/2006/main" xmlns:r="http://schemas.openxmlformats.org/officeDocument/2006/relationships" xmlns:mc="http://schemas.openxmlformats.org/markup-compatibility/2006" xmlns:mv="urn:schemas-microsoft-com:mac:vml" xmlns:p="http://schemas.openxmlformats.org/presentationml/2006/main" xmlns:c="http://schemas.openxmlformats.org/drawingml/2006/chart" xmlns:dgm="http://schemas.openxmlformats.org/drawingml/2006/diagram" xmlns:o="urn:schemas-microsoft-com:office:office" xmlns:v="urn:schemas-microsoft-com:vml" xmlns:pvml="urn:schemas-microsoft-com:office:powerpoint" xmlns:com="http://schemas.openxmlformats.org/drawingml/2006/compatibility" xmlns:p14="http://schemas.microsoft.com/office/powerpoint/2010/main" xmlns:p15="http://schemas.microsoft.com/office/powerpoint/2012/main" type="blank">
+<p:sldLayout xmlns:a="http://schemas.openxmlformats.org/drawingml/2006/main" xmlns:r="http://schemas.openxmlformats.org/officeDocument/2006/relationships" xmlns:p="http://schemas.openxmlformats.org/presentationml/2006/main" type="blank">
   <p:cSld name="Blank">
     <p:spTree>
       <p:nvGrpSpPr>
-        <p:cNvPr id="48" name="Shape 48"/>
+        <p:cNvPr id="1" name="Shape 48"/>
         <p:cNvGrpSpPr/>
         <p:nvPr/>
       </p:nvGrpSpPr>
@@ -1376,9 +1653,11 @@
       <p:sp>
         <p:nvSpPr>
           <p:cNvPr id="49" name="Shape 49"/>
-          <p:cNvSpPr txBox="1"/>
+          <p:cNvSpPr txBox="1">
+            <a:spLocks noGrp="1"/>
+          </p:cNvSpPr>
           <p:nvPr>
-            <p:ph idx="12" type="sldNum"/>
+            <p:ph type="sldNum" idx="12"/>
           </p:nvPr>
         </p:nvSpPr>
         <p:spPr>
@@ -1391,12 +1670,12 @@
           </a:prstGeom>
         </p:spPr>
         <p:txBody>
-          <a:bodyPr anchorCtr="0" anchor="ctr" bIns="91425" lIns="91425" rIns="91425" wrap="square" tIns="91425">
+          <a:bodyPr wrap="square" lIns="91425" tIns="91425" rIns="91425" bIns="91425" anchor="ctr" anchorCtr="0">
             <a:noAutofit/>
           </a:bodyPr>
           <a:lstStyle/>
           <a:p>
-            <a:pPr indent="0" lvl="0" marL="0">
+            <a:pPr marL="0" lvl="0" indent="0">
               <a:spcBef>
                 <a:spcPts val="0"/>
               </a:spcBef>
@@ -1407,7 +1686,7 @@
             </a:pPr>
             <a:fld id="{00000000-1234-1234-1234-123412341234}" type="slidenum">
               <a:rPr lang="en"/>
-              <a:t>‹#›</a:t>
+              <a:t>‹N°›</a:t>
             </a:fld>
             <a:endParaRPr/>
           </a:p>
@@ -1422,11 +1701,11 @@
 </file>
 
 <file path=ppt/slideLayouts/slideLayout2.xml><?xml version="1.0" encoding="utf-8"?>
-<p:sldLayout xmlns:a="http://schemas.openxmlformats.org/drawingml/2006/main" xmlns:r="http://schemas.openxmlformats.org/officeDocument/2006/relationships" xmlns:mc="http://schemas.openxmlformats.org/markup-compatibility/2006" xmlns:mv="urn:schemas-microsoft-com:mac:vml" xmlns:p="http://schemas.openxmlformats.org/presentationml/2006/main" xmlns:c="http://schemas.openxmlformats.org/drawingml/2006/chart" xmlns:dgm="http://schemas.openxmlformats.org/drawingml/2006/diagram" xmlns:o="urn:schemas-microsoft-com:office:office" xmlns:v="urn:schemas-microsoft-com:vml" xmlns:pvml="urn:schemas-microsoft-com:office:powerpoint" xmlns:com="http://schemas.openxmlformats.org/drawingml/2006/compatibility" xmlns:p14="http://schemas.microsoft.com/office/powerpoint/2010/main" xmlns:p15="http://schemas.microsoft.com/office/powerpoint/2012/main" type="secHead">
+<p:sldLayout xmlns:a="http://schemas.openxmlformats.org/drawingml/2006/main" xmlns:r="http://schemas.openxmlformats.org/officeDocument/2006/relationships" xmlns:p="http://schemas.openxmlformats.org/presentationml/2006/main" type="secHead">
   <p:cSld name="Section header">
     <p:spTree>
       <p:nvGrpSpPr>
-        <p:cNvPr id="13" name="Shape 13"/>
+        <p:cNvPr id="1" name="Shape 13"/>
         <p:cNvGrpSpPr/>
         <p:nvPr/>
       </p:nvGrpSpPr>
@@ -1441,7 +1720,9 @@
       <p:sp>
         <p:nvSpPr>
           <p:cNvPr id="14" name="Shape 14"/>
-          <p:cNvSpPr txBox="1"/>
+          <p:cNvSpPr txBox="1">
+            <a:spLocks noGrp="1"/>
+          </p:cNvSpPr>
           <p:nvPr>
             <p:ph type="title"/>
           </p:nvPr>
@@ -1456,7 +1737,7 @@
           </a:prstGeom>
         </p:spPr>
         <p:txBody>
-          <a:bodyPr anchorCtr="0" anchor="ctr" bIns="91425" lIns="91425" rIns="91425" wrap="square" tIns="91425"/>
+          <a:bodyPr wrap="square" lIns="91425" tIns="91425" rIns="91425" bIns="91425" anchor="ctr" anchorCtr="0"/>
           <a:lstStyle>
             <a:lvl1pPr lvl="0" algn="ctr">
               <a:spcBef>
@@ -1558,15 +1839,19 @@
               <a:defRPr sz="3600"/>
             </a:lvl9pPr>
           </a:lstStyle>
-          <a:p/>
+          <a:p>
+            <a:endParaRPr/>
+          </a:p>
         </p:txBody>
       </p:sp>
       <p:sp>
         <p:nvSpPr>
           <p:cNvPr id="15" name="Shape 15"/>
-          <p:cNvSpPr txBox="1"/>
+          <p:cNvSpPr txBox="1">
+            <a:spLocks noGrp="1"/>
+          </p:cNvSpPr>
           <p:nvPr>
-            <p:ph idx="12" type="sldNum"/>
+            <p:ph type="sldNum" idx="12"/>
           </p:nvPr>
         </p:nvSpPr>
         <p:spPr>
@@ -1579,12 +1864,12 @@
           </a:prstGeom>
         </p:spPr>
         <p:txBody>
-          <a:bodyPr anchorCtr="0" anchor="ctr" bIns="91425" lIns="91425" rIns="91425" wrap="square" tIns="91425">
+          <a:bodyPr wrap="square" lIns="91425" tIns="91425" rIns="91425" bIns="91425" anchor="ctr" anchorCtr="0">
             <a:noAutofit/>
           </a:bodyPr>
           <a:lstStyle/>
           <a:p>
-            <a:pPr indent="0" lvl="0" marL="0">
+            <a:pPr marL="0" lvl="0" indent="0">
               <a:spcBef>
                 <a:spcPts val="0"/>
               </a:spcBef>
@@ -1595,7 +1880,7 @@
             </a:pPr>
             <a:fld id="{00000000-1234-1234-1234-123412341234}" type="slidenum">
               <a:rPr lang="en"/>
-              <a:t>‹#›</a:t>
+              <a:t>‹N°›</a:t>
             </a:fld>
             <a:endParaRPr/>
           </a:p>
@@ -1610,11 +1895,11 @@
 </file>
 
 <file path=ppt/slideLayouts/slideLayout3.xml><?xml version="1.0" encoding="utf-8"?>
-<p:sldLayout xmlns:a="http://schemas.openxmlformats.org/drawingml/2006/main" xmlns:r="http://schemas.openxmlformats.org/officeDocument/2006/relationships" xmlns:mc="http://schemas.openxmlformats.org/markup-compatibility/2006" xmlns:mv="urn:schemas-microsoft-com:mac:vml" xmlns:p="http://schemas.openxmlformats.org/presentationml/2006/main" xmlns:c="http://schemas.openxmlformats.org/drawingml/2006/chart" xmlns:dgm="http://schemas.openxmlformats.org/drawingml/2006/diagram" xmlns:o="urn:schemas-microsoft-com:office:office" xmlns:v="urn:schemas-microsoft-com:vml" xmlns:pvml="urn:schemas-microsoft-com:office:powerpoint" xmlns:com="http://schemas.openxmlformats.org/drawingml/2006/compatibility" xmlns:p14="http://schemas.microsoft.com/office/powerpoint/2010/main" xmlns:p15="http://schemas.microsoft.com/office/powerpoint/2012/main" type="tx">
+<p:sldLayout xmlns:a="http://schemas.openxmlformats.org/drawingml/2006/main" xmlns:r="http://schemas.openxmlformats.org/officeDocument/2006/relationships" xmlns:p="http://schemas.openxmlformats.org/presentationml/2006/main" type="tx">
   <p:cSld name="Title and body">
     <p:spTree>
       <p:nvGrpSpPr>
-        <p:cNvPr id="16" name="Shape 16"/>
+        <p:cNvPr id="1" name="Shape 16"/>
         <p:cNvGrpSpPr/>
         <p:nvPr/>
       </p:nvGrpSpPr>
@@ -1629,7 +1914,9 @@
       <p:sp>
         <p:nvSpPr>
           <p:cNvPr id="17" name="Shape 17"/>
-          <p:cNvSpPr txBox="1"/>
+          <p:cNvSpPr txBox="1">
+            <a:spLocks noGrp="1"/>
+          </p:cNvSpPr>
           <p:nvPr>
             <p:ph type="title"/>
           </p:nvPr>
@@ -1644,7 +1931,7 @@
           </a:prstGeom>
         </p:spPr>
         <p:txBody>
-          <a:bodyPr anchorCtr="0" anchor="t" bIns="91425" lIns="91425" rIns="91425" wrap="square" tIns="91425"/>
+          <a:bodyPr wrap="square" lIns="91425" tIns="91425" rIns="91425" bIns="91425" anchor="t" anchorCtr="0"/>
           <a:lstStyle>
             <a:lvl1pPr lvl="0">
               <a:spcBef>
@@ -1746,15 +2033,19 @@
               <a:defRPr/>
             </a:lvl9pPr>
           </a:lstStyle>
-          <a:p/>
+          <a:p>
+            <a:endParaRPr/>
+          </a:p>
         </p:txBody>
       </p:sp>
       <p:sp>
         <p:nvSpPr>
           <p:cNvPr id="18" name="Shape 18"/>
-          <p:cNvSpPr txBox="1"/>
+          <p:cNvSpPr txBox="1">
+            <a:spLocks noGrp="1"/>
+          </p:cNvSpPr>
           <p:nvPr>
-            <p:ph idx="1" type="body"/>
+            <p:ph type="body" idx="1"/>
           </p:nvPr>
         </p:nvSpPr>
         <p:spPr>
@@ -1767,9 +2058,9 @@
           </a:prstGeom>
         </p:spPr>
         <p:txBody>
-          <a:bodyPr anchorCtr="0" anchor="t" bIns="91425" lIns="91425" rIns="91425" wrap="square" tIns="91425"/>
+          <a:bodyPr wrap="square" lIns="91425" tIns="91425" rIns="91425" bIns="91425" anchor="t" anchorCtr="0"/>
           <a:lstStyle>
-            <a:lvl1pPr indent="-342900" lvl="0" marL="457200">
+            <a:lvl1pPr marL="457200" lvl="0" indent="-342900">
               <a:spcBef>
                 <a:spcPts val="0"/>
               </a:spcBef>
@@ -1780,7 +2071,7 @@
               <a:buChar char="●"/>
               <a:defRPr/>
             </a:lvl1pPr>
-            <a:lvl2pPr indent="-317500" lvl="1" marL="914400">
+            <a:lvl2pPr marL="914400" lvl="1" indent="-317500">
               <a:spcBef>
                 <a:spcPts val="1600"/>
               </a:spcBef>
@@ -1791,7 +2082,7 @@
               <a:buChar char="○"/>
               <a:defRPr/>
             </a:lvl2pPr>
-            <a:lvl3pPr indent="-317500" lvl="2" marL="1371600">
+            <a:lvl3pPr marL="1371600" lvl="2" indent="-317500">
               <a:spcBef>
                 <a:spcPts val="1600"/>
               </a:spcBef>
@@ -1802,7 +2093,7 @@
               <a:buChar char="■"/>
               <a:defRPr/>
             </a:lvl3pPr>
-            <a:lvl4pPr indent="-317500" lvl="3" marL="1828800">
+            <a:lvl4pPr marL="1828800" lvl="3" indent="-317500">
               <a:spcBef>
                 <a:spcPts val="1600"/>
               </a:spcBef>
@@ -1813,7 +2104,7 @@
               <a:buChar char="●"/>
               <a:defRPr/>
             </a:lvl4pPr>
-            <a:lvl5pPr indent="-317500" lvl="4" marL="2286000">
+            <a:lvl5pPr marL="2286000" lvl="4" indent="-317500">
               <a:spcBef>
                 <a:spcPts val="1600"/>
               </a:spcBef>
@@ -1824,7 +2115,7 @@
               <a:buChar char="○"/>
               <a:defRPr/>
             </a:lvl5pPr>
-            <a:lvl6pPr indent="-317500" lvl="5" marL="2743200">
+            <a:lvl6pPr marL="2743200" lvl="5" indent="-317500">
               <a:spcBef>
                 <a:spcPts val="1600"/>
               </a:spcBef>
@@ -1835,7 +2126,7 @@
               <a:buChar char="■"/>
               <a:defRPr/>
             </a:lvl6pPr>
-            <a:lvl7pPr indent="-317500" lvl="6" marL="3200400">
+            <a:lvl7pPr marL="3200400" lvl="6" indent="-317500">
               <a:spcBef>
                 <a:spcPts val="1600"/>
               </a:spcBef>
@@ -1846,7 +2137,7 @@
               <a:buChar char="●"/>
               <a:defRPr/>
             </a:lvl7pPr>
-            <a:lvl8pPr indent="-317500" lvl="7" marL="3657600">
+            <a:lvl8pPr marL="3657600" lvl="7" indent="-317500">
               <a:spcBef>
                 <a:spcPts val="1600"/>
               </a:spcBef>
@@ -1857,7 +2148,7 @@
               <a:buChar char="○"/>
               <a:defRPr/>
             </a:lvl8pPr>
-            <a:lvl9pPr indent="-317500" lvl="8" marL="4114800">
+            <a:lvl9pPr marL="4114800" lvl="8" indent="-317500">
               <a:spcBef>
                 <a:spcPts val="1600"/>
               </a:spcBef>
@@ -1869,15 +2160,19 @@
               <a:defRPr/>
             </a:lvl9pPr>
           </a:lstStyle>
-          <a:p/>
+          <a:p>
+            <a:endParaRPr/>
+          </a:p>
         </p:txBody>
       </p:sp>
       <p:sp>
         <p:nvSpPr>
           <p:cNvPr id="19" name="Shape 19"/>
-          <p:cNvSpPr txBox="1"/>
+          <p:cNvSpPr txBox="1">
+            <a:spLocks noGrp="1"/>
+          </p:cNvSpPr>
           <p:nvPr>
-            <p:ph idx="12" type="sldNum"/>
+            <p:ph type="sldNum" idx="12"/>
           </p:nvPr>
         </p:nvSpPr>
         <p:spPr>
@@ -1890,12 +2185,12 @@
           </a:prstGeom>
         </p:spPr>
         <p:txBody>
-          <a:bodyPr anchorCtr="0" anchor="ctr" bIns="91425" lIns="91425" rIns="91425" wrap="square" tIns="91425">
+          <a:bodyPr wrap="square" lIns="91425" tIns="91425" rIns="91425" bIns="91425" anchor="ctr" anchorCtr="0">
             <a:noAutofit/>
           </a:bodyPr>
           <a:lstStyle/>
           <a:p>
-            <a:pPr indent="0" lvl="0" marL="0">
+            <a:pPr marL="0" lvl="0" indent="0">
               <a:spcBef>
                 <a:spcPts val="0"/>
               </a:spcBef>
@@ -1906,7 +2201,7 @@
             </a:pPr>
             <a:fld id="{00000000-1234-1234-1234-123412341234}" type="slidenum">
               <a:rPr lang="en"/>
-              <a:t>‹#›</a:t>
+              <a:t>‹N°›</a:t>
             </a:fld>
             <a:endParaRPr/>
           </a:p>
@@ -1921,11 +2216,11 @@
 </file>
 
 <file path=ppt/slideLayouts/slideLayout4.xml><?xml version="1.0" encoding="utf-8"?>
-<p:sldLayout xmlns:a="http://schemas.openxmlformats.org/drawingml/2006/main" xmlns:r="http://schemas.openxmlformats.org/officeDocument/2006/relationships" xmlns:mc="http://schemas.openxmlformats.org/markup-compatibility/2006" xmlns:mv="urn:schemas-microsoft-com:mac:vml" xmlns:p="http://schemas.openxmlformats.org/presentationml/2006/main" xmlns:c="http://schemas.openxmlformats.org/drawingml/2006/chart" xmlns:dgm="http://schemas.openxmlformats.org/drawingml/2006/diagram" xmlns:o="urn:schemas-microsoft-com:office:office" xmlns:v="urn:schemas-microsoft-com:vml" xmlns:pvml="urn:schemas-microsoft-com:office:powerpoint" xmlns:com="http://schemas.openxmlformats.org/drawingml/2006/compatibility" xmlns:p14="http://schemas.microsoft.com/office/powerpoint/2010/main" xmlns:p15="http://schemas.microsoft.com/office/powerpoint/2012/main" type="twoColTx">
+<p:sldLayout xmlns:a="http://schemas.openxmlformats.org/drawingml/2006/main" xmlns:r="http://schemas.openxmlformats.org/officeDocument/2006/relationships" xmlns:p="http://schemas.openxmlformats.org/presentationml/2006/main" type="twoColTx">
   <p:cSld name="Title and two columns">
     <p:spTree>
       <p:nvGrpSpPr>
-        <p:cNvPr id="20" name="Shape 20"/>
+        <p:cNvPr id="1" name="Shape 20"/>
         <p:cNvGrpSpPr/>
         <p:nvPr/>
       </p:nvGrpSpPr>
@@ -1940,7 +2235,9 @@
       <p:sp>
         <p:nvSpPr>
           <p:cNvPr id="21" name="Shape 21"/>
-          <p:cNvSpPr txBox="1"/>
+          <p:cNvSpPr txBox="1">
+            <a:spLocks noGrp="1"/>
+          </p:cNvSpPr>
           <p:nvPr>
             <p:ph type="title"/>
           </p:nvPr>
@@ -1955,7 +2252,7 @@
           </a:prstGeom>
         </p:spPr>
         <p:txBody>
-          <a:bodyPr anchorCtr="0" anchor="t" bIns="91425" lIns="91425" rIns="91425" wrap="square" tIns="91425"/>
+          <a:bodyPr wrap="square" lIns="91425" tIns="91425" rIns="91425" bIns="91425" anchor="t" anchorCtr="0"/>
           <a:lstStyle>
             <a:lvl1pPr lvl="0">
               <a:spcBef>
@@ -2057,15 +2354,19 @@
               <a:defRPr/>
             </a:lvl9pPr>
           </a:lstStyle>
-          <a:p/>
+          <a:p>
+            <a:endParaRPr/>
+          </a:p>
         </p:txBody>
       </p:sp>
       <p:sp>
         <p:nvSpPr>
           <p:cNvPr id="22" name="Shape 22"/>
-          <p:cNvSpPr txBox="1"/>
+          <p:cNvSpPr txBox="1">
+            <a:spLocks noGrp="1"/>
+          </p:cNvSpPr>
           <p:nvPr>
-            <p:ph idx="1" type="body"/>
+            <p:ph type="body" idx="1"/>
           </p:nvPr>
         </p:nvSpPr>
         <p:spPr>
@@ -2078,9 +2379,9 @@
           </a:prstGeom>
         </p:spPr>
         <p:txBody>
-          <a:bodyPr anchorCtr="0" anchor="t" bIns="91425" lIns="91425" rIns="91425" wrap="square" tIns="91425"/>
+          <a:bodyPr wrap="square" lIns="91425" tIns="91425" rIns="91425" bIns="91425" anchor="t" anchorCtr="0"/>
           <a:lstStyle>
-            <a:lvl1pPr indent="-317500" lvl="0" marL="457200">
+            <a:lvl1pPr marL="457200" lvl="0" indent="-317500">
               <a:spcBef>
                 <a:spcPts val="0"/>
               </a:spcBef>
@@ -2091,7 +2392,7 @@
               <a:buChar char="●"/>
               <a:defRPr sz="1400"/>
             </a:lvl1pPr>
-            <a:lvl2pPr indent="-304800" lvl="1" marL="914400">
+            <a:lvl2pPr marL="914400" lvl="1" indent="-304800">
               <a:spcBef>
                 <a:spcPts val="1600"/>
               </a:spcBef>
@@ -2102,7 +2403,7 @@
               <a:buChar char="○"/>
               <a:defRPr sz="1200"/>
             </a:lvl2pPr>
-            <a:lvl3pPr indent="-304800" lvl="2" marL="1371600">
+            <a:lvl3pPr marL="1371600" lvl="2" indent="-304800">
               <a:spcBef>
                 <a:spcPts val="1600"/>
               </a:spcBef>
@@ -2113,7 +2414,7 @@
               <a:buChar char="■"/>
               <a:defRPr sz="1200"/>
             </a:lvl3pPr>
-            <a:lvl4pPr indent="-304800" lvl="3" marL="1828800">
+            <a:lvl4pPr marL="1828800" lvl="3" indent="-304800">
               <a:spcBef>
                 <a:spcPts val="1600"/>
               </a:spcBef>
@@ -2124,7 +2425,7 @@
               <a:buChar char="●"/>
               <a:defRPr sz="1200"/>
             </a:lvl4pPr>
-            <a:lvl5pPr indent="-304800" lvl="4" marL="2286000">
+            <a:lvl5pPr marL="2286000" lvl="4" indent="-304800">
               <a:spcBef>
                 <a:spcPts val="1600"/>
               </a:spcBef>
@@ -2135,7 +2436,7 @@
               <a:buChar char="○"/>
               <a:defRPr sz="1200"/>
             </a:lvl5pPr>
-            <a:lvl6pPr indent="-304800" lvl="5" marL="2743200">
+            <a:lvl6pPr marL="2743200" lvl="5" indent="-304800">
               <a:spcBef>
                 <a:spcPts val="1600"/>
               </a:spcBef>
@@ -2146,7 +2447,7 @@
               <a:buChar char="■"/>
               <a:defRPr sz="1200"/>
             </a:lvl6pPr>
-            <a:lvl7pPr indent="-304800" lvl="6" marL="3200400">
+            <a:lvl7pPr marL="3200400" lvl="6" indent="-304800">
               <a:spcBef>
                 <a:spcPts val="1600"/>
               </a:spcBef>
@@ -2157,7 +2458,7 @@
               <a:buChar char="●"/>
               <a:defRPr sz="1200"/>
             </a:lvl7pPr>
-            <a:lvl8pPr indent="-304800" lvl="7" marL="3657600">
+            <a:lvl8pPr marL="3657600" lvl="7" indent="-304800">
               <a:spcBef>
                 <a:spcPts val="1600"/>
               </a:spcBef>
@@ -2168,7 +2469,7 @@
               <a:buChar char="○"/>
               <a:defRPr sz="1200"/>
             </a:lvl8pPr>
-            <a:lvl9pPr indent="-304800" lvl="8" marL="4114800">
+            <a:lvl9pPr marL="4114800" lvl="8" indent="-304800">
               <a:spcBef>
                 <a:spcPts val="1600"/>
               </a:spcBef>
@@ -2180,15 +2481,19 @@
               <a:defRPr sz="1200"/>
             </a:lvl9pPr>
           </a:lstStyle>
-          <a:p/>
+          <a:p>
+            <a:endParaRPr/>
+          </a:p>
         </p:txBody>
       </p:sp>
       <p:sp>
         <p:nvSpPr>
           <p:cNvPr id="23" name="Shape 23"/>
-          <p:cNvSpPr txBox="1"/>
+          <p:cNvSpPr txBox="1">
+            <a:spLocks noGrp="1"/>
+          </p:cNvSpPr>
           <p:nvPr>
-            <p:ph idx="2" type="body"/>
+            <p:ph type="body" idx="2"/>
           </p:nvPr>
         </p:nvSpPr>
         <p:spPr>
@@ -2201,9 +2506,9 @@
           </a:prstGeom>
         </p:spPr>
         <p:txBody>
-          <a:bodyPr anchorCtr="0" anchor="t" bIns="91425" lIns="91425" rIns="91425" wrap="square" tIns="91425"/>
+          <a:bodyPr wrap="square" lIns="91425" tIns="91425" rIns="91425" bIns="91425" anchor="t" anchorCtr="0"/>
           <a:lstStyle>
-            <a:lvl1pPr indent="-317500" lvl="0" marL="457200">
+            <a:lvl1pPr marL="457200" lvl="0" indent="-317500">
               <a:spcBef>
                 <a:spcPts val="0"/>
               </a:spcBef>
@@ -2214,7 +2519,7 @@
               <a:buChar char="●"/>
               <a:defRPr sz="1400"/>
             </a:lvl1pPr>
-            <a:lvl2pPr indent="-304800" lvl="1" marL="914400">
+            <a:lvl2pPr marL="914400" lvl="1" indent="-304800">
               <a:spcBef>
                 <a:spcPts val="1600"/>
               </a:spcBef>
@@ -2225,7 +2530,7 @@
               <a:buChar char="○"/>
               <a:defRPr sz="1200"/>
             </a:lvl2pPr>
-            <a:lvl3pPr indent="-304800" lvl="2" marL="1371600">
+            <a:lvl3pPr marL="1371600" lvl="2" indent="-304800">
               <a:spcBef>
                 <a:spcPts val="1600"/>
               </a:spcBef>
@@ -2236,7 +2541,7 @@
               <a:buChar char="■"/>
               <a:defRPr sz="1200"/>
             </a:lvl3pPr>
-            <a:lvl4pPr indent="-304800" lvl="3" marL="1828800">
+            <a:lvl4pPr marL="1828800" lvl="3" indent="-304800">
               <a:spcBef>
                 <a:spcPts val="1600"/>
               </a:spcBef>
@@ -2247,7 +2552,7 @@
               <a:buChar char="●"/>
               <a:defRPr sz="1200"/>
             </a:lvl4pPr>
-            <a:lvl5pPr indent="-304800" lvl="4" marL="2286000">
+            <a:lvl5pPr marL="2286000" lvl="4" indent="-304800">
               <a:spcBef>
                 <a:spcPts val="1600"/>
               </a:spcBef>
@@ -2258,7 +2563,7 @@
               <a:buChar char="○"/>
               <a:defRPr sz="1200"/>
             </a:lvl5pPr>
-            <a:lvl6pPr indent="-304800" lvl="5" marL="2743200">
+            <a:lvl6pPr marL="2743200" lvl="5" indent="-304800">
               <a:spcBef>
                 <a:spcPts val="1600"/>
               </a:spcBef>
@@ -2269,7 +2574,7 @@
               <a:buChar char="■"/>
               <a:defRPr sz="1200"/>
             </a:lvl6pPr>
-            <a:lvl7pPr indent="-304800" lvl="6" marL="3200400">
+            <a:lvl7pPr marL="3200400" lvl="6" indent="-304800">
               <a:spcBef>
                 <a:spcPts val="1600"/>
               </a:spcBef>
@@ -2280,7 +2585,7 @@
               <a:buChar char="●"/>
               <a:defRPr sz="1200"/>
             </a:lvl7pPr>
-            <a:lvl8pPr indent="-304800" lvl="7" marL="3657600">
+            <a:lvl8pPr marL="3657600" lvl="7" indent="-304800">
               <a:spcBef>
                 <a:spcPts val="1600"/>
               </a:spcBef>
@@ -2291,7 +2596,7 @@
               <a:buChar char="○"/>
               <a:defRPr sz="1200"/>
             </a:lvl8pPr>
-            <a:lvl9pPr indent="-304800" lvl="8" marL="4114800">
+            <a:lvl9pPr marL="4114800" lvl="8" indent="-304800">
               <a:spcBef>
                 <a:spcPts val="1600"/>
               </a:spcBef>
@@ -2303,15 +2608,19 @@
               <a:defRPr sz="1200"/>
             </a:lvl9pPr>
           </a:lstStyle>
-          <a:p/>
+          <a:p>
+            <a:endParaRPr/>
+          </a:p>
         </p:txBody>
       </p:sp>
       <p:sp>
         <p:nvSpPr>
           <p:cNvPr id="24" name="Shape 24"/>
-          <p:cNvSpPr txBox="1"/>
+          <p:cNvSpPr txBox="1">
+            <a:spLocks noGrp="1"/>
+          </p:cNvSpPr>
           <p:nvPr>
-            <p:ph idx="12" type="sldNum"/>
+            <p:ph type="sldNum" idx="12"/>
           </p:nvPr>
         </p:nvSpPr>
         <p:spPr>
@@ -2324,12 +2633,12 @@
           </a:prstGeom>
         </p:spPr>
         <p:txBody>
-          <a:bodyPr anchorCtr="0" anchor="ctr" bIns="91425" lIns="91425" rIns="91425" wrap="square" tIns="91425">
+          <a:bodyPr wrap="square" lIns="91425" tIns="91425" rIns="91425" bIns="91425" anchor="ctr" anchorCtr="0">
             <a:noAutofit/>
           </a:bodyPr>
           <a:lstStyle/>
           <a:p>
-            <a:pPr indent="0" lvl="0" marL="0">
+            <a:pPr marL="0" lvl="0" indent="0">
               <a:spcBef>
                 <a:spcPts val="0"/>
               </a:spcBef>
@@ -2340,7 +2649,7 @@
             </a:pPr>
             <a:fld id="{00000000-1234-1234-1234-123412341234}" type="slidenum">
               <a:rPr lang="en"/>
-              <a:t>‹#›</a:t>
+              <a:t>‹N°›</a:t>
             </a:fld>
             <a:endParaRPr/>
           </a:p>
@@ -2355,11 +2664,11 @@
 </file>
 
 <file path=ppt/slideLayouts/slideLayout5.xml><?xml version="1.0" encoding="utf-8"?>
-<p:sldLayout xmlns:a="http://schemas.openxmlformats.org/drawingml/2006/main" xmlns:r="http://schemas.openxmlformats.org/officeDocument/2006/relationships" xmlns:mc="http://schemas.openxmlformats.org/markup-compatibility/2006" xmlns:mv="urn:schemas-microsoft-com:mac:vml" xmlns:p="http://schemas.openxmlformats.org/presentationml/2006/main" xmlns:c="http://schemas.openxmlformats.org/drawingml/2006/chart" xmlns:dgm="http://schemas.openxmlformats.org/drawingml/2006/diagram" xmlns:o="urn:schemas-microsoft-com:office:office" xmlns:v="urn:schemas-microsoft-com:vml" xmlns:pvml="urn:schemas-microsoft-com:office:powerpoint" xmlns:com="http://schemas.openxmlformats.org/drawingml/2006/compatibility" xmlns:p14="http://schemas.microsoft.com/office/powerpoint/2010/main" xmlns:p15="http://schemas.microsoft.com/office/powerpoint/2012/main" type="titleOnly">
+<p:sldLayout xmlns:a="http://schemas.openxmlformats.org/drawingml/2006/main" xmlns:r="http://schemas.openxmlformats.org/officeDocument/2006/relationships" xmlns:p="http://schemas.openxmlformats.org/presentationml/2006/main" type="titleOnly">
   <p:cSld name="Title only">
     <p:spTree>
       <p:nvGrpSpPr>
-        <p:cNvPr id="25" name="Shape 25"/>
+        <p:cNvPr id="1" name="Shape 25"/>
         <p:cNvGrpSpPr/>
         <p:nvPr/>
       </p:nvGrpSpPr>
@@ -2374,7 +2683,9 @@
       <p:sp>
         <p:nvSpPr>
           <p:cNvPr id="26" name="Shape 26"/>
-          <p:cNvSpPr txBox="1"/>
+          <p:cNvSpPr txBox="1">
+            <a:spLocks noGrp="1"/>
+          </p:cNvSpPr>
           <p:nvPr>
             <p:ph type="title"/>
           </p:nvPr>
@@ -2389,7 +2700,7 @@
           </a:prstGeom>
         </p:spPr>
         <p:txBody>
-          <a:bodyPr anchorCtr="0" anchor="t" bIns="91425" lIns="91425" rIns="91425" wrap="square" tIns="91425"/>
+          <a:bodyPr wrap="square" lIns="91425" tIns="91425" rIns="91425" bIns="91425" anchor="t" anchorCtr="0"/>
           <a:lstStyle>
             <a:lvl1pPr lvl="0">
               <a:spcBef>
@@ -2491,15 +2802,19 @@
               <a:defRPr/>
             </a:lvl9pPr>
           </a:lstStyle>
-          <a:p/>
+          <a:p>
+            <a:endParaRPr/>
+          </a:p>
         </p:txBody>
       </p:sp>
       <p:sp>
         <p:nvSpPr>
           <p:cNvPr id="27" name="Shape 27"/>
-          <p:cNvSpPr txBox="1"/>
+          <p:cNvSpPr txBox="1">
+            <a:spLocks noGrp="1"/>
+          </p:cNvSpPr>
           <p:nvPr>
-            <p:ph idx="12" type="sldNum"/>
+            <p:ph type="sldNum" idx="12"/>
           </p:nvPr>
         </p:nvSpPr>
         <p:spPr>
@@ -2512,12 +2827,12 @@
           </a:prstGeom>
         </p:spPr>
         <p:txBody>
-          <a:bodyPr anchorCtr="0" anchor="ctr" bIns="91425" lIns="91425" rIns="91425" wrap="square" tIns="91425">
+          <a:bodyPr wrap="square" lIns="91425" tIns="91425" rIns="91425" bIns="91425" anchor="ctr" anchorCtr="0">
             <a:noAutofit/>
           </a:bodyPr>
           <a:lstStyle/>
           <a:p>
-            <a:pPr indent="0" lvl="0" marL="0">
+            <a:pPr marL="0" lvl="0" indent="0">
               <a:spcBef>
                 <a:spcPts val="0"/>
               </a:spcBef>
@@ -2528,7 +2843,7 @@
             </a:pPr>
             <a:fld id="{00000000-1234-1234-1234-123412341234}" type="slidenum">
               <a:rPr lang="en"/>
-              <a:t>‹#›</a:t>
+              <a:t>‹N°›</a:t>
             </a:fld>
             <a:endParaRPr/>
           </a:p>
@@ -2543,11 +2858,11 @@
 </file>
 
 <file path=ppt/slideLayouts/slideLayout6.xml><?xml version="1.0" encoding="utf-8"?>
-<p:sldLayout xmlns:a="http://schemas.openxmlformats.org/drawingml/2006/main" xmlns:r="http://schemas.openxmlformats.org/officeDocument/2006/relationships" xmlns:mc="http://schemas.openxmlformats.org/markup-compatibility/2006" xmlns:mv="urn:schemas-microsoft-com:mac:vml" xmlns:p="http://schemas.openxmlformats.org/presentationml/2006/main" xmlns:c="http://schemas.openxmlformats.org/drawingml/2006/chart" xmlns:dgm="http://schemas.openxmlformats.org/drawingml/2006/diagram" xmlns:o="urn:schemas-microsoft-com:office:office" xmlns:v="urn:schemas-microsoft-com:vml" xmlns:pvml="urn:schemas-microsoft-com:office:powerpoint" xmlns:com="http://schemas.openxmlformats.org/drawingml/2006/compatibility" xmlns:p14="http://schemas.microsoft.com/office/powerpoint/2010/main" xmlns:p15="http://schemas.microsoft.com/office/powerpoint/2012/main">
+<p:sldLayout xmlns:a="http://schemas.openxmlformats.org/drawingml/2006/main" xmlns:r="http://schemas.openxmlformats.org/officeDocument/2006/relationships" xmlns:p="http://schemas.openxmlformats.org/presentationml/2006/main">
   <p:cSld name="One column text">
     <p:spTree>
       <p:nvGrpSpPr>
-        <p:cNvPr id="28" name="Shape 28"/>
+        <p:cNvPr id="1" name="Shape 28"/>
         <p:cNvGrpSpPr/>
         <p:nvPr/>
       </p:nvGrpSpPr>
@@ -2562,7 +2877,9 @@
       <p:sp>
         <p:nvSpPr>
           <p:cNvPr id="29" name="Shape 29"/>
-          <p:cNvSpPr txBox="1"/>
+          <p:cNvSpPr txBox="1">
+            <a:spLocks noGrp="1"/>
+          </p:cNvSpPr>
           <p:nvPr>
             <p:ph type="title"/>
           </p:nvPr>
@@ -2577,7 +2894,7 @@
           </a:prstGeom>
         </p:spPr>
         <p:txBody>
-          <a:bodyPr anchorCtr="0" anchor="b" bIns="91425" lIns="91425" rIns="91425" wrap="square" tIns="91425"/>
+          <a:bodyPr wrap="square" lIns="91425" tIns="91425" rIns="91425" bIns="91425" anchor="b" anchorCtr="0"/>
           <a:lstStyle>
             <a:lvl1pPr lvl="0">
               <a:spcBef>
@@ -2679,15 +2996,19 @@
               <a:defRPr sz="2400"/>
             </a:lvl9pPr>
           </a:lstStyle>
-          <a:p/>
+          <a:p>
+            <a:endParaRPr/>
+          </a:p>
         </p:txBody>
       </p:sp>
       <p:sp>
         <p:nvSpPr>
           <p:cNvPr id="30" name="Shape 30"/>
-          <p:cNvSpPr txBox="1"/>
+          <p:cNvSpPr txBox="1">
+            <a:spLocks noGrp="1"/>
+          </p:cNvSpPr>
           <p:nvPr>
-            <p:ph idx="1" type="body"/>
+            <p:ph type="body" idx="1"/>
           </p:nvPr>
         </p:nvSpPr>
         <p:spPr>
@@ -2700,9 +3021,9 @@
           </a:prstGeom>
         </p:spPr>
         <p:txBody>
-          <a:bodyPr anchorCtr="0" anchor="t" bIns="91425" lIns="91425" rIns="91425" wrap="square" tIns="91425"/>
+          <a:bodyPr wrap="square" lIns="91425" tIns="91425" rIns="91425" bIns="91425" anchor="t" anchorCtr="0"/>
           <a:lstStyle>
-            <a:lvl1pPr indent="-304800" lvl="0" marL="457200">
+            <a:lvl1pPr marL="457200" lvl="0" indent="-304800">
               <a:spcBef>
                 <a:spcPts val="0"/>
               </a:spcBef>
@@ -2713,7 +3034,7 @@
               <a:buChar char="●"/>
               <a:defRPr sz="1200"/>
             </a:lvl1pPr>
-            <a:lvl2pPr indent="-304800" lvl="1" marL="914400">
+            <a:lvl2pPr marL="914400" lvl="1" indent="-304800">
               <a:spcBef>
                 <a:spcPts val="1600"/>
               </a:spcBef>
@@ -2724,7 +3045,7 @@
               <a:buChar char="○"/>
               <a:defRPr sz="1200"/>
             </a:lvl2pPr>
-            <a:lvl3pPr indent="-304800" lvl="2" marL="1371600">
+            <a:lvl3pPr marL="1371600" lvl="2" indent="-304800">
               <a:spcBef>
                 <a:spcPts val="1600"/>
               </a:spcBef>
@@ -2735,7 +3056,7 @@
               <a:buChar char="■"/>
               <a:defRPr sz="1200"/>
             </a:lvl3pPr>
-            <a:lvl4pPr indent="-304800" lvl="3" marL="1828800">
+            <a:lvl4pPr marL="1828800" lvl="3" indent="-304800">
               <a:spcBef>
                 <a:spcPts val="1600"/>
               </a:spcBef>
@@ -2746,7 +3067,7 @@
               <a:buChar char="●"/>
               <a:defRPr sz="1200"/>
             </a:lvl4pPr>
-            <a:lvl5pPr indent="-304800" lvl="4" marL="2286000">
+            <a:lvl5pPr marL="2286000" lvl="4" indent="-304800">
               <a:spcBef>
                 <a:spcPts val="1600"/>
               </a:spcBef>
@@ -2757,7 +3078,7 @@
               <a:buChar char="○"/>
               <a:defRPr sz="1200"/>
             </a:lvl5pPr>
-            <a:lvl6pPr indent="-304800" lvl="5" marL="2743200">
+            <a:lvl6pPr marL="2743200" lvl="5" indent="-304800">
               <a:spcBef>
                 <a:spcPts val="1600"/>
               </a:spcBef>
@@ -2768,7 +3089,7 @@
               <a:buChar char="■"/>
               <a:defRPr sz="1200"/>
             </a:lvl6pPr>
-            <a:lvl7pPr indent="-304800" lvl="6" marL="3200400">
+            <a:lvl7pPr marL="3200400" lvl="6" indent="-304800">
               <a:spcBef>
                 <a:spcPts val="1600"/>
               </a:spcBef>
@@ -2779,7 +3100,7 @@
               <a:buChar char="●"/>
               <a:defRPr sz="1200"/>
             </a:lvl7pPr>
-            <a:lvl8pPr indent="-304800" lvl="7" marL="3657600">
+            <a:lvl8pPr marL="3657600" lvl="7" indent="-304800">
               <a:spcBef>
                 <a:spcPts val="1600"/>
               </a:spcBef>
@@ -2790,7 +3111,7 @@
               <a:buChar char="○"/>
               <a:defRPr sz="1200"/>
             </a:lvl8pPr>
-            <a:lvl9pPr indent="-304800" lvl="8" marL="4114800">
+            <a:lvl9pPr marL="4114800" lvl="8" indent="-304800">
               <a:spcBef>
                 <a:spcPts val="1600"/>
               </a:spcBef>
@@ -2802,15 +3123,19 @@
               <a:defRPr sz="1200"/>
             </a:lvl9pPr>
           </a:lstStyle>
-          <a:p/>
+          <a:p>
+            <a:endParaRPr/>
+          </a:p>
         </p:txBody>
       </p:sp>
       <p:sp>
         <p:nvSpPr>
           <p:cNvPr id="31" name="Shape 31"/>
-          <p:cNvSpPr txBox="1"/>
+          <p:cNvSpPr txBox="1">
+            <a:spLocks noGrp="1"/>
+          </p:cNvSpPr>
           <p:nvPr>
-            <p:ph idx="12" type="sldNum"/>
+            <p:ph type="sldNum" idx="12"/>
           </p:nvPr>
         </p:nvSpPr>
         <p:spPr>
@@ -2823,12 +3148,12 @@
           </a:prstGeom>
         </p:spPr>
         <p:txBody>
-          <a:bodyPr anchorCtr="0" anchor="ctr" bIns="91425" lIns="91425" rIns="91425" wrap="square" tIns="91425">
+          <a:bodyPr wrap="square" lIns="91425" tIns="91425" rIns="91425" bIns="91425" anchor="ctr" anchorCtr="0">
             <a:noAutofit/>
           </a:bodyPr>
           <a:lstStyle/>
           <a:p>
-            <a:pPr indent="0" lvl="0" marL="0">
+            <a:pPr marL="0" lvl="0" indent="0">
               <a:spcBef>
                 <a:spcPts val="0"/>
               </a:spcBef>
@@ -2839,7 +3164,7 @@
             </a:pPr>
             <a:fld id="{00000000-1234-1234-1234-123412341234}" type="slidenum">
               <a:rPr lang="en"/>
-              <a:t>‹#›</a:t>
+              <a:t>‹N°›</a:t>
             </a:fld>
             <a:endParaRPr/>
           </a:p>
@@ -2854,11 +3179,11 @@
 </file>
 
 <file path=ppt/slideLayouts/slideLayout7.xml><?xml version="1.0" encoding="utf-8"?>
-<p:sldLayout xmlns:a="http://schemas.openxmlformats.org/drawingml/2006/main" xmlns:r="http://schemas.openxmlformats.org/officeDocument/2006/relationships" xmlns:mc="http://schemas.openxmlformats.org/markup-compatibility/2006" xmlns:mv="urn:schemas-microsoft-com:mac:vml" xmlns:p="http://schemas.openxmlformats.org/presentationml/2006/main" xmlns:c="http://schemas.openxmlformats.org/drawingml/2006/chart" xmlns:dgm="http://schemas.openxmlformats.org/drawingml/2006/diagram" xmlns:o="urn:schemas-microsoft-com:office:office" xmlns:v="urn:schemas-microsoft-com:vml" xmlns:pvml="urn:schemas-microsoft-com:office:powerpoint" xmlns:com="http://schemas.openxmlformats.org/drawingml/2006/compatibility" xmlns:p14="http://schemas.microsoft.com/office/powerpoint/2010/main" xmlns:p15="http://schemas.microsoft.com/office/powerpoint/2012/main">
+<p:sldLayout xmlns:a="http://schemas.openxmlformats.org/drawingml/2006/main" xmlns:r="http://schemas.openxmlformats.org/officeDocument/2006/relationships" xmlns:p="http://schemas.openxmlformats.org/presentationml/2006/main">
   <p:cSld name="Main point">
     <p:spTree>
       <p:nvGrpSpPr>
-        <p:cNvPr id="32" name="Shape 32"/>
+        <p:cNvPr id="1" name="Shape 32"/>
         <p:cNvGrpSpPr/>
         <p:nvPr/>
       </p:nvGrpSpPr>
@@ -2873,7 +3198,9 @@
       <p:sp>
         <p:nvSpPr>
           <p:cNvPr id="33" name="Shape 33"/>
-          <p:cNvSpPr txBox="1"/>
+          <p:cNvSpPr txBox="1">
+            <a:spLocks noGrp="1"/>
+          </p:cNvSpPr>
           <p:nvPr>
             <p:ph type="title"/>
           </p:nvPr>
@@ -2888,7 +3215,7 @@
           </a:prstGeom>
         </p:spPr>
         <p:txBody>
-          <a:bodyPr anchorCtr="0" anchor="ctr" bIns="91425" lIns="91425" rIns="91425" wrap="square" tIns="91425"/>
+          <a:bodyPr wrap="square" lIns="91425" tIns="91425" rIns="91425" bIns="91425" anchor="ctr" anchorCtr="0"/>
           <a:lstStyle>
             <a:lvl1pPr lvl="0">
               <a:spcBef>
@@ -2990,15 +3317,19 @@
               <a:defRPr sz="4800"/>
             </a:lvl9pPr>
           </a:lstStyle>
-          <a:p/>
+          <a:p>
+            <a:endParaRPr/>
+          </a:p>
         </p:txBody>
       </p:sp>
       <p:sp>
         <p:nvSpPr>
           <p:cNvPr id="34" name="Shape 34"/>
-          <p:cNvSpPr txBox="1"/>
+          <p:cNvSpPr txBox="1">
+            <a:spLocks noGrp="1"/>
+          </p:cNvSpPr>
           <p:nvPr>
-            <p:ph idx="12" type="sldNum"/>
+            <p:ph type="sldNum" idx="12"/>
           </p:nvPr>
         </p:nvSpPr>
         <p:spPr>
@@ -3011,12 +3342,12 @@
           </a:prstGeom>
         </p:spPr>
         <p:txBody>
-          <a:bodyPr anchorCtr="0" anchor="ctr" bIns="91425" lIns="91425" rIns="91425" wrap="square" tIns="91425">
+          <a:bodyPr wrap="square" lIns="91425" tIns="91425" rIns="91425" bIns="91425" anchor="ctr" anchorCtr="0">
             <a:noAutofit/>
           </a:bodyPr>
           <a:lstStyle/>
           <a:p>
-            <a:pPr indent="0" lvl="0" marL="0">
+            <a:pPr marL="0" lvl="0" indent="0">
               <a:spcBef>
                 <a:spcPts val="0"/>
               </a:spcBef>
@@ -3027,7 +3358,7 @@
             </a:pPr>
             <a:fld id="{00000000-1234-1234-1234-123412341234}" type="slidenum">
               <a:rPr lang="en"/>
-              <a:t>‹#›</a:t>
+              <a:t>‹N°›</a:t>
             </a:fld>
             <a:endParaRPr/>
           </a:p>
@@ -3042,11 +3373,11 @@
 </file>
 
 <file path=ppt/slideLayouts/slideLayout8.xml><?xml version="1.0" encoding="utf-8"?>
-<p:sldLayout xmlns:a="http://schemas.openxmlformats.org/drawingml/2006/main" xmlns:r="http://schemas.openxmlformats.org/officeDocument/2006/relationships" xmlns:mc="http://schemas.openxmlformats.org/markup-compatibility/2006" xmlns:mv="urn:schemas-microsoft-com:mac:vml" xmlns:p="http://schemas.openxmlformats.org/presentationml/2006/main" xmlns:c="http://schemas.openxmlformats.org/drawingml/2006/chart" xmlns:dgm="http://schemas.openxmlformats.org/drawingml/2006/diagram" xmlns:o="urn:schemas-microsoft-com:office:office" xmlns:v="urn:schemas-microsoft-com:vml" xmlns:pvml="urn:schemas-microsoft-com:office:powerpoint" xmlns:com="http://schemas.openxmlformats.org/drawingml/2006/compatibility" xmlns:p14="http://schemas.microsoft.com/office/powerpoint/2010/main" xmlns:p15="http://schemas.microsoft.com/office/powerpoint/2012/main">
+<p:sldLayout xmlns:a="http://schemas.openxmlformats.org/drawingml/2006/main" xmlns:r="http://schemas.openxmlformats.org/officeDocument/2006/relationships" xmlns:p="http://schemas.openxmlformats.org/presentationml/2006/main">
   <p:cSld name="Section title and description">
     <p:spTree>
       <p:nvGrpSpPr>
-        <p:cNvPr id="35" name="Shape 35"/>
+        <p:cNvPr id="1" name="Shape 35"/>
         <p:cNvGrpSpPr/>
         <p:nvPr/>
       </p:nvGrpSpPr>
@@ -3080,12 +3411,12 @@
           </a:ln>
         </p:spPr>
         <p:txBody>
-          <a:bodyPr anchorCtr="0" anchor="ctr" bIns="91425" lIns="91425" rIns="91425" wrap="square" tIns="91425">
+          <a:bodyPr wrap="square" lIns="91425" tIns="91425" rIns="91425" bIns="91425" anchor="ctr" anchorCtr="0">
             <a:noAutofit/>
           </a:bodyPr>
           <a:lstStyle/>
           <a:p>
-            <a:pPr indent="0" lvl="0" marL="0">
+            <a:pPr marL="0" lvl="0" indent="0">
               <a:spcBef>
                 <a:spcPts val="0"/>
               </a:spcBef>
@@ -3094,9 +3425,6 @@
               </a:spcAft>
               <a:buNone/>
             </a:pPr>
-            <a:r>
-              <a:t/>
-            </a:r>
             <a:endParaRPr/>
           </a:p>
         </p:txBody>
@@ -3104,7 +3432,9 @@
       <p:sp>
         <p:nvSpPr>
           <p:cNvPr id="37" name="Shape 37"/>
-          <p:cNvSpPr txBox="1"/>
+          <p:cNvSpPr txBox="1">
+            <a:spLocks noGrp="1"/>
+          </p:cNvSpPr>
           <p:nvPr>
             <p:ph type="title"/>
           </p:nvPr>
@@ -3119,7 +3449,7 @@
           </a:prstGeom>
         </p:spPr>
         <p:txBody>
-          <a:bodyPr anchorCtr="0" anchor="b" bIns="91425" lIns="91425" rIns="91425" wrap="square" tIns="91425"/>
+          <a:bodyPr wrap="square" lIns="91425" tIns="91425" rIns="91425" bIns="91425" anchor="b" anchorCtr="0"/>
           <a:lstStyle>
             <a:lvl1pPr lvl="0" algn="ctr">
               <a:spcBef>
@@ -3221,15 +3551,19 @@
               <a:defRPr sz="4200"/>
             </a:lvl9pPr>
           </a:lstStyle>
-          <a:p/>
+          <a:p>
+            <a:endParaRPr/>
+          </a:p>
         </p:txBody>
       </p:sp>
       <p:sp>
         <p:nvSpPr>
           <p:cNvPr id="38" name="Shape 38"/>
-          <p:cNvSpPr txBox="1"/>
+          <p:cNvSpPr txBox="1">
+            <a:spLocks noGrp="1"/>
+          </p:cNvSpPr>
           <p:nvPr>
-            <p:ph idx="1" type="subTitle"/>
+            <p:ph type="subTitle" idx="1"/>
           </p:nvPr>
         </p:nvSpPr>
         <p:spPr>
@@ -3242,7 +3576,7 @@
           </a:prstGeom>
         </p:spPr>
         <p:txBody>
-          <a:bodyPr anchorCtr="0" anchor="t" bIns="91425" lIns="91425" rIns="91425" wrap="square" tIns="91425"/>
+          <a:bodyPr wrap="square" lIns="91425" tIns="91425" rIns="91425" bIns="91425" anchor="t" anchorCtr="0"/>
           <a:lstStyle>
             <a:lvl1pPr lvl="0" algn="ctr">
               <a:lnSpc>
@@ -3371,15 +3705,19 @@
               <a:defRPr sz="2100"/>
             </a:lvl9pPr>
           </a:lstStyle>
-          <a:p/>
+          <a:p>
+            <a:endParaRPr/>
+          </a:p>
         </p:txBody>
       </p:sp>
       <p:sp>
         <p:nvSpPr>
           <p:cNvPr id="39" name="Shape 39"/>
-          <p:cNvSpPr txBox="1"/>
+          <p:cNvSpPr txBox="1">
+            <a:spLocks noGrp="1"/>
+          </p:cNvSpPr>
           <p:nvPr>
-            <p:ph idx="2" type="body"/>
+            <p:ph type="body" idx="2"/>
           </p:nvPr>
         </p:nvSpPr>
         <p:spPr>
@@ -3392,9 +3730,9 @@
           </a:prstGeom>
         </p:spPr>
         <p:txBody>
-          <a:bodyPr anchorCtr="0" anchor="ctr" bIns="91425" lIns="91425" rIns="91425" wrap="square" tIns="91425"/>
+          <a:bodyPr wrap="square" lIns="91425" tIns="91425" rIns="91425" bIns="91425" anchor="ctr" anchorCtr="0"/>
           <a:lstStyle>
-            <a:lvl1pPr indent="-342900" lvl="0" marL="457200">
+            <a:lvl1pPr marL="457200" lvl="0" indent="-342900">
               <a:spcBef>
                 <a:spcPts val="0"/>
               </a:spcBef>
@@ -3405,7 +3743,7 @@
               <a:buChar char="●"/>
               <a:defRPr/>
             </a:lvl1pPr>
-            <a:lvl2pPr indent="-317500" lvl="1" marL="914400">
+            <a:lvl2pPr marL="914400" lvl="1" indent="-317500">
               <a:spcBef>
                 <a:spcPts val="1600"/>
               </a:spcBef>
@@ -3416,7 +3754,7 @@
               <a:buChar char="○"/>
               <a:defRPr/>
             </a:lvl2pPr>
-            <a:lvl3pPr indent="-317500" lvl="2" marL="1371600">
+            <a:lvl3pPr marL="1371600" lvl="2" indent="-317500">
               <a:spcBef>
                 <a:spcPts val="1600"/>
               </a:spcBef>
@@ -3427,7 +3765,7 @@
               <a:buChar char="■"/>
               <a:defRPr/>
             </a:lvl3pPr>
-            <a:lvl4pPr indent="-317500" lvl="3" marL="1828800">
+            <a:lvl4pPr marL="1828800" lvl="3" indent="-317500">
               <a:spcBef>
                 <a:spcPts val="1600"/>
               </a:spcBef>
@@ -3438,7 +3776,7 @@
               <a:buChar char="●"/>
               <a:defRPr/>
             </a:lvl4pPr>
-            <a:lvl5pPr indent="-317500" lvl="4" marL="2286000">
+            <a:lvl5pPr marL="2286000" lvl="4" indent="-317500">
               <a:spcBef>
                 <a:spcPts val="1600"/>
               </a:spcBef>
@@ -3449,7 +3787,7 @@
               <a:buChar char="○"/>
               <a:defRPr/>
             </a:lvl5pPr>
-            <a:lvl6pPr indent="-317500" lvl="5" marL="2743200">
+            <a:lvl6pPr marL="2743200" lvl="5" indent="-317500">
               <a:spcBef>
                 <a:spcPts val="1600"/>
               </a:spcBef>
@@ -3460,7 +3798,7 @@
               <a:buChar char="■"/>
               <a:defRPr/>
             </a:lvl6pPr>
-            <a:lvl7pPr indent="-317500" lvl="6" marL="3200400">
+            <a:lvl7pPr marL="3200400" lvl="6" indent="-317500">
               <a:spcBef>
                 <a:spcPts val="1600"/>
               </a:spcBef>
@@ -3471,7 +3809,7 @@
               <a:buChar char="●"/>
               <a:defRPr/>
             </a:lvl7pPr>
-            <a:lvl8pPr indent="-317500" lvl="7" marL="3657600">
+            <a:lvl8pPr marL="3657600" lvl="7" indent="-317500">
               <a:spcBef>
                 <a:spcPts val="1600"/>
               </a:spcBef>
@@ -3482,7 +3820,7 @@
               <a:buChar char="○"/>
               <a:defRPr/>
             </a:lvl8pPr>
-            <a:lvl9pPr indent="-317500" lvl="8" marL="4114800">
+            <a:lvl9pPr marL="4114800" lvl="8" indent="-317500">
               <a:spcBef>
                 <a:spcPts val="1600"/>
               </a:spcBef>
@@ -3494,15 +3832,19 @@
               <a:defRPr/>
             </a:lvl9pPr>
           </a:lstStyle>
-          <a:p/>
+          <a:p>
+            <a:endParaRPr/>
+          </a:p>
         </p:txBody>
       </p:sp>
       <p:sp>
         <p:nvSpPr>
           <p:cNvPr id="40" name="Shape 40"/>
-          <p:cNvSpPr txBox="1"/>
+          <p:cNvSpPr txBox="1">
+            <a:spLocks noGrp="1"/>
+          </p:cNvSpPr>
           <p:nvPr>
-            <p:ph idx="12" type="sldNum"/>
+            <p:ph type="sldNum" idx="12"/>
           </p:nvPr>
         </p:nvSpPr>
         <p:spPr>
@@ -3515,12 +3857,12 @@
           </a:prstGeom>
         </p:spPr>
         <p:txBody>
-          <a:bodyPr anchorCtr="0" anchor="ctr" bIns="91425" lIns="91425" rIns="91425" wrap="square" tIns="91425">
+          <a:bodyPr wrap="square" lIns="91425" tIns="91425" rIns="91425" bIns="91425" anchor="ctr" anchorCtr="0">
             <a:noAutofit/>
           </a:bodyPr>
           <a:lstStyle/>
           <a:p>
-            <a:pPr indent="0" lvl="0" marL="0">
+            <a:pPr marL="0" lvl="0" indent="0">
               <a:spcBef>
                 <a:spcPts val="0"/>
               </a:spcBef>
@@ -3531,7 +3873,7 @@
             </a:pPr>
             <a:fld id="{00000000-1234-1234-1234-123412341234}" type="slidenum">
               <a:rPr lang="en"/>
-              <a:t>‹#›</a:t>
+              <a:t>‹N°›</a:t>
             </a:fld>
             <a:endParaRPr/>
           </a:p>
@@ -3546,11 +3888,11 @@
 </file>
 
 <file path=ppt/slideLayouts/slideLayout9.xml><?xml version="1.0" encoding="utf-8"?>
-<p:sldLayout xmlns:a="http://schemas.openxmlformats.org/drawingml/2006/main" xmlns:r="http://schemas.openxmlformats.org/officeDocument/2006/relationships" xmlns:mc="http://schemas.openxmlformats.org/markup-compatibility/2006" xmlns:mv="urn:schemas-microsoft-com:mac:vml" xmlns:p="http://schemas.openxmlformats.org/presentationml/2006/main" xmlns:c="http://schemas.openxmlformats.org/drawingml/2006/chart" xmlns:dgm="http://schemas.openxmlformats.org/drawingml/2006/diagram" xmlns:o="urn:schemas-microsoft-com:office:office" xmlns:v="urn:schemas-microsoft-com:vml" xmlns:pvml="urn:schemas-microsoft-com:office:powerpoint" xmlns:com="http://schemas.openxmlformats.org/drawingml/2006/compatibility" xmlns:p14="http://schemas.microsoft.com/office/powerpoint/2010/main" xmlns:p15="http://schemas.microsoft.com/office/powerpoint/2012/main">
+<p:sldLayout xmlns:a="http://schemas.openxmlformats.org/drawingml/2006/main" xmlns:r="http://schemas.openxmlformats.org/officeDocument/2006/relationships" xmlns:p="http://schemas.openxmlformats.org/presentationml/2006/main">
   <p:cSld name="Caption">
     <p:spTree>
       <p:nvGrpSpPr>
-        <p:cNvPr id="41" name="Shape 41"/>
+        <p:cNvPr id="1" name="Shape 41"/>
         <p:cNvGrpSpPr/>
         <p:nvPr/>
       </p:nvGrpSpPr>
@@ -3565,9 +3907,11 @@
       <p:sp>
         <p:nvSpPr>
           <p:cNvPr id="42" name="Shape 42"/>
-          <p:cNvSpPr txBox="1"/>
+          <p:cNvSpPr txBox="1">
+            <a:spLocks noGrp="1"/>
+          </p:cNvSpPr>
           <p:nvPr>
-            <p:ph idx="1" type="body"/>
+            <p:ph type="body" idx="1"/>
           </p:nvPr>
         </p:nvSpPr>
         <p:spPr>
@@ -3580,9 +3924,9 @@
           </a:prstGeom>
         </p:spPr>
         <p:txBody>
-          <a:bodyPr anchorCtr="0" anchor="ctr" bIns="91425" lIns="91425" rIns="91425" wrap="square" tIns="91425"/>
+          <a:bodyPr wrap="square" lIns="91425" tIns="91425" rIns="91425" bIns="91425" anchor="ctr" anchorCtr="0"/>
           <a:lstStyle>
-            <a:lvl1pPr indent="-228600" lvl="0" marL="457200">
+            <a:lvl1pPr marL="457200" lvl="0" indent="-228600">
               <a:lnSpc>
                 <a:spcPct val="100000"/>
               </a:lnSpc>
@@ -3597,15 +3941,19 @@
               <a:defRPr/>
             </a:lvl1pPr>
           </a:lstStyle>
-          <a:p/>
+          <a:p>
+            <a:endParaRPr/>
+          </a:p>
         </p:txBody>
       </p:sp>
       <p:sp>
         <p:nvSpPr>
           <p:cNvPr id="43" name="Shape 43"/>
-          <p:cNvSpPr txBox="1"/>
+          <p:cNvSpPr txBox="1">
+            <a:spLocks noGrp="1"/>
+          </p:cNvSpPr>
           <p:nvPr>
-            <p:ph idx="12" type="sldNum"/>
+            <p:ph type="sldNum" idx="12"/>
           </p:nvPr>
         </p:nvSpPr>
         <p:spPr>
@@ -3618,12 +3966,12 @@
           </a:prstGeom>
         </p:spPr>
         <p:txBody>
-          <a:bodyPr anchorCtr="0" anchor="ctr" bIns="91425" lIns="91425" rIns="91425" wrap="square" tIns="91425">
+          <a:bodyPr wrap="square" lIns="91425" tIns="91425" rIns="91425" bIns="91425" anchor="ctr" anchorCtr="0">
             <a:noAutofit/>
           </a:bodyPr>
           <a:lstStyle/>
           <a:p>
-            <a:pPr indent="0" lvl="0" marL="0">
+            <a:pPr marL="0" lvl="0" indent="0">
               <a:spcBef>
                 <a:spcPts val="0"/>
               </a:spcBef>
@@ -3634,7 +3982,7 @@
             </a:pPr>
             <a:fld id="{00000000-1234-1234-1234-123412341234}" type="slidenum">
               <a:rPr lang="en"/>
-              <a:t>‹#›</a:t>
+              <a:t>‹N°›</a:t>
             </a:fld>
             <a:endParaRPr/>
           </a:p>
@@ -3649,18 +3997,19 @@
 </file>
 
 <file path=ppt/slideMasters/slideMaster1.xml><?xml version="1.0" encoding="utf-8"?>
-<p:sldMaster xmlns:a="http://schemas.openxmlformats.org/drawingml/2006/main" xmlns:r="http://schemas.openxmlformats.org/officeDocument/2006/relationships" xmlns:mc="http://schemas.openxmlformats.org/markup-compatibility/2006" xmlns:mv="urn:schemas-microsoft-com:mac:vml" xmlns:p="http://schemas.openxmlformats.org/presentationml/2006/main" xmlns:c="http://schemas.openxmlformats.org/drawingml/2006/chart" xmlns:dgm="http://schemas.openxmlformats.org/drawingml/2006/diagram" xmlns:o="urn:schemas-microsoft-com:office:office" xmlns:v="urn:schemas-microsoft-com:vml" xmlns:pvml="urn:schemas-microsoft-com:office:powerpoint" xmlns:com="http://schemas.openxmlformats.org/drawingml/2006/compatibility" xmlns:p14="http://schemas.microsoft.com/office/powerpoint/2010/main" xmlns:p15="http://schemas.microsoft.com/office/powerpoint/2012/main">
+<p:sldMaster xmlns:a="http://schemas.openxmlformats.org/drawingml/2006/main" xmlns:r="http://schemas.openxmlformats.org/officeDocument/2006/relationships" xmlns:p="http://schemas.openxmlformats.org/presentationml/2006/main">
   <p:cSld name="simple-light-2">
     <p:bg>
       <p:bgPr>
         <a:solidFill>
           <a:schemeClr val="lt1"/>
         </a:solidFill>
+        <a:effectLst/>
       </p:bgPr>
     </p:bg>
     <p:spTree>
       <p:nvGrpSpPr>
-        <p:cNvPr id="5" name="Shape 5"/>
+        <p:cNvPr id="1" name="Shape 5"/>
         <p:cNvGrpSpPr/>
         <p:nvPr/>
       </p:nvGrpSpPr>
@@ -3675,7 +4024,9 @@
       <p:sp>
         <p:nvSpPr>
           <p:cNvPr id="6" name="Shape 6"/>
-          <p:cNvSpPr txBox="1"/>
+          <p:cNvSpPr txBox="1">
+            <a:spLocks noGrp="1"/>
+          </p:cNvSpPr>
           <p:nvPr>
             <p:ph type="title"/>
           </p:nvPr>
@@ -3694,7 +4045,7 @@
           </a:ln>
         </p:spPr>
         <p:txBody>
-          <a:bodyPr anchorCtr="0" anchor="t" bIns="91425" lIns="91425" rIns="91425" wrap="square" tIns="91425"/>
+          <a:bodyPr wrap="square" lIns="91425" tIns="91425" rIns="91425" bIns="91425" anchor="t" anchorCtr="0"/>
           <a:lstStyle>
             <a:lvl1pPr lvl="0">
               <a:spcBef>
@@ -3859,15 +4210,19 @@
               </a:defRPr>
             </a:lvl9pPr>
           </a:lstStyle>
-          <a:p/>
+          <a:p>
+            <a:endParaRPr/>
+          </a:p>
         </p:txBody>
       </p:sp>
       <p:sp>
         <p:nvSpPr>
           <p:cNvPr id="7" name="Shape 7"/>
-          <p:cNvSpPr txBox="1"/>
+          <p:cNvSpPr txBox="1">
+            <a:spLocks noGrp="1"/>
+          </p:cNvSpPr>
           <p:nvPr>
-            <p:ph idx="1" type="body"/>
+            <p:ph type="body" idx="1"/>
           </p:nvPr>
         </p:nvSpPr>
         <p:spPr>
@@ -3884,9 +4239,9 @@
           </a:ln>
         </p:spPr>
         <p:txBody>
-          <a:bodyPr anchorCtr="0" anchor="t" bIns="91425" lIns="91425" rIns="91425" wrap="square" tIns="91425"/>
+          <a:bodyPr wrap="square" lIns="91425" tIns="91425" rIns="91425" bIns="91425" anchor="t" anchorCtr="0"/>
           <a:lstStyle>
-            <a:lvl1pPr indent="-342900" lvl="0" marL="457200">
+            <a:lvl1pPr marL="457200" lvl="0" indent="-342900">
               <a:lnSpc>
                 <a:spcPct val="115000"/>
               </a:lnSpc>
@@ -3907,7 +4262,7 @@
                 </a:solidFill>
               </a:defRPr>
             </a:lvl1pPr>
-            <a:lvl2pPr indent="-317500" lvl="1" marL="914400">
+            <a:lvl2pPr marL="914400" lvl="1" indent="-317500">
               <a:lnSpc>
                 <a:spcPct val="115000"/>
               </a:lnSpc>
@@ -3928,7 +4283,7 @@
                 </a:solidFill>
               </a:defRPr>
             </a:lvl2pPr>
-            <a:lvl3pPr indent="-317500" lvl="2" marL="1371600">
+            <a:lvl3pPr marL="1371600" lvl="2" indent="-317500">
               <a:lnSpc>
                 <a:spcPct val="115000"/>
               </a:lnSpc>
@@ -3949,7 +4304,7 @@
                 </a:solidFill>
               </a:defRPr>
             </a:lvl3pPr>
-            <a:lvl4pPr indent="-317500" lvl="3" marL="1828800">
+            <a:lvl4pPr marL="1828800" lvl="3" indent="-317500">
               <a:lnSpc>
                 <a:spcPct val="115000"/>
               </a:lnSpc>
@@ -3970,7 +4325,7 @@
                 </a:solidFill>
               </a:defRPr>
             </a:lvl4pPr>
-            <a:lvl5pPr indent="-317500" lvl="4" marL="2286000">
+            <a:lvl5pPr marL="2286000" lvl="4" indent="-317500">
               <a:lnSpc>
                 <a:spcPct val="115000"/>
               </a:lnSpc>
@@ -3991,7 +4346,7 @@
                 </a:solidFill>
               </a:defRPr>
             </a:lvl5pPr>
-            <a:lvl6pPr indent="-317500" lvl="5" marL="2743200">
+            <a:lvl6pPr marL="2743200" lvl="5" indent="-317500">
               <a:lnSpc>
                 <a:spcPct val="115000"/>
               </a:lnSpc>
@@ -4012,7 +4367,7 @@
                 </a:solidFill>
               </a:defRPr>
             </a:lvl6pPr>
-            <a:lvl7pPr indent="-317500" lvl="6" marL="3200400">
+            <a:lvl7pPr marL="3200400" lvl="6" indent="-317500">
               <a:lnSpc>
                 <a:spcPct val="115000"/>
               </a:lnSpc>
@@ -4033,7 +4388,7 @@
                 </a:solidFill>
               </a:defRPr>
             </a:lvl7pPr>
-            <a:lvl8pPr indent="-317500" lvl="7" marL="3657600">
+            <a:lvl8pPr marL="3657600" lvl="7" indent="-317500">
               <a:lnSpc>
                 <a:spcPct val="115000"/>
               </a:lnSpc>
@@ -4054,7 +4409,7 @@
                 </a:solidFill>
               </a:defRPr>
             </a:lvl8pPr>
-            <a:lvl9pPr indent="-317500" lvl="8" marL="4114800">
+            <a:lvl9pPr marL="4114800" lvl="8" indent="-317500">
               <a:lnSpc>
                 <a:spcPct val="115000"/>
               </a:lnSpc>
@@ -4076,15 +4431,19 @@
               </a:defRPr>
             </a:lvl9pPr>
           </a:lstStyle>
-          <a:p/>
+          <a:p>
+            <a:endParaRPr/>
+          </a:p>
         </p:txBody>
       </p:sp>
       <p:sp>
         <p:nvSpPr>
           <p:cNvPr id="8" name="Shape 8"/>
-          <p:cNvSpPr txBox="1"/>
+          <p:cNvSpPr txBox="1">
+            <a:spLocks noGrp="1"/>
+          </p:cNvSpPr>
           <p:nvPr>
-            <p:ph idx="12" type="sldNum"/>
+            <p:ph type="sldNum" idx="12"/>
           </p:nvPr>
         </p:nvSpPr>
         <p:spPr>
@@ -4101,12 +4460,12 @@
           </a:ln>
         </p:spPr>
         <p:txBody>
-          <a:bodyPr anchorCtr="0" anchor="ctr" bIns="91425" lIns="91425" rIns="91425" wrap="square" tIns="91425">
+          <a:bodyPr wrap="square" lIns="91425" tIns="91425" rIns="91425" bIns="91425" anchor="ctr" anchorCtr="0">
             <a:noAutofit/>
           </a:bodyPr>
           <a:lstStyle/>
           <a:p>
-            <a:pPr indent="0" lvl="0" marL="0" algn="r">
+            <a:pPr marL="0" lvl="0" indent="0" algn="r">
               <a:spcBef>
                 <a:spcPts val="0"/>
               </a:spcBef>
@@ -4121,7 +4480,7 @@
                   <a:schemeClr val="dk2"/>
                 </a:solidFill>
               </a:rPr>
-              <a:t>‹#›</a:t>
+              <a:t>‹N°›</a:t>
             </a:fld>
             <a:endParaRPr sz="1000">
               <a:solidFill>
@@ -4133,7 +4492,7 @@
       </p:sp>
     </p:spTree>
   </p:cSld>
-  <p:clrMap accent1="accent1" accent2="accent2" accent3="accent3" accent4="accent4" accent5="accent5" accent6="accent6" bg1="lt1" bg2="dk2" tx1="dk1" tx2="lt2" folHlink="folHlink" hlink="hlink"/>
+  <p:clrMap bg1="lt1" tx1="dk1" bg2="dk2" tx2="lt2" accent1="accent1" accent2="accent2" accent3="accent3" accent4="accent4" accent5="accent5" accent6="accent6" hlink="hlink" folHlink="folHlink"/>
   <p:sldLayoutIdLst>
     <p:sldLayoutId id="2147483648" r:id="rId1"/>
     <p:sldLayoutId id="2147483649" r:id="rId2"/>
@@ -4147,10 +4506,10 @@
     <p:sldLayoutId id="2147483657" r:id="rId10"/>
     <p:sldLayoutId id="2147483658" r:id="rId11"/>
   </p:sldLayoutIdLst>
-  <p:hf dt="0" ftr="0" hdr="0" sldNum="0"/>
+  <p:hf sldNum="0" hdr="0" ftr="0" dt="0"/>
   <p:txStyles>
     <p:titleStyle>
-      <a:defPPr lvl="0" marR="0" rtl="0" algn="l">
+      <a:defPPr marR="0" lvl="0" algn="l" rtl="0">
         <a:lnSpc>
           <a:spcPct val="100000"/>
         </a:lnSpc>
@@ -4161,7 +4520,7 @@
           <a:spcPts val="0"/>
         </a:spcAft>
       </a:defPPr>
-      <a:lvl1pPr lvl="0" marR="0" rtl="0" algn="l">
+      <a:lvl1pPr marR="0" lvl="0" algn="l" rtl="0">
         <a:lnSpc>
           <a:spcPct val="100000"/>
         </a:lnSpc>
@@ -4172,7 +4531,7 @@
           <a:spcPts val="0"/>
         </a:spcAft>
         <a:buNone/>
-        <a:defRPr b="0" i="0" sz="1400" u="none" cap="none" strike="noStrike">
+        <a:defRPr sz="1400" b="0" i="0" u="none" strike="noStrike" cap="none">
           <a:solidFill>
             <a:srgbClr val="000000"/>
           </a:solidFill>
@@ -4184,7 +4543,7 @@
       </a:lvl1pPr>
     </p:titleStyle>
     <p:bodyStyle>
-      <a:defPPr lvl="0" marR="0" rtl="0" algn="l">
+      <a:defPPr marR="0" lvl="0" algn="l" rtl="0">
         <a:lnSpc>
           <a:spcPct val="100000"/>
         </a:lnSpc>
@@ -4195,7 +4554,7 @@
           <a:spcPts val="0"/>
         </a:spcAft>
       </a:defPPr>
-      <a:lvl1pPr lvl="0" marR="0" rtl="0" algn="l">
+      <a:lvl1pPr marR="0" lvl="0" algn="l" rtl="0">
         <a:lnSpc>
           <a:spcPct val="100000"/>
         </a:lnSpc>
@@ -4206,7 +4565,7 @@
           <a:spcPts val="0"/>
         </a:spcAft>
         <a:buNone/>
-        <a:defRPr b="0" i="0" sz="1400" u="none" cap="none" strike="noStrike">
+        <a:defRPr sz="1400" b="0" i="0" u="none" strike="noStrike" cap="none">
           <a:solidFill>
             <a:srgbClr val="000000"/>
           </a:solidFill>
@@ -4216,7 +4575,7 @@
           <a:sym typeface="Arial"/>
         </a:defRPr>
       </a:lvl1pPr>
-      <a:lvl2pPr lvl="1" marR="0" rtl="0" algn="l">
+      <a:lvl2pPr marR="0" lvl="1" algn="l" rtl="0">
         <a:lnSpc>
           <a:spcPct val="100000"/>
         </a:lnSpc>
@@ -4227,7 +4586,7 @@
           <a:spcPts val="0"/>
         </a:spcAft>
         <a:buNone/>
-        <a:defRPr b="0" i="0" sz="1400" u="none" cap="none" strike="noStrike">
+        <a:defRPr sz="1400" b="0" i="0" u="none" strike="noStrike" cap="none">
           <a:solidFill>
             <a:srgbClr val="000000"/>
           </a:solidFill>
@@ -4237,7 +4596,7 @@
           <a:sym typeface="Arial"/>
         </a:defRPr>
       </a:lvl2pPr>
-      <a:lvl3pPr lvl="2" marR="0" rtl="0" algn="l">
+      <a:lvl3pPr marR="0" lvl="2" algn="l" rtl="0">
         <a:lnSpc>
           <a:spcPct val="100000"/>
         </a:lnSpc>
@@ -4248,7 +4607,7 @@
           <a:spcPts val="0"/>
         </a:spcAft>
         <a:buNone/>
-        <a:defRPr b="0" i="0" sz="1400" u="none" cap="none" strike="noStrike">
+        <a:defRPr sz="1400" b="0" i="0" u="none" strike="noStrike" cap="none">
           <a:solidFill>
             <a:srgbClr val="000000"/>
           </a:solidFill>
@@ -4258,7 +4617,7 @@
           <a:sym typeface="Arial"/>
         </a:defRPr>
       </a:lvl3pPr>
-      <a:lvl4pPr lvl="3" marR="0" rtl="0" algn="l">
+      <a:lvl4pPr marR="0" lvl="3" algn="l" rtl="0">
         <a:lnSpc>
           <a:spcPct val="100000"/>
         </a:lnSpc>
@@ -4269,7 +4628,7 @@
           <a:spcPts val="0"/>
         </a:spcAft>
         <a:buNone/>
-        <a:defRPr b="0" i="0" sz="1400" u="none" cap="none" strike="noStrike">
+        <a:defRPr sz="1400" b="0" i="0" u="none" strike="noStrike" cap="none">
           <a:solidFill>
             <a:srgbClr val="000000"/>
           </a:solidFill>
@@ -4279,7 +4638,7 @@
           <a:sym typeface="Arial"/>
         </a:defRPr>
       </a:lvl4pPr>
-      <a:lvl5pPr lvl="4" marR="0" rtl="0" algn="l">
+      <a:lvl5pPr marR="0" lvl="4" algn="l" rtl="0">
         <a:lnSpc>
           <a:spcPct val="100000"/>
         </a:lnSpc>
@@ -4290,7 +4649,7 @@
           <a:spcPts val="0"/>
         </a:spcAft>
         <a:buNone/>
-        <a:defRPr b="0" i="0" sz="1400" u="none" cap="none" strike="noStrike">
+        <a:defRPr sz="1400" b="0" i="0" u="none" strike="noStrike" cap="none">
           <a:solidFill>
             <a:srgbClr val="000000"/>
           </a:solidFill>
@@ -4300,7 +4659,7 @@
           <a:sym typeface="Arial"/>
         </a:defRPr>
       </a:lvl5pPr>
-      <a:lvl6pPr lvl="5" marR="0" rtl="0" algn="l">
+      <a:lvl6pPr marR="0" lvl="5" algn="l" rtl="0">
         <a:lnSpc>
           <a:spcPct val="100000"/>
         </a:lnSpc>
@@ -4311,7 +4670,7 @@
           <a:spcPts val="0"/>
         </a:spcAft>
         <a:buNone/>
-        <a:defRPr b="0" i="0" sz="1400" u="none" cap="none" strike="noStrike">
+        <a:defRPr sz="1400" b="0" i="0" u="none" strike="noStrike" cap="none">
           <a:solidFill>
             <a:srgbClr val="000000"/>
           </a:solidFill>
@@ -4321,7 +4680,7 @@
           <a:sym typeface="Arial"/>
         </a:defRPr>
       </a:lvl6pPr>
-      <a:lvl7pPr lvl="6" marR="0" rtl="0" algn="l">
+      <a:lvl7pPr marR="0" lvl="6" algn="l" rtl="0">
         <a:lnSpc>
           <a:spcPct val="100000"/>
         </a:lnSpc>
@@ -4332,7 +4691,7 @@
           <a:spcPts val="0"/>
         </a:spcAft>
         <a:buNone/>
-        <a:defRPr b="0" i="0" sz="1400" u="none" cap="none" strike="noStrike">
+        <a:defRPr sz="1400" b="0" i="0" u="none" strike="noStrike" cap="none">
           <a:solidFill>
             <a:srgbClr val="000000"/>
           </a:solidFill>
@@ -4342,7 +4701,7 @@
           <a:sym typeface="Arial"/>
         </a:defRPr>
       </a:lvl7pPr>
-      <a:lvl8pPr lvl="7" marR="0" rtl="0" algn="l">
+      <a:lvl8pPr marR="0" lvl="7" algn="l" rtl="0">
         <a:lnSpc>
           <a:spcPct val="100000"/>
         </a:lnSpc>
@@ -4353,7 +4712,7 @@
           <a:spcPts val="0"/>
         </a:spcAft>
         <a:buNone/>
-        <a:defRPr b="0" i="0" sz="1400" u="none" cap="none" strike="noStrike">
+        <a:defRPr sz="1400" b="0" i="0" u="none" strike="noStrike" cap="none">
           <a:solidFill>
             <a:srgbClr val="000000"/>
           </a:solidFill>
@@ -4363,7 +4722,7 @@
           <a:sym typeface="Arial"/>
         </a:defRPr>
       </a:lvl8pPr>
-      <a:lvl9pPr lvl="8" marR="0" rtl="0" algn="l">
+      <a:lvl9pPr marR="0" lvl="8" algn="l" rtl="0">
         <a:lnSpc>
           <a:spcPct val="100000"/>
         </a:lnSpc>
@@ -4374,7 +4733,7 @@
           <a:spcPts val="0"/>
         </a:spcAft>
         <a:buNone/>
-        <a:defRPr b="0" i="0" sz="1400" u="none" cap="none" strike="noStrike">
+        <a:defRPr sz="1400" b="0" i="0" u="none" strike="noStrike" cap="none">
           <a:solidFill>
             <a:srgbClr val="000000"/>
           </a:solidFill>
@@ -4386,7 +4745,7 @@
       </a:lvl9pPr>
     </p:bodyStyle>
     <p:otherStyle>
-      <a:defPPr lvl="0" marR="0" rtl="0" algn="l">
+      <a:defPPr marR="0" lvl="0" algn="l" rtl="0">
         <a:lnSpc>
           <a:spcPct val="100000"/>
         </a:lnSpc>
@@ -4397,7 +4756,7 @@
           <a:spcPts val="0"/>
         </a:spcAft>
       </a:defPPr>
-      <a:lvl1pPr lvl="0" marR="0" rtl="0" algn="l">
+      <a:lvl1pPr marR="0" lvl="0" algn="l" rtl="0">
         <a:lnSpc>
           <a:spcPct val="100000"/>
         </a:lnSpc>
@@ -4408,7 +4767,7 @@
           <a:spcPts val="0"/>
         </a:spcAft>
         <a:buNone/>
-        <a:defRPr b="0" i="0" sz="1400" u="none" cap="none" strike="noStrike">
+        <a:defRPr sz="1400" b="0" i="0" u="none" strike="noStrike" cap="none">
           <a:solidFill>
             <a:srgbClr val="000000"/>
           </a:solidFill>
@@ -4418,7 +4777,7 @@
           <a:sym typeface="Arial"/>
         </a:defRPr>
       </a:lvl1pPr>
-      <a:lvl2pPr lvl="1" marR="0" rtl="0" algn="l">
+      <a:lvl2pPr marR="0" lvl="1" algn="l" rtl="0">
         <a:lnSpc>
           <a:spcPct val="100000"/>
         </a:lnSpc>
@@ -4429,7 +4788,7 @@
           <a:spcPts val="0"/>
         </a:spcAft>
         <a:buNone/>
-        <a:defRPr b="0" i="0" sz="1400" u="none" cap="none" strike="noStrike">
+        <a:defRPr sz="1400" b="0" i="0" u="none" strike="noStrike" cap="none">
           <a:solidFill>
             <a:srgbClr val="000000"/>
           </a:solidFill>
@@ -4439,7 +4798,7 @@
           <a:sym typeface="Arial"/>
         </a:defRPr>
       </a:lvl2pPr>
-      <a:lvl3pPr lvl="2" marR="0" rtl="0" algn="l">
+      <a:lvl3pPr marR="0" lvl="2" algn="l" rtl="0">
         <a:lnSpc>
           <a:spcPct val="100000"/>
         </a:lnSpc>
@@ -4450,7 +4809,7 @@
           <a:spcPts val="0"/>
         </a:spcAft>
         <a:buNone/>
-        <a:defRPr b="0" i="0" sz="1400" u="none" cap="none" strike="noStrike">
+        <a:defRPr sz="1400" b="0" i="0" u="none" strike="noStrike" cap="none">
           <a:solidFill>
             <a:srgbClr val="000000"/>
           </a:solidFill>
@@ -4460,7 +4819,7 @@
           <a:sym typeface="Arial"/>
         </a:defRPr>
       </a:lvl3pPr>
-      <a:lvl4pPr lvl="3" marR="0" rtl="0" algn="l">
+      <a:lvl4pPr marR="0" lvl="3" algn="l" rtl="0">
         <a:lnSpc>
           <a:spcPct val="100000"/>
         </a:lnSpc>
@@ -4471,7 +4830,7 @@
           <a:spcPts val="0"/>
         </a:spcAft>
         <a:buNone/>
-        <a:defRPr b="0" i="0" sz="1400" u="none" cap="none" strike="noStrike">
+        <a:defRPr sz="1400" b="0" i="0" u="none" strike="noStrike" cap="none">
           <a:solidFill>
             <a:srgbClr val="000000"/>
           </a:solidFill>
@@ -4481,7 +4840,7 @@
           <a:sym typeface="Arial"/>
         </a:defRPr>
       </a:lvl4pPr>
-      <a:lvl5pPr lvl="4" marR="0" rtl="0" algn="l">
+      <a:lvl5pPr marR="0" lvl="4" algn="l" rtl="0">
         <a:lnSpc>
           <a:spcPct val="100000"/>
         </a:lnSpc>
@@ -4492,7 +4851,7 @@
           <a:spcPts val="0"/>
         </a:spcAft>
         <a:buNone/>
-        <a:defRPr b="0" i="0" sz="1400" u="none" cap="none" strike="noStrike">
+        <a:defRPr sz="1400" b="0" i="0" u="none" strike="noStrike" cap="none">
           <a:solidFill>
             <a:srgbClr val="000000"/>
           </a:solidFill>
@@ -4502,7 +4861,7 @@
           <a:sym typeface="Arial"/>
         </a:defRPr>
       </a:lvl5pPr>
-      <a:lvl6pPr lvl="5" marR="0" rtl="0" algn="l">
+      <a:lvl6pPr marR="0" lvl="5" algn="l" rtl="0">
         <a:lnSpc>
           <a:spcPct val="100000"/>
         </a:lnSpc>
@@ -4513,7 +4872,7 @@
           <a:spcPts val="0"/>
         </a:spcAft>
         <a:buNone/>
-        <a:defRPr b="0" i="0" sz="1400" u="none" cap="none" strike="noStrike">
+        <a:defRPr sz="1400" b="0" i="0" u="none" strike="noStrike" cap="none">
           <a:solidFill>
             <a:srgbClr val="000000"/>
           </a:solidFill>
@@ -4523,7 +4882,7 @@
           <a:sym typeface="Arial"/>
         </a:defRPr>
       </a:lvl6pPr>
-      <a:lvl7pPr lvl="6" marR="0" rtl="0" algn="l">
+      <a:lvl7pPr marR="0" lvl="6" algn="l" rtl="0">
         <a:lnSpc>
           <a:spcPct val="100000"/>
         </a:lnSpc>
@@ -4534,7 +4893,7 @@
           <a:spcPts val="0"/>
         </a:spcAft>
         <a:buNone/>
-        <a:defRPr b="0" i="0" sz="1400" u="none" cap="none" strike="noStrike">
+        <a:defRPr sz="1400" b="0" i="0" u="none" strike="noStrike" cap="none">
           <a:solidFill>
             <a:srgbClr val="000000"/>
           </a:solidFill>
@@ -4544,7 +4903,7 @@
           <a:sym typeface="Arial"/>
         </a:defRPr>
       </a:lvl7pPr>
-      <a:lvl8pPr lvl="7" marR="0" rtl="0" algn="l">
+      <a:lvl8pPr marR="0" lvl="7" algn="l" rtl="0">
         <a:lnSpc>
           <a:spcPct val="100000"/>
         </a:lnSpc>
@@ -4555,7 +4914,7 @@
           <a:spcPts val="0"/>
         </a:spcAft>
         <a:buNone/>
-        <a:defRPr b="0" i="0" sz="1400" u="none" cap="none" strike="noStrike">
+        <a:defRPr sz="1400" b="0" i="0" u="none" strike="noStrike" cap="none">
           <a:solidFill>
             <a:srgbClr val="000000"/>
           </a:solidFill>
@@ -4565,7 +4924,7 @@
           <a:sym typeface="Arial"/>
         </a:defRPr>
       </a:lvl8pPr>
-      <a:lvl9pPr lvl="8" marR="0" rtl="0" algn="l">
+      <a:lvl9pPr marR="0" lvl="8" algn="l" rtl="0">
         <a:lnSpc>
           <a:spcPct val="100000"/>
         </a:lnSpc>
@@ -4576,7 +4935,7 @@
           <a:spcPts val="0"/>
         </a:spcAft>
         <a:buNone/>
-        <a:defRPr b="0" i="0" sz="1400" u="none" cap="none" strike="noStrike">
+        <a:defRPr sz="1400" b="0" i="0" u="none" strike="noStrike" cap="none">
           <a:solidFill>
             <a:srgbClr val="000000"/>
           </a:solidFill>
@@ -4592,11 +4951,11 @@
 </file>
 
 <file path=ppt/slides/slide1.xml><?xml version="1.0" encoding="utf-8"?>
-<p:sld xmlns:a="http://schemas.openxmlformats.org/drawingml/2006/main" xmlns:r="http://schemas.openxmlformats.org/officeDocument/2006/relationships" xmlns:mc="http://schemas.openxmlformats.org/markup-compatibility/2006" xmlns:mv="urn:schemas-microsoft-com:mac:vml" xmlns:p="http://schemas.openxmlformats.org/presentationml/2006/main" xmlns:c="http://schemas.openxmlformats.org/drawingml/2006/chart" xmlns:dgm="http://schemas.openxmlformats.org/drawingml/2006/diagram" xmlns:o="urn:schemas-microsoft-com:office:office" xmlns:v="urn:schemas-microsoft-com:vml" xmlns:pvml="urn:schemas-microsoft-com:office:powerpoint" xmlns:com="http://schemas.openxmlformats.org/drawingml/2006/compatibility" xmlns:p14="http://schemas.microsoft.com/office/powerpoint/2010/main" xmlns:p15="http://schemas.microsoft.com/office/powerpoint/2012/main">
+<p:sld xmlns:a="http://schemas.openxmlformats.org/drawingml/2006/main" xmlns:r="http://schemas.openxmlformats.org/officeDocument/2006/relationships" xmlns:p="http://schemas.openxmlformats.org/presentationml/2006/main">
   <p:cSld>
     <p:spTree>
       <p:nvGrpSpPr>
-        <p:cNvPr id="53" name="Shape 53"/>
+        <p:cNvPr id="1" name="Shape 53"/>
         <p:cNvGrpSpPr/>
         <p:nvPr/>
       </p:nvGrpSpPr>
@@ -4611,54 +4970,106 @@
       <p:sp>
         <p:nvSpPr>
           <p:cNvPr id="54" name="Shape 54"/>
-          <p:cNvSpPr txBox="1"/>
+          <p:cNvSpPr txBox="1">
+            <a:spLocks noGrp="1"/>
+          </p:cNvSpPr>
           <p:nvPr>
             <p:ph type="ctrTitle"/>
           </p:nvPr>
         </p:nvSpPr>
         <p:spPr>
           <a:xfrm>
-            <a:off x="311708" y="744575"/>
-            <a:ext cx="8520600" cy="2052600"/>
+            <a:off x="311700" y="524883"/>
+            <a:ext cx="8520600" cy="2773927"/>
           </a:xfrm>
           <a:prstGeom prst="rect">
             <a:avLst/>
           </a:prstGeom>
+          <a:ln w="38100">
+            <a:solidFill>
+              <a:srgbClr val="C00000"/>
+            </a:solidFill>
+            <a:extLst>
+              <a:ext uri="{C807C97D-BFC1-408E-A445-0C87EB9F89A2}">
+                <ask:lineSketchStyleProps xmlns:ask="http://schemas.microsoft.com/office/drawing/2018/sketchyshapes">
+                  <ask:type>
+                    <ask:lineSketchNone/>
+                  </ask:type>
+                </ask:lineSketchStyleProps>
+              </a:ext>
+            </a:extLst>
+          </a:ln>
         </p:spPr>
         <p:txBody>
-          <a:bodyPr anchorCtr="0" anchor="b" bIns="91425" lIns="91425" rIns="91425" wrap="square" tIns="91425">
+          <a:bodyPr wrap="square" lIns="91425" tIns="91425" rIns="91425" bIns="91425" anchor="b" anchorCtr="0">
             <a:noAutofit/>
           </a:bodyPr>
           <a:lstStyle/>
           <a:p>
-            <a:pPr indent="0" lvl="0" marL="0">
-              <a:spcBef>
-                <a:spcPts val="0"/>
-              </a:spcBef>
-              <a:spcAft>
-                <a:spcPts val="0"/>
-              </a:spcAft>
-              <a:buNone/>
-            </a:pPr>
             <a:r>
-              <a:rPr lang="en"/>
-              <a:t>Titre du Projet</a:t>
+              <a:rPr lang="fr-FR" dirty="0">
+                <a:ln w="0"/>
+                <a:solidFill>
+                  <a:schemeClr val="tx1"/>
+                </a:solidFill>
+                <a:effectLst>
+                  <a:outerShdw blurRad="38100" dist="19050" dir="2700000" algn="tl" rotWithShape="0">
+                    <a:schemeClr val="dk1">
+                      <a:alpha val="40000"/>
+                    </a:schemeClr>
+                  </a:outerShdw>
+                </a:effectLst>
+                <a:latin typeface="+mn-lt"/>
+              </a:rPr>
+              <a:t>Etude sur la détection précoce de la maladie d’</a:t>
             </a:r>
-            <a:endParaRPr/>
+            <a:r>
+              <a:rPr lang="fr-FR" i="0" u="none" strike="noStrike" dirty="0">
+                <a:ln w="0"/>
+                <a:solidFill>
+                  <a:schemeClr val="tx1"/>
+                </a:solidFill>
+                <a:effectLst>
+                  <a:outerShdw blurRad="38100" dist="19050" dir="2700000" algn="tl" rotWithShape="0">
+                    <a:schemeClr val="dk1">
+                      <a:alpha val="40000"/>
+                    </a:schemeClr>
+                  </a:outerShdw>
+                </a:effectLst>
+                <a:latin typeface="+mn-lt"/>
+              </a:rPr>
+              <a:t>Alzheimer</a:t>
+            </a:r>
+            <a:endParaRPr lang="fr-FR" dirty="0">
+              <a:ln w="0"/>
+              <a:solidFill>
+                <a:schemeClr val="tx1"/>
+              </a:solidFill>
+              <a:effectLst>
+                <a:outerShdw blurRad="38100" dist="19050" dir="2700000" algn="tl" rotWithShape="0">
+                  <a:schemeClr val="dk1">
+                    <a:alpha val="40000"/>
+                  </a:schemeClr>
+                </a:outerShdw>
+              </a:effectLst>
+              <a:latin typeface="+mn-lt"/>
+            </a:endParaRPr>
           </a:p>
         </p:txBody>
       </p:sp>
       <p:sp>
         <p:nvSpPr>
           <p:cNvPr id="55" name="Shape 55"/>
-          <p:cNvSpPr txBox="1"/>
+          <p:cNvSpPr txBox="1">
+            <a:spLocks noGrp="1"/>
+          </p:cNvSpPr>
           <p:nvPr>
-            <p:ph idx="1" type="subTitle"/>
+            <p:ph type="subTitle" idx="1"/>
           </p:nvPr>
         </p:nvSpPr>
         <p:spPr>
           <a:xfrm>
-            <a:off x="311700" y="2834125"/>
+            <a:off x="311700" y="3826017"/>
             <a:ext cx="8520600" cy="792600"/>
           </a:xfrm>
           <a:prstGeom prst="rect">
@@ -4666,12 +5077,12 @@
           </a:prstGeom>
         </p:spPr>
         <p:txBody>
-          <a:bodyPr anchorCtr="0" anchor="t" bIns="91425" lIns="91425" rIns="91425" wrap="square" tIns="91425">
+          <a:bodyPr wrap="square" lIns="91425" tIns="91425" rIns="91425" bIns="91425" anchor="t" anchorCtr="0">
             <a:noAutofit/>
           </a:bodyPr>
           <a:lstStyle/>
           <a:p>
-            <a:pPr indent="0" lvl="0" marL="0">
+            <a:pPr marL="0" lvl="0" indent="0">
               <a:spcBef>
                 <a:spcPts val="0"/>
               </a:spcBef>
@@ -4681,10 +5092,14 @@
               <a:buNone/>
             </a:pPr>
             <a:r>
-              <a:rPr lang="en"/>
-              <a:t>Prénom et Nom</a:t>
+              <a:rPr lang="fr-FR" dirty="0"/>
+              <a:t>Théo</a:t>
             </a:r>
-            <a:endParaRPr/>
+            <a:r>
+              <a:rPr lang="en" dirty="0"/>
+              <a:t> Villette</a:t>
+            </a:r>
+            <a:endParaRPr dirty="0"/>
           </a:p>
         </p:txBody>
       </p:sp>
@@ -4697,11 +5112,11 @@
 </file>
 
 <file path=ppt/slides/slide2.xml><?xml version="1.0" encoding="utf-8"?>
-<p:sld xmlns:a="http://schemas.openxmlformats.org/drawingml/2006/main" xmlns:r="http://schemas.openxmlformats.org/officeDocument/2006/relationships" xmlns:mc="http://schemas.openxmlformats.org/markup-compatibility/2006" xmlns:mv="urn:schemas-microsoft-com:mac:vml" xmlns:p="http://schemas.openxmlformats.org/presentationml/2006/main" xmlns:c="http://schemas.openxmlformats.org/drawingml/2006/chart" xmlns:dgm="http://schemas.openxmlformats.org/drawingml/2006/diagram" xmlns:o="urn:schemas-microsoft-com:office:office" xmlns:v="urn:schemas-microsoft-com:vml" xmlns:pvml="urn:schemas-microsoft-com:office:powerpoint" xmlns:com="http://schemas.openxmlformats.org/drawingml/2006/compatibility" xmlns:p14="http://schemas.microsoft.com/office/powerpoint/2010/main" xmlns:p15="http://schemas.microsoft.com/office/powerpoint/2012/main">
+<p:sld xmlns:a="http://schemas.openxmlformats.org/drawingml/2006/main" xmlns:r="http://schemas.openxmlformats.org/officeDocument/2006/relationships" xmlns:p="http://schemas.openxmlformats.org/presentationml/2006/main">
   <p:cSld>
     <p:spTree>
       <p:nvGrpSpPr>
-        <p:cNvPr id="59" name="Shape 59"/>
+        <p:cNvPr id="1" name="Shape 59"/>
         <p:cNvGrpSpPr/>
         <p:nvPr/>
       </p:nvGrpSpPr>
@@ -4715,8 +5130,1350 @@
       </p:grpSpPr>
       <p:sp>
         <p:nvSpPr>
-          <p:cNvPr id="60" name="Shape 60"/>
+          <p:cNvPr id="61" name="Shape 61"/>
+          <p:cNvSpPr txBox="1">
+            <a:spLocks noGrp="1"/>
+          </p:cNvSpPr>
+          <p:nvPr>
+            <p:ph type="body" idx="1"/>
+          </p:nvPr>
+        </p:nvSpPr>
+        <p:spPr>
+          <a:xfrm>
+            <a:off x="311700" y="247973"/>
+            <a:ext cx="8520600" cy="4320902"/>
+          </a:xfrm>
+          <a:prstGeom prst="rect">
+            <a:avLst/>
+          </a:prstGeom>
+        </p:spPr>
+        <p:txBody>
+          <a:bodyPr wrap="square" lIns="91425" tIns="91425" rIns="91425" bIns="91425" anchor="t" anchorCtr="0">
+            <a:noAutofit/>
+          </a:bodyPr>
+          <a:lstStyle/>
+          <a:p>
+            <a:pPr marL="457200" lvl="0" indent="-419100" rtl="0">
+              <a:spcBef>
+                <a:spcPts val="0"/>
+              </a:spcBef>
+              <a:spcAft>
+                <a:spcPts val="0"/>
+              </a:spcAft>
+              <a:buSzPts val="3000"/>
+              <a:buChar char="●"/>
+            </a:pPr>
+            <a:r>
+              <a:rPr lang="fr-FR" sz="3000" dirty="0"/>
+              <a:t>Contexte</a:t>
+            </a:r>
+          </a:p>
+          <a:p>
+            <a:pPr marL="914400" lvl="1" indent="-342900" rtl="0">
+              <a:spcBef>
+                <a:spcPts val="0"/>
+              </a:spcBef>
+              <a:spcAft>
+                <a:spcPts val="0"/>
+              </a:spcAft>
+              <a:buSzPts val="1800"/>
+              <a:buChar char="○"/>
+            </a:pPr>
+            <a:endParaRPr lang="fr-FR" sz="1800" dirty="0"/>
+          </a:p>
+          <a:p>
+            <a:pPr marL="914400" lvl="1" indent="-342900" rtl="0">
+              <a:spcBef>
+                <a:spcPts val="0"/>
+              </a:spcBef>
+              <a:spcAft>
+                <a:spcPts val="0"/>
+              </a:spcAft>
+              <a:buSzPts val="1800"/>
+              <a:buChar char="○"/>
+            </a:pPr>
+            <a:r>
+              <a:rPr lang="fr-FR" sz="1800" dirty="0"/>
+              <a:t>Maladie d’Alzheimer neuro-dégénérative qui cause des troubles de la mémoire.</a:t>
+            </a:r>
+          </a:p>
+          <a:p>
+            <a:pPr marL="914400" lvl="1" indent="-342900" rtl="0">
+              <a:spcBef>
+                <a:spcPts val="0"/>
+              </a:spcBef>
+              <a:spcAft>
+                <a:spcPts val="0"/>
+              </a:spcAft>
+              <a:buSzPts val="1800"/>
+              <a:buChar char="○"/>
+            </a:pPr>
+            <a:endParaRPr lang="fr-FR" sz="1800" dirty="0"/>
+          </a:p>
+          <a:p>
+            <a:pPr marL="914400" lvl="1" indent="-342900" rtl="0">
+              <a:spcBef>
+                <a:spcPts val="0"/>
+              </a:spcBef>
+              <a:spcAft>
+                <a:spcPts val="0"/>
+              </a:spcAft>
+              <a:buSzPts val="1800"/>
+              <a:buChar char="○"/>
+            </a:pPr>
+            <a:r>
+              <a:rPr lang="fr-FR" sz="1800" dirty="0"/>
+              <a:t>Avancées technologiques de l’apprentissage profond</a:t>
+            </a:r>
+          </a:p>
+          <a:p>
+            <a:pPr marL="914400" lvl="1" indent="-342900" rtl="0">
+              <a:spcBef>
+                <a:spcPts val="0"/>
+              </a:spcBef>
+              <a:spcAft>
+                <a:spcPts val="0"/>
+              </a:spcAft>
+              <a:buSzPts val="1800"/>
+              <a:buChar char="○"/>
+            </a:pPr>
+            <a:endParaRPr lang="fr-FR" sz="1800" dirty="0"/>
+          </a:p>
+          <a:p>
+            <a:pPr marL="914400" lvl="1" indent="-342900" rtl="0">
+              <a:spcBef>
+                <a:spcPts val="0"/>
+              </a:spcBef>
+              <a:spcAft>
+                <a:spcPts val="0"/>
+              </a:spcAft>
+              <a:buSzPts val="1800"/>
+              <a:buChar char="○"/>
+            </a:pPr>
+            <a:r>
+              <a:rPr lang="fr-FR" sz="1800" dirty="0"/>
+              <a:t>Base de données open source (OASIS)</a:t>
+            </a:r>
+          </a:p>
+          <a:p>
+            <a:pPr marL="914400" lvl="1" indent="-342900" rtl="0">
+              <a:spcBef>
+                <a:spcPts val="0"/>
+              </a:spcBef>
+              <a:spcAft>
+                <a:spcPts val="0"/>
+              </a:spcAft>
+              <a:buSzPts val="1800"/>
+              <a:buChar char="○"/>
+            </a:pPr>
+            <a:endParaRPr lang="fr-FR" sz="1800" dirty="0"/>
+          </a:p>
+          <a:p>
+            <a:pPr marL="571500" lvl="1" indent="0" rtl="0">
+              <a:spcBef>
+                <a:spcPts val="0"/>
+              </a:spcBef>
+              <a:spcAft>
+                <a:spcPts val="0"/>
+              </a:spcAft>
+              <a:buSzPts val="1800"/>
+              <a:buNone/>
+            </a:pPr>
+            <a:endParaRPr lang="fr-FR" dirty="0"/>
+          </a:p>
+          <a:p>
+            <a:pPr marL="457200" lvl="0" indent="0" rtl="0">
+              <a:spcBef>
+                <a:spcPts val="1600"/>
+              </a:spcBef>
+              <a:spcAft>
+                <a:spcPts val="0"/>
+              </a:spcAft>
+              <a:buNone/>
+            </a:pPr>
+            <a:endParaRPr lang="fr-FR" dirty="0"/>
+          </a:p>
+          <a:p>
+            <a:pPr marL="0" lvl="0" indent="0" rtl="0">
+              <a:spcBef>
+                <a:spcPts val="1600"/>
+              </a:spcBef>
+              <a:spcAft>
+                <a:spcPts val="1600"/>
+              </a:spcAft>
+              <a:buNone/>
+            </a:pPr>
+            <a:endParaRPr lang="fr-FR" dirty="0"/>
+          </a:p>
+        </p:txBody>
+      </p:sp>
+      <p:pic>
+        <p:nvPicPr>
+          <p:cNvPr id="1028" name="Picture 4" descr="OASIS Brains - Open Access Series of Imaging Studies">
+            <a:extLst>
+              <a:ext uri="{FF2B5EF4-FFF2-40B4-BE49-F238E27FC236}">
+                <a16:creationId xmlns:a16="http://schemas.microsoft.com/office/drawing/2014/main" id="{EF9CFB23-5944-34F2-86E9-F142947DE41C}"/>
+              </a:ext>
+            </a:extLst>
+          </p:cNvPr>
+          <p:cNvPicPr>
+            <a:picLocks noChangeAspect="1" noChangeArrowheads="1"/>
+          </p:cNvPicPr>
+          <p:nvPr/>
+        </p:nvPicPr>
+        <p:blipFill>
+          <a:blip r:embed="rId3">
+            <a:extLst>
+              <a:ext uri="{28A0092B-C50C-407E-A947-70E740481C1C}">
+                <a14:useLocalDpi xmlns:a14="http://schemas.microsoft.com/office/drawing/2010/main" val="0"/>
+              </a:ext>
+            </a:extLst>
+          </a:blip>
+          <a:srcRect/>
+          <a:stretch>
+            <a:fillRect/>
+          </a:stretch>
+        </p:blipFill>
+        <p:spPr bwMode="auto">
+          <a:xfrm>
+            <a:off x="5017268" y="2822805"/>
+            <a:ext cx="3395204" cy="1860289"/>
+          </a:xfrm>
+          <a:prstGeom prst="rect">
+            <a:avLst/>
+          </a:prstGeom>
+          <a:noFill/>
+          <a:extLst>
+            <a:ext uri="{909E8E84-426E-40DD-AFC4-6F175D3DCCD1}">
+              <a14:hiddenFill xmlns:a14="http://schemas.microsoft.com/office/drawing/2010/main">
+                <a:solidFill>
+                  <a:srgbClr val="FFFFFF"/>
+                </a:solidFill>
+              </a14:hiddenFill>
+            </a:ext>
+          </a:extLst>
+        </p:spPr>
+      </p:pic>
+      <p:pic>
+        <p:nvPicPr>
+          <p:cNvPr id="18" name="Image 17">
+            <a:extLst>
+              <a:ext uri="{FF2B5EF4-FFF2-40B4-BE49-F238E27FC236}">
+                <a16:creationId xmlns:a16="http://schemas.microsoft.com/office/drawing/2014/main" id="{96FDECD7-BCD3-47F8-4CD9-260401CD58E8}"/>
+              </a:ext>
+            </a:extLst>
+          </p:cNvPr>
+          <p:cNvPicPr>
+            <a:picLocks noChangeAspect="1"/>
+          </p:cNvPicPr>
+          <p:nvPr/>
+        </p:nvPicPr>
+        <p:blipFill>
+          <a:blip r:embed="rId4"/>
+          <a:stretch>
+            <a:fillRect/>
+          </a:stretch>
+        </p:blipFill>
+        <p:spPr>
+          <a:xfrm>
+            <a:off x="1116928" y="3289499"/>
+            <a:ext cx="3009806" cy="1507814"/>
+          </a:xfrm>
+          <a:prstGeom prst="rect">
+            <a:avLst/>
+          </a:prstGeom>
+        </p:spPr>
+      </p:pic>
+    </p:spTree>
+  </p:cSld>
+  <p:clrMapOvr>
+    <a:masterClrMapping/>
+  </p:clrMapOvr>
+</p:sld>
+</file>
+
+<file path=ppt/slides/slide3.xml><?xml version="1.0" encoding="utf-8"?>
+<p:sld xmlns:a="http://schemas.openxmlformats.org/drawingml/2006/main" xmlns:r="http://schemas.openxmlformats.org/officeDocument/2006/relationships" xmlns:p="http://schemas.openxmlformats.org/presentationml/2006/main">
+  <p:cSld>
+    <p:spTree>
+      <p:nvGrpSpPr>
+        <p:cNvPr id="1" name=""/>
+        <p:cNvGrpSpPr/>
+        <p:nvPr/>
+      </p:nvGrpSpPr>
+      <p:grpSpPr>
+        <a:xfrm>
+          <a:off x="0" y="0"/>
+          <a:ext cx="0" cy="0"/>
+          <a:chOff x="0" y="0"/>
+          <a:chExt cx="0" cy="0"/>
+        </a:xfrm>
+      </p:grpSpPr>
+      <p:sp>
+        <p:nvSpPr>
+          <p:cNvPr id="3" name="Espace réservé du texte 2">
+            <a:extLst>
+              <a:ext uri="{FF2B5EF4-FFF2-40B4-BE49-F238E27FC236}">
+                <a16:creationId xmlns:a16="http://schemas.microsoft.com/office/drawing/2014/main" id="{C571CDEF-CE4A-4FD2-8483-CECCEAE15F1B}"/>
+              </a:ext>
+            </a:extLst>
+          </p:cNvPr>
+          <p:cNvSpPr>
+            <a:spLocks noGrp="1"/>
+          </p:cNvSpPr>
+          <p:nvPr>
+            <p:ph type="body" idx="1"/>
+          </p:nvPr>
+        </p:nvSpPr>
+        <p:spPr>
+          <a:xfrm>
+            <a:off x="311700" y="286719"/>
+            <a:ext cx="8520600" cy="4282156"/>
+          </a:xfrm>
+        </p:spPr>
+        <p:txBody>
+          <a:bodyPr/>
+          <a:lstStyle/>
+          <a:p>
+            <a:pPr marL="457200" lvl="0" indent="-419100" rtl="0">
+              <a:spcBef>
+                <a:spcPts val="0"/>
+              </a:spcBef>
+              <a:spcAft>
+                <a:spcPts val="0"/>
+              </a:spcAft>
+              <a:buSzPts val="3000"/>
+              <a:buChar char="●"/>
+            </a:pPr>
+            <a:r>
+              <a:rPr lang="fr-FR" sz="3000" dirty="0"/>
+              <a:t>Motivation</a:t>
+            </a:r>
+          </a:p>
+          <a:p>
+            <a:pPr lvl="1"/>
+            <a:r>
+              <a:rPr lang="fr-FR" sz="1800" dirty="0"/>
+              <a:t>Application de l’apprentissage profond utile pour la santé, permet de mieux prévenir la maladie pour retarder au maximum les effets</a:t>
+            </a:r>
+          </a:p>
+          <a:p>
+            <a:pPr lvl="1"/>
+            <a:r>
+              <a:rPr lang="fr-FR" sz="1800" dirty="0"/>
+              <a:t>Challenge, pas encore de notebook sur </a:t>
+            </a:r>
+            <a:r>
+              <a:rPr lang="fr-FR" sz="1800" dirty="0" err="1"/>
+              <a:t>Kaggle</a:t>
+            </a:r>
+            <a:r>
+              <a:rPr lang="fr-FR" sz="1800" dirty="0"/>
+              <a:t> pour le traitement d’images IRM de cette base de données</a:t>
+            </a:r>
+          </a:p>
+          <a:p>
+            <a:pPr marL="596900" lvl="1" indent="0">
+              <a:buNone/>
+            </a:pPr>
+            <a:endParaRPr lang="fr-FR" dirty="0"/>
+          </a:p>
+        </p:txBody>
+      </p:sp>
+      <p:pic>
+        <p:nvPicPr>
+          <p:cNvPr id="3074" name="Picture 2" descr="Medical Image Analysis with Deep Learning - KDnuggets">
+            <a:extLst>
+              <a:ext uri="{FF2B5EF4-FFF2-40B4-BE49-F238E27FC236}">
+                <a16:creationId xmlns:a16="http://schemas.microsoft.com/office/drawing/2014/main" id="{A75EEABE-E644-3E7D-AA32-775965099798}"/>
+              </a:ext>
+            </a:extLst>
+          </p:cNvPr>
+          <p:cNvPicPr>
+            <a:picLocks noChangeAspect="1" noChangeArrowheads="1"/>
+          </p:cNvPicPr>
+          <p:nvPr/>
+        </p:nvPicPr>
+        <p:blipFill>
+          <a:blip r:embed="rId2">
+            <a:extLst>
+              <a:ext uri="{28A0092B-C50C-407E-A947-70E740481C1C}">
+                <a14:useLocalDpi xmlns:a14="http://schemas.microsoft.com/office/drawing/2010/main" val="0"/>
+              </a:ext>
+            </a:extLst>
+          </a:blip>
+          <a:srcRect/>
+          <a:stretch>
+            <a:fillRect/>
+          </a:stretch>
+        </p:blipFill>
+        <p:spPr bwMode="auto">
+          <a:xfrm>
+            <a:off x="2855232" y="2855584"/>
+            <a:ext cx="3433536" cy="2001197"/>
+          </a:xfrm>
+          <a:prstGeom prst="rect">
+            <a:avLst/>
+          </a:prstGeom>
+          <a:noFill/>
+          <a:extLst>
+            <a:ext uri="{909E8E84-426E-40DD-AFC4-6F175D3DCCD1}">
+              <a14:hiddenFill xmlns:a14="http://schemas.microsoft.com/office/drawing/2010/main">
+                <a:solidFill>
+                  <a:srgbClr val="FFFFFF"/>
+                </a:solidFill>
+              </a14:hiddenFill>
+            </a:ext>
+          </a:extLst>
+        </p:spPr>
+      </p:pic>
+    </p:spTree>
+    <p:extLst>
+      <p:ext uri="{BB962C8B-B14F-4D97-AF65-F5344CB8AC3E}">
+        <p14:creationId xmlns:p14="http://schemas.microsoft.com/office/powerpoint/2010/main" val="3587867961"/>
+      </p:ext>
+    </p:extLst>
+  </p:cSld>
+  <p:clrMapOvr>
+    <a:masterClrMapping/>
+  </p:clrMapOvr>
+</p:sld>
+</file>
+
+<file path=ppt/slides/slide4.xml><?xml version="1.0" encoding="utf-8"?>
+<p:sld xmlns:a="http://schemas.openxmlformats.org/drawingml/2006/main" xmlns:r="http://schemas.openxmlformats.org/officeDocument/2006/relationships" xmlns:p="http://schemas.openxmlformats.org/presentationml/2006/main">
+  <p:cSld>
+    <p:spTree>
+      <p:nvGrpSpPr>
+        <p:cNvPr id="1" name="Shape 66"/>
+        <p:cNvGrpSpPr/>
+        <p:nvPr/>
+      </p:nvGrpSpPr>
+      <p:grpSpPr>
+        <a:xfrm>
+          <a:off x="0" y="0"/>
+          <a:ext cx="0" cy="0"/>
+          <a:chOff x="0" y="0"/>
+          <a:chExt cx="0" cy="0"/>
+        </a:xfrm>
+      </p:grpSpPr>
+      <p:sp>
+        <p:nvSpPr>
+          <p:cNvPr id="67" name="Shape 67"/>
+          <p:cNvSpPr txBox="1">
+            <a:spLocks noGrp="1"/>
+          </p:cNvSpPr>
+          <p:nvPr>
+            <p:ph type="title"/>
+          </p:nvPr>
+        </p:nvSpPr>
+        <p:spPr>
+          <a:xfrm>
+            <a:off x="313676" y="183670"/>
+            <a:ext cx="8520600" cy="572700"/>
+          </a:xfrm>
+          <a:prstGeom prst="rect">
+            <a:avLst/>
+          </a:prstGeom>
+        </p:spPr>
+        <p:txBody>
+          <a:bodyPr wrap="square" lIns="91425" tIns="91425" rIns="91425" bIns="91425" anchor="t" anchorCtr="0">
+            <a:noAutofit/>
+          </a:bodyPr>
+          <a:lstStyle/>
+          <a:p>
+            <a:pPr marL="0" lvl="0" indent="0">
+              <a:spcBef>
+                <a:spcPts val="0"/>
+              </a:spcBef>
+              <a:spcAft>
+                <a:spcPts val="0"/>
+              </a:spcAft>
+              <a:buNone/>
+            </a:pPr>
+            <a:r>
+              <a:rPr lang="fr-FR" sz="3600" dirty="0"/>
+              <a:t>Description du projet</a:t>
+            </a:r>
+          </a:p>
+        </p:txBody>
+      </p:sp>
+      <p:pic>
+        <p:nvPicPr>
+          <p:cNvPr id="2" name="Image 1">
+            <a:extLst>
+              <a:ext uri="{FF2B5EF4-FFF2-40B4-BE49-F238E27FC236}">
+                <a16:creationId xmlns:a16="http://schemas.microsoft.com/office/drawing/2014/main" id="{676812EA-08CA-4D5C-8596-A605C46C3DF3}"/>
+              </a:ext>
+            </a:extLst>
+          </p:cNvPr>
+          <p:cNvPicPr>
+            <a:picLocks noChangeAspect="1"/>
+          </p:cNvPicPr>
+          <p:nvPr/>
+        </p:nvPicPr>
+        <p:blipFill>
+          <a:blip r:embed="rId3"/>
+          <a:stretch>
+            <a:fillRect/>
+          </a:stretch>
+        </p:blipFill>
+        <p:spPr>
+          <a:xfrm>
+            <a:off x="567676" y="1421753"/>
+            <a:ext cx="1117600" cy="1320800"/>
+          </a:xfrm>
+          <a:prstGeom prst="rect">
+            <a:avLst/>
+          </a:prstGeom>
+        </p:spPr>
+      </p:pic>
+      <p:pic>
+        <p:nvPicPr>
+          <p:cNvPr id="3" name="Image 2">
+            <a:extLst>
+              <a:ext uri="{FF2B5EF4-FFF2-40B4-BE49-F238E27FC236}">
+                <a16:creationId xmlns:a16="http://schemas.microsoft.com/office/drawing/2014/main" id="{D8C34105-B424-53EF-9AEE-F28120130F4E}"/>
+              </a:ext>
+            </a:extLst>
+          </p:cNvPr>
+          <p:cNvPicPr>
+            <a:picLocks noChangeAspect="1"/>
+          </p:cNvPicPr>
+          <p:nvPr/>
+        </p:nvPicPr>
+        <p:blipFill>
+          <a:blip r:embed="rId4"/>
+          <a:stretch>
+            <a:fillRect/>
+          </a:stretch>
+        </p:blipFill>
+        <p:spPr>
+          <a:xfrm>
+            <a:off x="313676" y="2884503"/>
+            <a:ext cx="1625600" cy="1625600"/>
+          </a:xfrm>
+          <a:prstGeom prst="rect">
+            <a:avLst/>
+          </a:prstGeom>
+        </p:spPr>
+      </p:pic>
+      <p:pic>
+        <p:nvPicPr>
+          <p:cNvPr id="4" name="Image 3">
+            <a:extLst>
+              <a:ext uri="{FF2B5EF4-FFF2-40B4-BE49-F238E27FC236}">
+                <a16:creationId xmlns:a16="http://schemas.microsoft.com/office/drawing/2014/main" id="{572E27E2-5768-D3B8-7102-333B35E1CF19}"/>
+              </a:ext>
+            </a:extLst>
+          </p:cNvPr>
+          <p:cNvPicPr>
+            <a:picLocks noChangeAspect="1"/>
+          </p:cNvPicPr>
+          <p:nvPr/>
+        </p:nvPicPr>
+        <p:blipFill>
+          <a:blip r:embed="rId5"/>
+          <a:stretch>
+            <a:fillRect/>
+          </a:stretch>
+        </p:blipFill>
+        <p:spPr>
+          <a:xfrm>
+            <a:off x="2407637" y="1436943"/>
+            <a:ext cx="1117600" cy="1320800"/>
+          </a:xfrm>
+          <a:prstGeom prst="rect">
+            <a:avLst/>
+          </a:prstGeom>
+        </p:spPr>
+      </p:pic>
+      <p:pic>
+        <p:nvPicPr>
+          <p:cNvPr id="5" name="Image 4">
+            <a:extLst>
+              <a:ext uri="{FF2B5EF4-FFF2-40B4-BE49-F238E27FC236}">
+                <a16:creationId xmlns:a16="http://schemas.microsoft.com/office/drawing/2014/main" id="{3370AD0B-FF9B-A697-5270-2AE2C6E43396}"/>
+              </a:ext>
+            </a:extLst>
+          </p:cNvPr>
+          <p:cNvPicPr>
+            <a:picLocks noChangeAspect="1"/>
+          </p:cNvPicPr>
+          <p:nvPr/>
+        </p:nvPicPr>
+        <p:blipFill>
+          <a:blip r:embed="rId6"/>
+          <a:stretch>
+            <a:fillRect/>
+          </a:stretch>
+        </p:blipFill>
+        <p:spPr>
+          <a:xfrm>
+            <a:off x="2153637" y="2896506"/>
+            <a:ext cx="1625600" cy="1625600"/>
+          </a:xfrm>
+          <a:prstGeom prst="rect">
+            <a:avLst/>
+          </a:prstGeom>
+        </p:spPr>
+      </p:pic>
+      <p:pic>
+        <p:nvPicPr>
+          <p:cNvPr id="6" name="Image 5">
+            <a:extLst>
+              <a:ext uri="{FF2B5EF4-FFF2-40B4-BE49-F238E27FC236}">
+                <a16:creationId xmlns:a16="http://schemas.microsoft.com/office/drawing/2014/main" id="{5388AF2C-B0A0-E20F-AF79-886417CECD53}"/>
+              </a:ext>
+            </a:extLst>
+          </p:cNvPr>
+          <p:cNvPicPr>
+            <a:picLocks noChangeAspect="1"/>
+          </p:cNvPicPr>
+          <p:nvPr/>
+        </p:nvPicPr>
+        <p:blipFill>
+          <a:blip r:embed="rId7"/>
+          <a:stretch>
+            <a:fillRect/>
+          </a:stretch>
+        </p:blipFill>
+        <p:spPr>
+          <a:xfrm>
+            <a:off x="4247598" y="1436943"/>
+            <a:ext cx="1117600" cy="1320800"/>
+          </a:xfrm>
+          <a:prstGeom prst="rect">
+            <a:avLst/>
+          </a:prstGeom>
+        </p:spPr>
+      </p:pic>
+      <p:pic>
+        <p:nvPicPr>
+          <p:cNvPr id="7" name="Image 6">
+            <a:extLst>
+              <a:ext uri="{FF2B5EF4-FFF2-40B4-BE49-F238E27FC236}">
+                <a16:creationId xmlns:a16="http://schemas.microsoft.com/office/drawing/2014/main" id="{D9ACF642-1BC3-2FEF-1314-7F904A2D2B5F}"/>
+              </a:ext>
+            </a:extLst>
+          </p:cNvPr>
+          <p:cNvPicPr>
+            <a:picLocks noChangeAspect="1"/>
+          </p:cNvPicPr>
+          <p:nvPr/>
+        </p:nvPicPr>
+        <p:blipFill>
+          <a:blip r:embed="rId8"/>
+          <a:stretch>
+            <a:fillRect/>
+          </a:stretch>
+        </p:blipFill>
+        <p:spPr>
+          <a:xfrm>
+            <a:off x="3993598" y="2884503"/>
+            <a:ext cx="1625600" cy="1625600"/>
+          </a:xfrm>
+          <a:prstGeom prst="rect">
+            <a:avLst/>
+          </a:prstGeom>
+        </p:spPr>
+      </p:pic>
+      <p:sp>
+        <p:nvSpPr>
+          <p:cNvPr id="8" name="ZoneTexte 7">
+            <a:extLst>
+              <a:ext uri="{FF2B5EF4-FFF2-40B4-BE49-F238E27FC236}">
+                <a16:creationId xmlns:a16="http://schemas.microsoft.com/office/drawing/2014/main" id="{47F12EF5-3199-D217-AB6F-3E8BF28C8F49}"/>
+              </a:ext>
+            </a:extLst>
+          </p:cNvPr>
           <p:cNvSpPr txBox="1"/>
+          <p:nvPr/>
+        </p:nvSpPr>
+        <p:spPr>
+          <a:xfrm>
+            <a:off x="527975" y="4652053"/>
+            <a:ext cx="1197002" cy="307777"/>
+          </a:xfrm>
+          <a:prstGeom prst="rect">
+            <a:avLst/>
+          </a:prstGeom>
+          <a:noFill/>
+        </p:spPr>
+        <p:txBody>
+          <a:bodyPr wrap="square" rtlCol="0">
+            <a:spAutoFit/>
+          </a:bodyPr>
+          <a:lstStyle/>
+          <a:p>
+            <a:pPr algn="ctr"/>
+            <a:r>
+              <a:rPr lang="fr-FR" dirty="0"/>
+              <a:t>Patient 1</a:t>
+            </a:r>
+          </a:p>
+        </p:txBody>
+      </p:sp>
+      <p:sp>
+        <p:nvSpPr>
+          <p:cNvPr id="9" name="ZoneTexte 8">
+            <a:extLst>
+              <a:ext uri="{FF2B5EF4-FFF2-40B4-BE49-F238E27FC236}">
+                <a16:creationId xmlns:a16="http://schemas.microsoft.com/office/drawing/2014/main" id="{1074C10D-0265-6FF9-A9EA-CAA868F05C24}"/>
+              </a:ext>
+            </a:extLst>
+          </p:cNvPr>
+          <p:cNvSpPr txBox="1"/>
+          <p:nvPr/>
+        </p:nvSpPr>
+        <p:spPr>
+          <a:xfrm>
+            <a:off x="2367936" y="4652053"/>
+            <a:ext cx="1197002" cy="307777"/>
+          </a:xfrm>
+          <a:prstGeom prst="rect">
+            <a:avLst/>
+          </a:prstGeom>
+          <a:noFill/>
+        </p:spPr>
+        <p:txBody>
+          <a:bodyPr wrap="square" rtlCol="0">
+            <a:spAutoFit/>
+          </a:bodyPr>
+          <a:lstStyle/>
+          <a:p>
+            <a:pPr algn="ctr"/>
+            <a:r>
+              <a:rPr lang="fr-FR" dirty="0"/>
+              <a:t>Patient 2</a:t>
+            </a:r>
+          </a:p>
+        </p:txBody>
+      </p:sp>
+      <p:sp>
+        <p:nvSpPr>
+          <p:cNvPr id="10" name="ZoneTexte 9">
+            <a:extLst>
+              <a:ext uri="{FF2B5EF4-FFF2-40B4-BE49-F238E27FC236}">
+                <a16:creationId xmlns:a16="http://schemas.microsoft.com/office/drawing/2014/main" id="{B4A6495F-144E-8928-921D-D7BBF7988B6E}"/>
+              </a:ext>
+            </a:extLst>
+          </p:cNvPr>
+          <p:cNvSpPr txBox="1"/>
+          <p:nvPr/>
+        </p:nvSpPr>
+        <p:spPr>
+          <a:xfrm>
+            <a:off x="4207897" y="4640051"/>
+            <a:ext cx="1197002" cy="307777"/>
+          </a:xfrm>
+          <a:prstGeom prst="rect">
+            <a:avLst/>
+          </a:prstGeom>
+          <a:noFill/>
+        </p:spPr>
+        <p:txBody>
+          <a:bodyPr wrap="square" rtlCol="0">
+            <a:spAutoFit/>
+          </a:bodyPr>
+          <a:lstStyle/>
+          <a:p>
+            <a:pPr algn="ctr"/>
+            <a:r>
+              <a:rPr lang="fr-FR" dirty="0"/>
+              <a:t>Patient 3</a:t>
+            </a:r>
+          </a:p>
+        </p:txBody>
+      </p:sp>
+      <p:sp>
+        <p:nvSpPr>
+          <p:cNvPr id="11" name="ZoneTexte 10">
+            <a:extLst>
+              <a:ext uri="{FF2B5EF4-FFF2-40B4-BE49-F238E27FC236}">
+                <a16:creationId xmlns:a16="http://schemas.microsoft.com/office/drawing/2014/main" id="{082C5733-6E28-57D8-C45B-99F03BED6507}"/>
+              </a:ext>
+            </a:extLst>
+          </p:cNvPr>
+          <p:cNvSpPr txBox="1"/>
+          <p:nvPr/>
+        </p:nvSpPr>
+        <p:spPr>
+          <a:xfrm>
+            <a:off x="1049935" y="930191"/>
+            <a:ext cx="3833004" cy="307777"/>
+          </a:xfrm>
+          <a:prstGeom prst="rect">
+            <a:avLst/>
+          </a:prstGeom>
+          <a:noFill/>
+        </p:spPr>
+        <p:txBody>
+          <a:bodyPr wrap="square" rtlCol="0">
+            <a:spAutoFit/>
+          </a:bodyPr>
+          <a:lstStyle/>
+          <a:p>
+            <a:pPr algn="ctr"/>
+            <a:r>
+              <a:rPr lang="fr-FR" b="1" dirty="0">
+                <a:solidFill>
+                  <a:srgbClr val="FF0000"/>
+                </a:solidFill>
+              </a:rPr>
+              <a:t>Données IRM</a:t>
+            </a:r>
+          </a:p>
+        </p:txBody>
+      </p:sp>
+      <p:sp>
+        <p:nvSpPr>
+          <p:cNvPr id="12" name="ZoneTexte 11">
+            <a:extLst>
+              <a:ext uri="{FF2B5EF4-FFF2-40B4-BE49-F238E27FC236}">
+                <a16:creationId xmlns:a16="http://schemas.microsoft.com/office/drawing/2014/main" id="{A64432D7-6A55-23CD-6A76-05E8AA103E38}"/>
+              </a:ext>
+            </a:extLst>
+          </p:cNvPr>
+          <p:cNvSpPr txBox="1"/>
+          <p:nvPr/>
+        </p:nvSpPr>
+        <p:spPr>
+          <a:xfrm>
+            <a:off x="5619198" y="930191"/>
+            <a:ext cx="3833004" cy="307777"/>
+          </a:xfrm>
+          <a:prstGeom prst="rect">
+            <a:avLst/>
+          </a:prstGeom>
+          <a:noFill/>
+        </p:spPr>
+        <p:txBody>
+          <a:bodyPr wrap="square" rtlCol="0">
+            <a:spAutoFit/>
+          </a:bodyPr>
+          <a:lstStyle/>
+          <a:p>
+            <a:pPr algn="ctr"/>
+            <a:r>
+              <a:rPr lang="fr-FR" b="1" dirty="0">
+                <a:solidFill>
+                  <a:srgbClr val="FF0000"/>
+                </a:solidFill>
+              </a:rPr>
+              <a:t>Données annexes</a:t>
+            </a:r>
+          </a:p>
+        </p:txBody>
+      </p:sp>
+      <p:graphicFrame>
+        <p:nvGraphicFramePr>
+          <p:cNvPr id="13" name="Tableau 13">
+            <a:extLst>
+              <a:ext uri="{FF2B5EF4-FFF2-40B4-BE49-F238E27FC236}">
+                <a16:creationId xmlns:a16="http://schemas.microsoft.com/office/drawing/2014/main" id="{4D75F07D-73B7-A20E-8FBB-3973BAD483A5}"/>
+              </a:ext>
+            </a:extLst>
+          </p:cNvPr>
+          <p:cNvGraphicFramePr>
+            <a:graphicFrameLocks noGrp="1"/>
+          </p:cNvGraphicFramePr>
+          <p:nvPr>
+            <p:extLst>
+              <p:ext uri="{D42A27DB-BD31-4B8C-83A1-F6EECF244321}">
+                <p14:modId xmlns:p14="http://schemas.microsoft.com/office/powerpoint/2010/main" val="2437975842"/>
+              </p:ext>
+            </p:extLst>
+          </p:nvPr>
+        </p:nvGraphicFramePr>
+        <p:xfrm>
+          <a:off x="6253291" y="1436943"/>
+          <a:ext cx="2564818" cy="1854200"/>
+        </p:xfrm>
+        <a:graphic>
+          <a:graphicData uri="http://schemas.openxmlformats.org/drawingml/2006/table">
+            <a:tbl>
+              <a:tblPr bandRow="1">
+                <a:tableStyleId>{3C2FFA5D-87B4-456A-9821-1D502468CF0F}</a:tableStyleId>
+              </a:tblPr>
+              <a:tblGrid>
+                <a:gridCol w="2564818">
+                  <a:extLst>
+                    <a:ext uri="{9D8B030D-6E8A-4147-A177-3AD203B41FA5}">
+                      <a16:colId xmlns:a16="http://schemas.microsoft.com/office/drawing/2014/main" val="841356424"/>
+                    </a:ext>
+                  </a:extLst>
+                </a:gridCol>
+              </a:tblGrid>
+              <a:tr h="370840">
+                <a:tc>
+                  <a:txBody>
+                    <a:bodyPr/>
+                    <a:lstStyle/>
+                    <a:p>
+                      <a:pPr algn="ctr"/>
+                      <a:r>
+                        <a:rPr lang="fr-FR" dirty="0"/>
+                        <a:t>Age</a:t>
+                      </a:r>
+                    </a:p>
+                  </a:txBody>
+                  <a:tcPr/>
+                </a:tc>
+                <a:extLst>
+                  <a:ext uri="{0D108BD9-81ED-4DB2-BD59-A6C34878D82A}">
+                    <a16:rowId xmlns:a16="http://schemas.microsoft.com/office/drawing/2014/main" val="2464846834"/>
+                  </a:ext>
+                </a:extLst>
+              </a:tr>
+              <a:tr h="370840">
+                <a:tc>
+                  <a:txBody>
+                    <a:bodyPr/>
+                    <a:lstStyle/>
+                    <a:p>
+                      <a:pPr algn="ctr"/>
+                      <a:r>
+                        <a:rPr lang="fr-FR" dirty="0"/>
+                        <a:t>Genre</a:t>
+                      </a:r>
+                    </a:p>
+                  </a:txBody>
+                  <a:tcPr/>
+                </a:tc>
+                <a:extLst>
+                  <a:ext uri="{0D108BD9-81ED-4DB2-BD59-A6C34878D82A}">
+                    <a16:rowId xmlns:a16="http://schemas.microsoft.com/office/drawing/2014/main" val="3699941224"/>
+                  </a:ext>
+                </a:extLst>
+              </a:tr>
+              <a:tr h="370840">
+                <a:tc>
+                  <a:txBody>
+                    <a:bodyPr/>
+                    <a:lstStyle/>
+                    <a:p>
+                      <a:pPr algn="ctr"/>
+                      <a:r>
+                        <a:rPr lang="fr-FR" dirty="0"/>
+                        <a:t>Gaucher/Droitier</a:t>
+                      </a:r>
+                    </a:p>
+                  </a:txBody>
+                  <a:tcPr/>
+                </a:tc>
+                <a:extLst>
+                  <a:ext uri="{0D108BD9-81ED-4DB2-BD59-A6C34878D82A}">
+                    <a16:rowId xmlns:a16="http://schemas.microsoft.com/office/drawing/2014/main" val="1405269620"/>
+                  </a:ext>
+                </a:extLst>
+              </a:tr>
+              <a:tr h="370840">
+                <a:tc>
+                  <a:txBody>
+                    <a:bodyPr/>
+                    <a:lstStyle/>
+                    <a:p>
+                      <a:pPr algn="ctr"/>
+                      <a:r>
+                        <a:rPr lang="fr-FR" dirty="0"/>
+                        <a:t>Education</a:t>
+                      </a:r>
+                    </a:p>
+                  </a:txBody>
+                  <a:tcPr/>
+                </a:tc>
+                <a:extLst>
+                  <a:ext uri="{0D108BD9-81ED-4DB2-BD59-A6C34878D82A}">
+                    <a16:rowId xmlns:a16="http://schemas.microsoft.com/office/drawing/2014/main" val="3149284147"/>
+                  </a:ext>
+                </a:extLst>
+              </a:tr>
+              <a:tr h="370840">
+                <a:tc>
+                  <a:txBody>
+                    <a:bodyPr/>
+                    <a:lstStyle/>
+                    <a:p>
+                      <a:pPr algn="ctr"/>
+                      <a:r>
+                        <a:rPr lang="fr-FR" dirty="0"/>
+                        <a:t>Statut socioéconomique</a:t>
+                      </a:r>
+                    </a:p>
+                  </a:txBody>
+                  <a:tcPr/>
+                </a:tc>
+                <a:extLst>
+                  <a:ext uri="{0D108BD9-81ED-4DB2-BD59-A6C34878D82A}">
+                    <a16:rowId xmlns:a16="http://schemas.microsoft.com/office/drawing/2014/main" val="3458335388"/>
+                  </a:ext>
+                </a:extLst>
+              </a:tr>
+            </a:tbl>
+          </a:graphicData>
+        </a:graphic>
+      </p:graphicFrame>
+      <p:graphicFrame>
+        <p:nvGraphicFramePr>
+          <p:cNvPr id="15" name="Tableau 13">
+            <a:extLst>
+              <a:ext uri="{FF2B5EF4-FFF2-40B4-BE49-F238E27FC236}">
+                <a16:creationId xmlns:a16="http://schemas.microsoft.com/office/drawing/2014/main" id="{A04B81BB-D5F4-36D8-92C2-A1B693CAC9A2}"/>
+              </a:ext>
+            </a:extLst>
+          </p:cNvPr>
+          <p:cNvGraphicFramePr>
+            <a:graphicFrameLocks noGrp="1"/>
+          </p:cNvGraphicFramePr>
+          <p:nvPr>
+            <p:extLst>
+              <p:ext uri="{D42A27DB-BD31-4B8C-83A1-F6EECF244321}">
+                <p14:modId xmlns:p14="http://schemas.microsoft.com/office/powerpoint/2010/main" val="2359773999"/>
+              </p:ext>
+            </p:extLst>
+          </p:nvPr>
+        </p:nvGraphicFramePr>
+        <p:xfrm>
+          <a:off x="6253291" y="3500397"/>
+          <a:ext cx="2564818" cy="1112520"/>
+        </p:xfrm>
+        <a:graphic>
+          <a:graphicData uri="http://schemas.openxmlformats.org/drawingml/2006/table">
+            <a:tbl>
+              <a:tblPr bandRow="1">
+                <a:tableStyleId>{3C2FFA5D-87B4-456A-9821-1D502468CF0F}</a:tableStyleId>
+              </a:tblPr>
+              <a:tblGrid>
+                <a:gridCol w="2564818">
+                  <a:extLst>
+                    <a:ext uri="{9D8B030D-6E8A-4147-A177-3AD203B41FA5}">
+                      <a16:colId xmlns:a16="http://schemas.microsoft.com/office/drawing/2014/main" val="841356424"/>
+                    </a:ext>
+                  </a:extLst>
+                </a:gridCol>
+              </a:tblGrid>
+              <a:tr h="370840">
+                <a:tc>
+                  <a:txBody>
+                    <a:bodyPr/>
+                    <a:lstStyle/>
+                    <a:p>
+                      <a:pPr algn="ctr"/>
+                      <a:r>
+                        <a:rPr lang="fr-FR" dirty="0"/>
+                        <a:t>Stade de la maladie</a:t>
+                      </a:r>
+                    </a:p>
+                  </a:txBody>
+                  <a:tcPr/>
+                </a:tc>
+                <a:extLst>
+                  <a:ext uri="{0D108BD9-81ED-4DB2-BD59-A6C34878D82A}">
+                    <a16:rowId xmlns:a16="http://schemas.microsoft.com/office/drawing/2014/main" val="2464846834"/>
+                  </a:ext>
+                </a:extLst>
+              </a:tr>
+              <a:tr h="370840">
+                <a:tc>
+                  <a:txBody>
+                    <a:bodyPr/>
+                    <a:lstStyle/>
+                    <a:p>
+                      <a:pPr algn="ctr"/>
+                      <a:r>
+                        <a:rPr lang="fr-FR" dirty="0"/>
+                        <a:t>Volume crânien</a:t>
+                      </a:r>
+                    </a:p>
+                  </a:txBody>
+                  <a:tcPr/>
+                </a:tc>
+                <a:extLst>
+                  <a:ext uri="{0D108BD9-81ED-4DB2-BD59-A6C34878D82A}">
+                    <a16:rowId xmlns:a16="http://schemas.microsoft.com/office/drawing/2014/main" val="3699941224"/>
+                  </a:ext>
+                </a:extLst>
+              </a:tr>
+              <a:tr h="370840">
+                <a:tc>
+                  <a:txBody>
+                    <a:bodyPr/>
+                    <a:lstStyle/>
+                    <a:p>
+                      <a:pPr algn="ctr"/>
+                      <a:r>
+                        <a:rPr lang="fr-FR" dirty="0"/>
+                        <a:t>…</a:t>
+                      </a:r>
+                    </a:p>
+                  </a:txBody>
+                  <a:tcPr/>
+                </a:tc>
+                <a:extLst>
+                  <a:ext uri="{0D108BD9-81ED-4DB2-BD59-A6C34878D82A}">
+                    <a16:rowId xmlns:a16="http://schemas.microsoft.com/office/drawing/2014/main" val="1405269620"/>
+                  </a:ext>
+                </a:extLst>
+              </a:tr>
+            </a:tbl>
+          </a:graphicData>
+        </a:graphic>
+      </p:graphicFrame>
+    </p:spTree>
+  </p:cSld>
+  <p:clrMapOvr>
+    <a:masterClrMapping/>
+  </p:clrMapOvr>
+</p:sld>
+</file>
+
+<file path=ppt/slides/slide5.xml><?xml version="1.0" encoding="utf-8"?>
+<p:sld xmlns:a="http://schemas.openxmlformats.org/drawingml/2006/main" xmlns:r="http://schemas.openxmlformats.org/officeDocument/2006/relationships" xmlns:p="http://schemas.openxmlformats.org/presentationml/2006/main">
+  <p:cSld>
+    <p:spTree>
+      <p:nvGrpSpPr>
+        <p:cNvPr id="1" name=""/>
+        <p:cNvGrpSpPr/>
+        <p:nvPr/>
+      </p:nvGrpSpPr>
+      <p:grpSpPr>
+        <a:xfrm>
+          <a:off x="0" y="0"/>
+          <a:ext cx="0" cy="0"/>
+          <a:chOff x="0" y="0"/>
+          <a:chExt cx="0" cy="0"/>
+        </a:xfrm>
+      </p:grpSpPr>
+      <p:sp>
+        <p:nvSpPr>
+          <p:cNvPr id="6" name="Shape 67">
+            <a:extLst>
+              <a:ext uri="{FF2B5EF4-FFF2-40B4-BE49-F238E27FC236}">
+                <a16:creationId xmlns:a16="http://schemas.microsoft.com/office/drawing/2014/main" id="{EF0920C0-5D9F-8914-9DF3-436EF495A350}"/>
+              </a:ext>
+            </a:extLst>
+          </p:cNvPr>
+          <p:cNvSpPr txBox="1">
+            <a:spLocks noGrp="1"/>
+          </p:cNvSpPr>
+          <p:nvPr>
+            <p:ph type="title"/>
+          </p:nvPr>
+        </p:nvSpPr>
+        <p:spPr>
+          <a:xfrm>
+            <a:off x="311700" y="288275"/>
+            <a:ext cx="8520600" cy="572700"/>
+          </a:xfrm>
+          <a:prstGeom prst="rect">
+            <a:avLst/>
+          </a:prstGeom>
+        </p:spPr>
+        <p:txBody>
+          <a:bodyPr wrap="square" lIns="91425" tIns="91425" rIns="91425" bIns="91425" anchor="t" anchorCtr="0">
+            <a:noAutofit/>
+          </a:bodyPr>
+          <a:lstStyle/>
+          <a:p>
+            <a:pPr marL="0" lvl="0" indent="0">
+              <a:spcBef>
+                <a:spcPts val="0"/>
+              </a:spcBef>
+              <a:spcAft>
+                <a:spcPts val="0"/>
+              </a:spcAft>
+              <a:buNone/>
+            </a:pPr>
+            <a:r>
+              <a:rPr lang="en" sz="3600" dirty="0"/>
+              <a:t>Description du </a:t>
+            </a:r>
+            <a:r>
+              <a:rPr lang="en" sz="3600" dirty="0" err="1"/>
+              <a:t>Projet</a:t>
+            </a:r>
+            <a:endParaRPr sz="3600" dirty="0"/>
+          </a:p>
+        </p:txBody>
+      </p:sp>
+      <p:sp>
+        <p:nvSpPr>
+          <p:cNvPr id="7" name="Shape 68">
+            <a:extLst>
+              <a:ext uri="{FF2B5EF4-FFF2-40B4-BE49-F238E27FC236}">
+                <a16:creationId xmlns:a16="http://schemas.microsoft.com/office/drawing/2014/main" id="{DF5553CE-3F52-5506-CC7D-5FB8299095FA}"/>
+              </a:ext>
+            </a:extLst>
+          </p:cNvPr>
+          <p:cNvSpPr txBox="1">
+            <a:spLocks noGrp="1"/>
+          </p:cNvSpPr>
+          <p:nvPr>
+            <p:ph type="body" idx="1"/>
+          </p:nvPr>
+        </p:nvSpPr>
+        <p:spPr>
+          <a:xfrm>
+            <a:off x="311700" y="1152475"/>
+            <a:ext cx="8520600" cy="3280732"/>
+          </a:xfrm>
+          <a:prstGeom prst="rect">
+            <a:avLst/>
+          </a:prstGeom>
+        </p:spPr>
+        <p:txBody>
+          <a:bodyPr wrap="square" lIns="91425" tIns="91425" rIns="91425" bIns="91425" anchor="t" anchorCtr="0">
+            <a:noAutofit/>
+          </a:bodyPr>
+          <a:lstStyle/>
+          <a:p>
+            <a:pPr marL="457200" lvl="0" indent="-342900" rtl="0">
+              <a:spcBef>
+                <a:spcPts val="0"/>
+              </a:spcBef>
+              <a:spcAft>
+                <a:spcPts val="0"/>
+              </a:spcAft>
+              <a:buSzPts val="1800"/>
+              <a:buChar char="●"/>
+            </a:pPr>
+            <a:r>
+              <a:rPr lang="fr-FR" dirty="0"/>
+              <a:t>Trois possibilités : </a:t>
+            </a:r>
+          </a:p>
+          <a:p>
+            <a:pPr marL="114300" lvl="0" indent="0" rtl="0">
+              <a:spcBef>
+                <a:spcPts val="0"/>
+              </a:spcBef>
+              <a:spcAft>
+                <a:spcPts val="0"/>
+              </a:spcAft>
+              <a:buSzPts val="1800"/>
+              <a:buNone/>
+            </a:pPr>
+            <a:endParaRPr lang="fr-FR" dirty="0"/>
+          </a:p>
+          <a:p>
+            <a:pPr marL="857250" lvl="1" indent="-285750">
+              <a:spcBef>
+                <a:spcPts val="0"/>
+              </a:spcBef>
+              <a:buSzPts val="1800"/>
+            </a:pPr>
+            <a:r>
+              <a:rPr lang="fr-FR" dirty="0"/>
+              <a:t>Étude sur les images IRM</a:t>
+            </a:r>
+          </a:p>
+          <a:p>
+            <a:pPr marL="571500" lvl="1" indent="0">
+              <a:spcBef>
+                <a:spcPts val="0"/>
+              </a:spcBef>
+              <a:buSzPts val="1800"/>
+              <a:buNone/>
+            </a:pPr>
+            <a:endParaRPr lang="fr-FR" dirty="0"/>
+          </a:p>
+          <a:p>
+            <a:pPr marL="857250" lvl="1" indent="-285750">
+              <a:spcBef>
+                <a:spcPts val="0"/>
+              </a:spcBef>
+              <a:buSzPts val="1800"/>
+            </a:pPr>
+            <a:r>
+              <a:rPr lang="fr-FR" dirty="0"/>
+              <a:t>Étude sur les données annexes</a:t>
+            </a:r>
+          </a:p>
+          <a:p>
+            <a:pPr marL="857250" lvl="1" indent="-285750">
+              <a:spcBef>
+                <a:spcPts val="0"/>
+              </a:spcBef>
+              <a:buSzPts val="1800"/>
+            </a:pPr>
+            <a:endParaRPr lang="fr-FR" dirty="0"/>
+          </a:p>
+          <a:p>
+            <a:pPr marL="857250" lvl="1" indent="-285750">
+              <a:spcBef>
+                <a:spcPts val="0"/>
+              </a:spcBef>
+              <a:buSzPts val="1800"/>
+            </a:pPr>
+            <a:r>
+              <a:rPr lang="fr-FR" dirty="0"/>
+              <a:t>Combinaison des deux types de données</a:t>
+            </a:r>
+          </a:p>
+          <a:p>
+            <a:pPr marL="571500" lvl="1" indent="0">
+              <a:spcBef>
+                <a:spcPts val="0"/>
+              </a:spcBef>
+              <a:buSzPts val="1800"/>
+              <a:buNone/>
+            </a:pPr>
+            <a:endParaRPr lang="fr-FR" dirty="0"/>
+          </a:p>
+          <a:p>
+            <a:pPr marL="857250" lvl="1" indent="-285750">
+              <a:spcBef>
+                <a:spcPts val="0"/>
+              </a:spcBef>
+              <a:buSzPts val="1800"/>
+            </a:pPr>
+            <a:endParaRPr lang="fr-FR" dirty="0"/>
+          </a:p>
+        </p:txBody>
+      </p:sp>
+    </p:spTree>
+    <p:extLst>
+      <p:ext uri="{BB962C8B-B14F-4D97-AF65-F5344CB8AC3E}">
+        <p14:creationId xmlns:p14="http://schemas.microsoft.com/office/powerpoint/2010/main" val="1637103982"/>
+      </p:ext>
+    </p:extLst>
+  </p:cSld>
+  <p:clrMapOvr>
+    <a:masterClrMapping/>
+  </p:clrMapOvr>
+</p:sld>
+</file>
+
+<file path=ppt/slides/slide6.xml><?xml version="1.0" encoding="utf-8"?>
+<p:sld xmlns:a="http://schemas.openxmlformats.org/drawingml/2006/main" xmlns:r="http://schemas.openxmlformats.org/officeDocument/2006/relationships" xmlns:p="http://schemas.openxmlformats.org/presentationml/2006/main">
+  <p:cSld>
+    <p:spTree>
+      <p:nvGrpSpPr>
+        <p:cNvPr id="1" name=""/>
+        <p:cNvGrpSpPr/>
+        <p:nvPr/>
+      </p:nvGrpSpPr>
+      <p:grpSpPr>
+        <a:xfrm>
+          <a:off x="0" y="0"/>
+          <a:ext cx="0" cy="0"/>
+          <a:chOff x="0" y="0"/>
+          <a:chExt cx="0" cy="0"/>
+        </a:xfrm>
+      </p:grpSpPr>
+      <p:sp>
+        <p:nvSpPr>
+          <p:cNvPr id="4" name="Shape 67">
+            <a:extLst>
+              <a:ext uri="{FF2B5EF4-FFF2-40B4-BE49-F238E27FC236}">
+                <a16:creationId xmlns:a16="http://schemas.microsoft.com/office/drawing/2014/main" id="{CBDDC186-9D1B-828A-FE31-951CB87E8ED2}"/>
+              </a:ext>
+            </a:extLst>
+          </p:cNvPr>
+          <p:cNvSpPr txBox="1">
+            <a:spLocks noGrp="1"/>
+          </p:cNvSpPr>
           <p:nvPr>
             <p:ph type="title"/>
           </p:nvPr>
@@ -4731,12 +6488,12 @@
           </a:prstGeom>
         </p:spPr>
         <p:txBody>
-          <a:bodyPr anchorCtr="0" anchor="t" bIns="91425" lIns="91425" rIns="91425" wrap="square" tIns="91425">
+          <a:bodyPr wrap="square" lIns="91425" tIns="91425" rIns="91425" bIns="91425" anchor="t" anchorCtr="0">
             <a:noAutofit/>
           </a:bodyPr>
           <a:lstStyle/>
           <a:p>
-            <a:pPr indent="0" lvl="0" marL="0" rtl="0">
+            <a:pPr marL="0" lvl="0" indent="0">
               <a:spcBef>
                 <a:spcPts val="0"/>
               </a:spcBef>
@@ -4746,19 +6503,31 @@
               <a:buNone/>
             </a:pPr>
             <a:r>
-              <a:rPr lang="en" sz="3600"/>
-              <a:t>Contexte et Motivation</a:t>
+              <a:rPr lang="en" sz="3600" dirty="0"/>
+              <a:t>Description du </a:t>
             </a:r>
-            <a:endParaRPr sz="3600"/>
+            <a:r>
+              <a:rPr lang="en" sz="3600" dirty="0" err="1"/>
+              <a:t>Projet</a:t>
+            </a:r>
+            <a:endParaRPr sz="3600" dirty="0"/>
           </a:p>
         </p:txBody>
       </p:sp>
       <p:sp>
         <p:nvSpPr>
-          <p:cNvPr id="61" name="Shape 61"/>
-          <p:cNvSpPr txBox="1"/>
+          <p:cNvPr id="5" name="Shape 68">
+            <a:extLst>
+              <a:ext uri="{FF2B5EF4-FFF2-40B4-BE49-F238E27FC236}">
+                <a16:creationId xmlns:a16="http://schemas.microsoft.com/office/drawing/2014/main" id="{15781702-873F-D174-64A8-AC8E07F9DF2D}"/>
+              </a:ext>
+            </a:extLst>
+          </p:cNvPr>
+          <p:cNvSpPr txBox="1">
+            <a:spLocks noGrp="1"/>
+          </p:cNvSpPr>
           <p:nvPr>
-            <p:ph idx="1" type="body"/>
+            <p:ph type="body" idx="1"/>
           </p:nvPr>
         </p:nvSpPr>
         <p:spPr>
@@ -4771,203 +6540,250 @@
           </a:prstGeom>
         </p:spPr>
         <p:txBody>
-          <a:bodyPr anchorCtr="0" anchor="t" bIns="91425" lIns="91425" rIns="91425" wrap="square" tIns="91425">
+          <a:bodyPr wrap="square" lIns="91425" tIns="91425" rIns="91425" bIns="91425" anchor="t" anchorCtr="0">
             <a:noAutofit/>
           </a:bodyPr>
           <a:lstStyle/>
           <a:p>
-            <a:pPr indent="-419100" lvl="0" marL="457200" rtl="0">
-              <a:spcBef>
-                <a:spcPts val="0"/>
-              </a:spcBef>
-              <a:spcAft>
-                <a:spcPts val="0"/>
-              </a:spcAft>
-              <a:buSzPts val="3000"/>
+            <a:pPr marL="457200" lvl="0" indent="-342900" rtl="0">
+              <a:spcBef>
+                <a:spcPts val="0"/>
+              </a:spcBef>
+              <a:spcAft>
+                <a:spcPts val="0"/>
+              </a:spcAft>
+              <a:buSzPts val="1800"/>
               <a:buChar char="●"/>
             </a:pPr>
             <a:r>
-              <a:rPr lang="en" sz="3000"/>
-              <a:t>Contexte:</a:t>
+              <a:rPr lang="fr-FR" dirty="0"/>
+              <a:t>Points critiques</a:t>
             </a:r>
-            <a:endParaRPr sz="3000"/>
-          </a:p>
-          <a:p>
-            <a:pPr indent="-342900" lvl="1" marL="914400" rtl="0">
-              <a:spcBef>
-                <a:spcPts val="0"/>
-              </a:spcBef>
-              <a:spcAft>
-                <a:spcPts val="0"/>
-              </a:spcAft>
-              <a:buSzPts val="1800"/>
+          </a:p>
+          <a:p>
+            <a:pPr marL="914400" lvl="1" indent="-317500" rtl="0">
+              <a:spcBef>
+                <a:spcPts val="0"/>
+              </a:spcBef>
+              <a:spcAft>
+                <a:spcPts val="0"/>
+              </a:spcAft>
+              <a:buSzPts val="1400"/>
               <a:buChar char="○"/>
             </a:pPr>
             <a:r>
-              <a:rPr lang="en" sz="1800"/>
-              <a:t>Domaine du</a:t>
+              <a:rPr lang="fr-FR" dirty="0"/>
+              <a:t>Quantité de données : </a:t>
+            </a:r>
+          </a:p>
+          <a:p>
+            <a:pPr lvl="2">
+              <a:spcBef>
+                <a:spcPts val="0"/>
+              </a:spcBef>
+            </a:pPr>
+            <a:r>
+              <a:rPr lang="fr-FR" dirty="0"/>
+              <a:t>416 sujets</a:t>
+            </a:r>
+          </a:p>
+          <a:p>
+            <a:pPr lvl="2">
+              <a:spcBef>
+                <a:spcPts val="0"/>
+              </a:spcBef>
+            </a:pPr>
+            <a:r>
+              <a:rPr lang="fr-FR" dirty="0"/>
+              <a:t>~ 120 Mo / sujet</a:t>
+            </a:r>
+          </a:p>
+          <a:p>
+            <a:pPr lvl="2">
+              <a:spcBef>
+                <a:spcPts val="0"/>
+              </a:spcBef>
+            </a:pPr>
+            <a:r>
+              <a:rPr lang="fr-FR" dirty="0"/>
+              <a:t>~ 50 Go de données pour ce </a:t>
             </a:r>
             <a:r>
-              <a:rPr lang="en" sz="1800"/>
-              <a:t> projet </a:t>
+              <a:rPr lang="fr-FR" dirty="0" err="1"/>
+              <a:t>Dataset</a:t>
             </a:r>
-            <a:endParaRPr sz="1800"/>
-          </a:p>
-          <a:p>
-            <a:pPr indent="-342900" lvl="1" marL="914400" rtl="0">
-              <a:spcBef>
-                <a:spcPts val="0"/>
-              </a:spcBef>
-              <a:spcAft>
-                <a:spcPts val="0"/>
-              </a:spcAft>
+            <a:endParaRPr lang="fr-FR" dirty="0"/>
+          </a:p>
+          <a:p>
+            <a:pPr marL="1054100" lvl="2" indent="0">
+              <a:spcBef>
+                <a:spcPts val="0"/>
+              </a:spcBef>
+              <a:buNone/>
+            </a:pPr>
+            <a:endParaRPr lang="fr-FR" dirty="0"/>
+          </a:p>
+          <a:p>
+            <a:pPr marL="857250" lvl="1" indent="-285750">
+              <a:spcBef>
+                <a:spcPts val="0"/>
+              </a:spcBef>
               <a:buSzPts val="1800"/>
-              <a:buChar char="○"/>
             </a:pPr>
             <a:r>
-              <a:rPr lang="en" sz="1800"/>
-              <a:t>ex: imagerie médical, robotique, etc.</a:t>
+              <a:rPr lang="fr-FR" dirty="0"/>
+              <a:t>Type de données :</a:t>
             </a:r>
-            <a:endParaRPr sz="1800"/>
-          </a:p>
-          <a:p>
-            <a:pPr indent="-419100" lvl="0" marL="457200" rtl="0">
-              <a:spcBef>
-                <a:spcPts val="0"/>
-              </a:spcBef>
-              <a:spcAft>
-                <a:spcPts val="0"/>
-              </a:spcAft>
-              <a:buSzPts val="3000"/>
+          </a:p>
+          <a:p>
+            <a:pPr marL="1314450" lvl="2" indent="-285750">
+              <a:spcBef>
+                <a:spcPts val="0"/>
+              </a:spcBef>
+              <a:buSzPts val="1800"/>
+            </a:pPr>
+            <a:r>
+              <a:rPr lang="fr-FR" dirty="0"/>
+              <a:t>Données en 3 dimensions</a:t>
+            </a:r>
+          </a:p>
+          <a:p>
+            <a:pPr marL="1028700" lvl="2" indent="0">
+              <a:spcBef>
+                <a:spcPts val="0"/>
+              </a:spcBef>
+              <a:buSzPts val="1800"/>
+              <a:buNone/>
+            </a:pPr>
+            <a:endParaRPr lang="fr-FR" dirty="0"/>
+          </a:p>
+          <a:p>
+            <a:pPr marL="857250" lvl="1" indent="-285750">
+              <a:spcBef>
+                <a:spcPts val="0"/>
+              </a:spcBef>
+              <a:buSzPts val="1800"/>
+            </a:pPr>
+            <a:r>
+              <a:rPr lang="fr-FR" dirty="0"/>
+              <a:t>Temps de calcul</a:t>
+            </a:r>
+          </a:p>
+          <a:p>
+            <a:pPr marL="1314450" lvl="2" indent="-285750">
+              <a:spcBef>
+                <a:spcPts val="0"/>
+              </a:spcBef>
+              <a:buSzPts val="1800"/>
+            </a:pPr>
+            <a:r>
+              <a:rPr lang="fr-FR" dirty="0"/>
+              <a:t>Utilisation de </a:t>
+            </a:r>
+            <a:r>
+              <a:rPr lang="fr-FR" dirty="0" err="1"/>
+              <a:t>Colab</a:t>
+            </a:r>
+            <a:r>
+              <a:rPr lang="fr-FR" dirty="0"/>
+              <a:t> </a:t>
+            </a:r>
+          </a:p>
+          <a:p>
+            <a:pPr lvl="1" indent="-342900">
+              <a:spcBef>
+                <a:spcPts val="0"/>
+              </a:spcBef>
+              <a:buSzPts val="1800"/>
               <a:buChar char="●"/>
             </a:pPr>
-            <a:r>
-              <a:rPr lang="en" sz="3000"/>
-              <a:t>Motivation:</a:t>
-            </a:r>
-            <a:endParaRPr sz="3000"/>
-          </a:p>
-          <a:p>
-            <a:pPr indent="-342900" lvl="1" marL="914400" rtl="0">
-              <a:spcBef>
-                <a:spcPts val="0"/>
-              </a:spcBef>
-              <a:spcAft>
-                <a:spcPts val="0"/>
-              </a:spcAft>
-              <a:buSzPts val="1800"/>
-              <a:buChar char="○"/>
-            </a:pPr>
-            <a:r>
-              <a:rPr lang="en" sz="1800"/>
-              <a:t>Problématique</a:t>
-            </a:r>
-            <a:r>
-              <a:rPr lang="en" sz="1800"/>
-              <a:t> qu’on veut </a:t>
-            </a:r>
-            <a:r>
-              <a:rPr lang="en" sz="1800"/>
-              <a:t>résoudre</a:t>
-            </a:r>
-            <a:endParaRPr sz="1800"/>
-          </a:p>
-          <a:p>
-            <a:pPr indent="-342900" lvl="1" marL="914400" rtl="0">
-              <a:spcBef>
-                <a:spcPts val="0"/>
-              </a:spcBef>
-              <a:spcAft>
-                <a:spcPts val="0"/>
-              </a:spcAft>
-              <a:buSzPts val="1800"/>
-              <a:buChar char="○"/>
-            </a:pPr>
-            <a:r>
-              <a:rPr lang="en" sz="1800"/>
-              <a:t>Pourquoi c’est intéressant, utile, etc.</a:t>
-            </a:r>
-            <a:endParaRPr sz="1800"/>
-          </a:p>
-          <a:p>
-            <a:pPr indent="0" lvl="0" marL="457200" rtl="0">
-              <a:spcBef>
-                <a:spcPts val="1600"/>
-              </a:spcBef>
-              <a:spcAft>
-                <a:spcPts val="0"/>
-              </a:spcAft>
-              <a:buNone/>
-            </a:pPr>
-            <a:r>
-              <a:t/>
-            </a:r>
-            <a:endParaRPr/>
-          </a:p>
-          <a:p>
-            <a:pPr indent="0" lvl="0" marL="0" rtl="0">
-              <a:spcBef>
-                <a:spcPts val="1600"/>
-              </a:spcBef>
-              <a:spcAft>
-                <a:spcPts val="1600"/>
-              </a:spcAft>
-              <a:buNone/>
-            </a:pPr>
-            <a:r>
-              <a:t/>
-            </a:r>
-            <a:endParaRPr/>
+            <a:endParaRPr lang="fr-FR" dirty="0"/>
           </a:p>
         </p:txBody>
       </p:sp>
-      <p:sp>
-        <p:nvSpPr>
-          <p:cNvPr id="62" name="Shape 62"/>
-          <p:cNvSpPr txBox="1"/>
+      <p:pic>
+        <p:nvPicPr>
+          <p:cNvPr id="7" name="Image 6">
+            <a:extLst>
+              <a:ext uri="{FF2B5EF4-FFF2-40B4-BE49-F238E27FC236}">
+                <a16:creationId xmlns:a16="http://schemas.microsoft.com/office/drawing/2014/main" id="{904A884E-0A72-F9E5-EDF1-012FB1666966}"/>
+              </a:ext>
+            </a:extLst>
+          </p:cNvPr>
+          <p:cNvPicPr>
+            <a:picLocks noChangeAspect="1"/>
+          </p:cNvPicPr>
           <p:nvPr/>
-        </p:nvSpPr>
+        </p:nvPicPr>
+        <p:blipFill>
+          <a:blip r:embed="rId2"/>
+          <a:stretch>
+            <a:fillRect/>
+          </a:stretch>
+        </p:blipFill>
         <p:spPr>
           <a:xfrm>
-            <a:off x="481550" y="4177200"/>
-            <a:ext cx="5753400" cy="401100"/>
+            <a:off x="5028602" y="1496602"/>
+            <a:ext cx="3454400" cy="520700"/>
+          </a:xfrm>
+          <a:prstGeom prst="rect">
+            <a:avLst/>
+          </a:prstGeom>
+        </p:spPr>
+      </p:pic>
+      <p:pic>
+        <p:nvPicPr>
+          <p:cNvPr id="2052" name="Picture 4" descr="Cheat-sheet for Google Colab. In this tutorial, you will learn how to… | by  Tanu N Prabhu | Towards Data Science">
+            <a:extLst>
+              <a:ext uri="{FF2B5EF4-FFF2-40B4-BE49-F238E27FC236}">
+                <a16:creationId xmlns:a16="http://schemas.microsoft.com/office/drawing/2014/main" id="{D88C220B-C237-9A3D-6E44-3DA45CE0D05A}"/>
+              </a:ext>
+            </a:extLst>
+          </p:cNvPr>
+          <p:cNvPicPr>
+            <a:picLocks noChangeAspect="1" noChangeArrowheads="1"/>
+          </p:cNvPicPr>
+          <p:nvPr/>
+        </p:nvPicPr>
+        <p:blipFill>
+          <a:blip r:embed="rId3">
+            <a:extLst>
+              <a:ext uri="{28A0092B-C50C-407E-A947-70E740481C1C}">
+                <a14:useLocalDpi xmlns:a14="http://schemas.microsoft.com/office/drawing/2010/main" val="0"/>
+              </a:ext>
+            </a:extLst>
+          </a:blip>
+          <a:srcRect/>
+          <a:stretch>
+            <a:fillRect/>
+          </a:stretch>
+        </p:blipFill>
+        <p:spPr bwMode="auto">
+          <a:xfrm>
+            <a:off x="5028602" y="2882128"/>
+            <a:ext cx="3362362" cy="1486795"/>
           </a:xfrm>
           <a:prstGeom prst="rect">
             <a:avLst/>
           </a:prstGeom>
           <a:noFill/>
-          <a:ln>
-            <a:noFill/>
-          </a:ln>
+          <a:extLst>
+            <a:ext uri="{909E8E84-426E-40DD-AFC4-6F175D3DCCD1}">
+              <a14:hiddenFill xmlns:a14="http://schemas.microsoft.com/office/drawing/2010/main">
+                <a:solidFill>
+                  <a:srgbClr val="FFFFFF"/>
+                </a:solidFill>
+              </a14:hiddenFill>
+            </a:ext>
+          </a:extLst>
         </p:spPr>
-        <p:txBody>
-          <a:bodyPr anchorCtr="0" anchor="t" bIns="91425" lIns="91425" rIns="91425" wrap="square" tIns="91425">
-            <a:noAutofit/>
-          </a:bodyPr>
-          <a:lstStyle/>
-          <a:p>
-            <a:pPr indent="0" lvl="0" marL="0">
-              <a:spcBef>
-                <a:spcPts val="0"/>
-              </a:spcBef>
-              <a:spcAft>
-                <a:spcPts val="0"/>
-              </a:spcAft>
-              <a:buNone/>
-            </a:pPr>
-            <a:r>
-              <a:rPr b="1" i="1" lang="en"/>
-              <a:t>Conseil:</a:t>
-            </a:r>
-            <a:r>
-              <a:rPr i="1" lang="en"/>
-              <a:t> Utiliser beaucoup d’images et pas beaucoup des lettres!</a:t>
-            </a:r>
-            <a:endParaRPr i="1"/>
-          </a:p>
-        </p:txBody>
-      </p:sp>
+      </p:pic>
     </p:spTree>
+    <p:extLst>
+      <p:ext uri="{BB962C8B-B14F-4D97-AF65-F5344CB8AC3E}">
+        <p14:creationId xmlns:p14="http://schemas.microsoft.com/office/powerpoint/2010/main" val="1754870418"/>
+      </p:ext>
+    </p:extLst>
   </p:cSld>
   <p:clrMapOvr>
     <a:masterClrMapping/>
@@ -4975,12 +6791,12 @@
 </p:sld>
 </file>
 
-<file path=ppt/slides/slide3.xml><?xml version="1.0" encoding="utf-8"?>
-<p:sld xmlns:a="http://schemas.openxmlformats.org/drawingml/2006/main" xmlns:r="http://schemas.openxmlformats.org/officeDocument/2006/relationships" xmlns:mc="http://schemas.openxmlformats.org/markup-compatibility/2006" xmlns:mv="urn:schemas-microsoft-com:mac:vml" xmlns:p="http://schemas.openxmlformats.org/presentationml/2006/main" xmlns:c="http://schemas.openxmlformats.org/drawingml/2006/chart" xmlns:dgm="http://schemas.openxmlformats.org/drawingml/2006/diagram" xmlns:o="urn:schemas-microsoft-com:office:office" xmlns:v="urn:schemas-microsoft-com:vml" xmlns:pvml="urn:schemas-microsoft-com:office:powerpoint" xmlns:com="http://schemas.openxmlformats.org/drawingml/2006/compatibility" xmlns:p14="http://schemas.microsoft.com/office/powerpoint/2010/main" xmlns:p15="http://schemas.microsoft.com/office/powerpoint/2012/main">
+<file path=ppt/slides/slide7.xml><?xml version="1.0" encoding="utf-8"?>
+<p:sld xmlns:a="http://schemas.openxmlformats.org/drawingml/2006/main" xmlns:r="http://schemas.openxmlformats.org/officeDocument/2006/relationships" xmlns:p="http://schemas.openxmlformats.org/presentationml/2006/main">
   <p:cSld>
     <p:spTree>
       <p:nvGrpSpPr>
-        <p:cNvPr id="66" name="Shape 66"/>
+        <p:cNvPr id="1" name=""/>
         <p:cNvGrpSpPr/>
         <p:nvPr/>
       </p:nvGrpSpPr>
@@ -4994,321 +6810,260 @@
       </p:grpSpPr>
       <p:sp>
         <p:nvSpPr>
-          <p:cNvPr id="67" name="Shape 67"/>
-          <p:cNvSpPr txBox="1"/>
+          <p:cNvPr id="5" name="Shape 68">
+            <a:extLst>
+              <a:ext uri="{FF2B5EF4-FFF2-40B4-BE49-F238E27FC236}">
+                <a16:creationId xmlns:a16="http://schemas.microsoft.com/office/drawing/2014/main" id="{670ECB9B-28C9-17FC-DB85-E39E6BF4E583}"/>
+              </a:ext>
+            </a:extLst>
+          </p:cNvPr>
+          <p:cNvSpPr txBox="1">
+            <a:spLocks noGrp="1"/>
+          </p:cNvSpPr>
           <p:nvPr>
-            <p:ph type="title"/>
+            <p:ph type="body" idx="1"/>
           </p:nvPr>
         </p:nvSpPr>
         <p:spPr>
           <a:xfrm>
-            <a:off x="311700" y="445025"/>
-            <a:ext cx="8520600" cy="572700"/>
+            <a:off x="311700" y="288275"/>
+            <a:ext cx="8520600" cy="4144932"/>
           </a:xfrm>
           <a:prstGeom prst="rect">
             <a:avLst/>
           </a:prstGeom>
         </p:spPr>
         <p:txBody>
-          <a:bodyPr anchorCtr="0" anchor="t" bIns="91425" lIns="91425" rIns="91425" wrap="square" tIns="91425">
+          <a:bodyPr wrap="square" lIns="91425" tIns="91425" rIns="91425" bIns="91425" anchor="t" anchorCtr="0">
             <a:noAutofit/>
           </a:bodyPr>
           <a:lstStyle/>
           <a:p>
-            <a:pPr indent="0" lvl="0" marL="0">
-              <a:spcBef>
-                <a:spcPts val="0"/>
-              </a:spcBef>
-              <a:spcAft>
-                <a:spcPts val="0"/>
-              </a:spcAft>
+            <a:r>
+              <a:rPr lang="fr-FR" dirty="0"/>
+              <a:t>Objectif : atteindre une précision de </a:t>
+            </a:r>
+            <a:r>
+              <a:rPr lang="fr-FR" b="1" dirty="0">
+                <a:solidFill>
+                  <a:srgbClr val="FF0000"/>
+                </a:solidFill>
+              </a:rPr>
+              <a:t>70%  </a:t>
+            </a:r>
+            <a:r>
+              <a:rPr lang="fr-FR" dirty="0"/>
+              <a:t>(probabilité de succès : 55%)</a:t>
+            </a:r>
+          </a:p>
+          <a:p>
+            <a:pPr marL="114300" lvl="0" indent="0" rtl="0">
+              <a:spcBef>
+                <a:spcPts val="0"/>
+              </a:spcBef>
+              <a:spcAft>
+                <a:spcPts val="0"/>
+              </a:spcAft>
+              <a:buSzPts val="1800"/>
               <a:buNone/>
             </a:pPr>
-            <a:r>
-              <a:rPr lang="en" sz="3600"/>
-              <a:t>Description du Projet</a:t>
-            </a:r>
-            <a:endParaRPr sz="3600"/>
+            <a:endParaRPr lang="fr-FR" dirty="0"/>
+          </a:p>
+          <a:p>
+            <a:pPr marL="857250" lvl="1" indent="-285750">
+              <a:spcBef>
+                <a:spcPts val="0"/>
+              </a:spcBef>
+              <a:buSzPts val="1800"/>
+            </a:pPr>
+            <a:endParaRPr lang="fr-FR" dirty="0"/>
+          </a:p>
+          <a:p>
+            <a:pPr marL="571500" lvl="1" indent="0">
+              <a:spcBef>
+                <a:spcPts val="0"/>
+              </a:spcBef>
+              <a:buSzPts val="1800"/>
+              <a:buNone/>
+            </a:pPr>
+            <a:endParaRPr lang="fr-FR" dirty="0"/>
           </a:p>
         </p:txBody>
       </p:sp>
-      <p:sp>
-        <p:nvSpPr>
-          <p:cNvPr id="68" name="Shape 68"/>
-          <p:cNvSpPr txBox="1"/>
-          <p:nvPr>
-            <p:ph idx="1" type="body"/>
-          </p:nvPr>
-        </p:nvSpPr>
+      <p:pic>
+        <p:nvPicPr>
+          <p:cNvPr id="7" name="Image 6">
+            <a:extLst>
+              <a:ext uri="{FF2B5EF4-FFF2-40B4-BE49-F238E27FC236}">
+                <a16:creationId xmlns:a16="http://schemas.microsoft.com/office/drawing/2014/main" id="{3F9AA67F-3890-A536-822F-C59C61FAD668}"/>
+              </a:ext>
+            </a:extLst>
+          </p:cNvPr>
+          <p:cNvPicPr>
+            <a:picLocks noChangeAspect="1"/>
+          </p:cNvPicPr>
+          <p:nvPr/>
+        </p:nvPicPr>
+        <p:blipFill rotWithShape="1">
+          <a:blip r:embed="rId3"/>
+          <a:srcRect l="1365" t="16739" r="39805" b="13809"/>
+          <a:stretch/>
+        </p:blipFill>
         <p:spPr>
           <a:xfrm>
-            <a:off x="311700" y="1152475"/>
-            <a:ext cx="8520600" cy="3416400"/>
+            <a:off x="4645105" y="1173131"/>
+            <a:ext cx="4133745" cy="3602976"/>
           </a:xfrm>
           <a:prstGeom prst="rect">
             <a:avLst/>
           </a:prstGeom>
         </p:spPr>
+      </p:pic>
+      <p:pic>
+        <p:nvPicPr>
+          <p:cNvPr id="9" name="Image 8">
+            <a:extLst>
+              <a:ext uri="{FF2B5EF4-FFF2-40B4-BE49-F238E27FC236}">
+                <a16:creationId xmlns:a16="http://schemas.microsoft.com/office/drawing/2014/main" id="{8251DB58-C505-97C1-950B-ACA28355F776}"/>
+              </a:ext>
+            </a:extLst>
+          </p:cNvPr>
+          <p:cNvPicPr>
+            <a:picLocks noChangeAspect="1"/>
+          </p:cNvPicPr>
+          <p:nvPr/>
+        </p:nvPicPr>
+        <p:blipFill rotWithShape="1">
+          <a:blip r:embed="rId4"/>
+          <a:srcRect l="13437" t="10318" r="34765" b="31746"/>
+          <a:stretch/>
+        </p:blipFill>
+        <p:spPr>
+          <a:xfrm>
+            <a:off x="228601" y="1173131"/>
+            <a:ext cx="4363054" cy="3602976"/>
+          </a:xfrm>
+          <a:prstGeom prst="rect">
+            <a:avLst/>
+          </a:prstGeom>
+        </p:spPr>
+      </p:pic>
+      <p:sp>
+        <p:nvSpPr>
+          <p:cNvPr id="12" name="Cadre 11">
+            <a:extLst>
+              <a:ext uri="{FF2B5EF4-FFF2-40B4-BE49-F238E27FC236}">
+                <a16:creationId xmlns:a16="http://schemas.microsoft.com/office/drawing/2014/main" id="{E15A1F7B-5C81-A0E3-0098-967BB76F7FBF}"/>
+              </a:ext>
+            </a:extLst>
+          </p:cNvPr>
+          <p:cNvSpPr/>
+          <p:nvPr/>
+        </p:nvSpPr>
+        <p:spPr>
+          <a:xfrm>
+            <a:off x="340376" y="3706586"/>
+            <a:ext cx="763596" cy="162887"/>
+          </a:xfrm>
+          <a:prstGeom prst="frame">
+            <a:avLst/>
+          </a:prstGeom>
+          <a:ln>
+            <a:solidFill>
+              <a:srgbClr val="FF0000"/>
+            </a:solidFill>
+          </a:ln>
+        </p:spPr>
+        <p:style>
+          <a:lnRef idx="2">
+            <a:schemeClr val="accent1">
+              <a:shade val="50000"/>
+            </a:schemeClr>
+          </a:lnRef>
+          <a:fillRef idx="1">
+            <a:schemeClr val="accent1"/>
+          </a:fillRef>
+          <a:effectRef idx="0">
+            <a:schemeClr val="accent1"/>
+          </a:effectRef>
+          <a:fontRef idx="minor">
+            <a:schemeClr val="lt1"/>
+          </a:fontRef>
+        </p:style>
         <p:txBody>
-          <a:bodyPr anchorCtr="0" anchor="t" bIns="91425" lIns="91425" rIns="91425" wrap="square" tIns="91425">
-            <a:noAutofit/>
-          </a:bodyPr>
+          <a:bodyPr rtlCol="0" anchor="ctr"/>
           <a:lstStyle/>
           <a:p>
-            <a:pPr indent="-342900" lvl="0" marL="457200" rtl="0">
-              <a:spcBef>
-                <a:spcPts val="0"/>
-              </a:spcBef>
-              <a:spcAft>
-                <a:spcPts val="0"/>
-              </a:spcAft>
-              <a:buSzPts val="1800"/>
-              <a:buChar char="●"/>
-            </a:pPr>
-            <a:r>
-              <a:rPr lang="en"/>
-              <a:t>Quoi: </a:t>
-            </a:r>
-            <a:endParaRPr/>
-          </a:p>
-          <a:p>
-            <a:pPr indent="-317500" lvl="1" marL="914400" rtl="0">
-              <a:spcBef>
-                <a:spcPts val="0"/>
-              </a:spcBef>
-              <a:spcAft>
-                <a:spcPts val="0"/>
-              </a:spcAft>
-              <a:buSzPts val="1400"/>
-              <a:buChar char="○"/>
-            </a:pPr>
-            <a:r>
-              <a:rPr lang="en"/>
-              <a:t>Bref description de ce qu’on veut faire</a:t>
-            </a:r>
-            <a:endParaRPr/>
-          </a:p>
-          <a:p>
-            <a:pPr indent="-342900" lvl="0" marL="457200" rtl="0">
-              <a:spcBef>
-                <a:spcPts val="0"/>
-              </a:spcBef>
-              <a:spcAft>
-                <a:spcPts val="0"/>
-              </a:spcAft>
-              <a:buSzPts val="1800"/>
-              <a:buChar char="●"/>
-            </a:pPr>
-            <a:r>
-              <a:rPr lang="en"/>
-              <a:t>Comment: </a:t>
-            </a:r>
-            <a:endParaRPr/>
-          </a:p>
-          <a:p>
-            <a:pPr indent="-317500" lvl="1" marL="914400" rtl="0">
-              <a:spcBef>
-                <a:spcPts val="0"/>
-              </a:spcBef>
-              <a:spcAft>
-                <a:spcPts val="0"/>
-              </a:spcAft>
-              <a:buSzPts val="1400"/>
-              <a:buChar char="○"/>
-            </a:pPr>
-            <a:r>
-              <a:rPr lang="en"/>
-              <a:t>plan de projet</a:t>
-            </a:r>
-            <a:endParaRPr/>
-          </a:p>
-          <a:p>
-            <a:pPr indent="-317500" lvl="2" marL="1371600" rtl="0">
-              <a:spcBef>
-                <a:spcPts val="0"/>
-              </a:spcBef>
-              <a:spcAft>
-                <a:spcPts val="0"/>
-              </a:spcAft>
-              <a:buSzPts val="1400"/>
-              <a:buChar char="■"/>
-            </a:pPr>
-            <a:r>
-              <a:rPr lang="en"/>
-              <a:t>2 semaines pour </a:t>
-            </a:r>
-            <a:r>
-              <a:rPr lang="en"/>
-              <a:t>étudier</a:t>
-            </a:r>
-            <a:r>
-              <a:rPr lang="en"/>
-              <a:t> la faisabilité</a:t>
-            </a:r>
-            <a:endParaRPr/>
-          </a:p>
-          <a:p>
-            <a:pPr indent="-317500" lvl="2" marL="1371600" rtl="0">
-              <a:spcBef>
-                <a:spcPts val="0"/>
-              </a:spcBef>
-              <a:spcAft>
-                <a:spcPts val="0"/>
-              </a:spcAft>
-              <a:buSzPts val="1400"/>
-              <a:buChar char="■"/>
-            </a:pPr>
-            <a:r>
-              <a:rPr lang="en"/>
-              <a:t>1 mois pour </a:t>
-            </a:r>
-            <a:r>
-              <a:rPr lang="en"/>
-              <a:t>étudier</a:t>
-            </a:r>
-            <a:r>
-              <a:rPr lang="en"/>
-              <a:t> la </a:t>
-            </a:r>
-            <a:r>
-              <a:rPr lang="en"/>
-              <a:t>littérature et rédiger le rapport sur la littérature</a:t>
-            </a:r>
-            <a:endParaRPr/>
-          </a:p>
-          <a:p>
-            <a:pPr indent="-317500" lvl="2" marL="1371600" rtl="0">
-              <a:spcBef>
-                <a:spcPts val="0"/>
-              </a:spcBef>
-              <a:spcAft>
-                <a:spcPts val="0"/>
-              </a:spcAft>
-              <a:buSzPts val="1400"/>
-              <a:buChar char="■"/>
-            </a:pPr>
-            <a:r>
-              <a:rPr lang="en"/>
-              <a:t>2 mois pour faire les </a:t>
-            </a:r>
-            <a:r>
-              <a:rPr lang="en"/>
-              <a:t>expériences</a:t>
-            </a:r>
-            <a:r>
-              <a:rPr lang="en"/>
-              <a:t> et </a:t>
-            </a:r>
-            <a:r>
-              <a:rPr lang="en"/>
-              <a:t>rédiger</a:t>
-            </a:r>
-            <a:r>
-              <a:rPr lang="en"/>
-              <a:t> le rapport sur les </a:t>
-            </a:r>
-            <a:r>
-              <a:rPr lang="en"/>
-              <a:t>expériences</a:t>
-            </a:r>
-            <a:endParaRPr/>
-          </a:p>
-          <a:p>
-            <a:pPr indent="-342900" lvl="0" marL="457200" rtl="0">
-              <a:spcBef>
-                <a:spcPts val="0"/>
-              </a:spcBef>
-              <a:spcAft>
-                <a:spcPts val="0"/>
-              </a:spcAft>
-              <a:buSzPts val="1800"/>
-              <a:buChar char="●"/>
-            </a:pPr>
-            <a:r>
-              <a:rPr lang="en"/>
-              <a:t>Points </a:t>
-            </a:r>
-            <a:r>
-              <a:rPr lang="en"/>
-              <a:t>critiques</a:t>
-            </a:r>
-            <a:endParaRPr/>
-          </a:p>
-          <a:p>
-            <a:pPr indent="-317500" lvl="1" marL="914400" rtl="0">
-              <a:spcBef>
-                <a:spcPts val="0"/>
-              </a:spcBef>
-              <a:spcAft>
-                <a:spcPts val="0"/>
-              </a:spcAft>
-              <a:buSzPts val="1400"/>
-              <a:buChar char="○"/>
-            </a:pPr>
-            <a:r>
-              <a:rPr lang="en"/>
-              <a:t>Je n’ai jamais </a:t>
-            </a:r>
-            <a:r>
-              <a:rPr lang="en"/>
-              <a:t>programmé</a:t>
-            </a:r>
-            <a:endParaRPr/>
-          </a:p>
-          <a:p>
-            <a:pPr indent="-317500" lvl="1" marL="914400" rtl="0">
-              <a:spcBef>
-                <a:spcPts val="0"/>
-              </a:spcBef>
-              <a:spcAft>
-                <a:spcPts val="0"/>
-              </a:spcAft>
-              <a:buSzPts val="1400"/>
-              <a:buChar char="○"/>
-            </a:pPr>
-            <a:r>
-              <a:rPr lang="en"/>
-              <a:t>Je n’ai pas beaucoup du temps</a:t>
-            </a:r>
-            <a:endParaRPr/>
-          </a:p>
-          <a:p>
-            <a:pPr indent="-317500" lvl="1" marL="914400" rtl="0">
-              <a:spcBef>
-                <a:spcPts val="0"/>
-              </a:spcBef>
-              <a:spcAft>
-                <a:spcPts val="0"/>
-              </a:spcAft>
-              <a:buSzPts val="1400"/>
-              <a:buChar char="○"/>
-            </a:pPr>
-            <a:r>
-              <a:rPr lang="en"/>
-              <a:t>Etc.</a:t>
-            </a:r>
-            <a:endParaRPr/>
-          </a:p>
-          <a:p>
-            <a:pPr indent="-342900" lvl="0" marL="457200" rtl="0">
-              <a:spcBef>
-                <a:spcPts val="0"/>
-              </a:spcBef>
-              <a:spcAft>
-                <a:spcPts val="0"/>
-              </a:spcAft>
-              <a:buSzPts val="1800"/>
-              <a:buChar char="●"/>
-            </a:pPr>
-            <a:r>
-              <a:rPr lang="en"/>
-              <a:t>Probabilité de succes: 75%</a:t>
-            </a:r>
-            <a:endParaRPr/>
+            <a:pPr algn="ctr"/>
+            <a:endParaRPr lang="fr-FR">
+              <a:solidFill>
+                <a:srgbClr val="FF0000"/>
+              </a:solidFill>
+            </a:endParaRPr>
+          </a:p>
+        </p:txBody>
+      </p:sp>
+      <p:sp>
+        <p:nvSpPr>
+          <p:cNvPr id="13" name="Cadre 12">
+            <a:extLst>
+              <a:ext uri="{FF2B5EF4-FFF2-40B4-BE49-F238E27FC236}">
+                <a16:creationId xmlns:a16="http://schemas.microsoft.com/office/drawing/2014/main" id="{C5F0C69A-31BA-4A6C-6906-31C14A728DA2}"/>
+              </a:ext>
+            </a:extLst>
+          </p:cNvPr>
+          <p:cNvSpPr/>
+          <p:nvPr/>
+        </p:nvSpPr>
+        <p:spPr>
+          <a:xfrm>
+            <a:off x="7138903" y="4423847"/>
+            <a:ext cx="763596" cy="162887"/>
+          </a:xfrm>
+          <a:prstGeom prst="frame">
+            <a:avLst/>
+          </a:prstGeom>
+          <a:ln>
+            <a:solidFill>
+              <a:srgbClr val="FF0000"/>
+            </a:solidFill>
+          </a:ln>
+        </p:spPr>
+        <p:style>
+          <a:lnRef idx="2">
+            <a:schemeClr val="accent1">
+              <a:shade val="50000"/>
+            </a:schemeClr>
+          </a:lnRef>
+          <a:fillRef idx="1">
+            <a:schemeClr val="accent1"/>
+          </a:fillRef>
+          <a:effectRef idx="0">
+            <a:schemeClr val="accent1"/>
+          </a:effectRef>
+          <a:fontRef idx="minor">
+            <a:schemeClr val="lt1"/>
+          </a:fontRef>
+        </p:style>
+        <p:txBody>
+          <a:bodyPr rtlCol="0" anchor="ctr"/>
+          <a:lstStyle/>
+          <a:p>
+            <a:pPr algn="ctr"/>
+            <a:endParaRPr lang="fr-FR">
+              <a:solidFill>
+                <a:srgbClr val="FF0000"/>
+              </a:solidFill>
+            </a:endParaRPr>
           </a:p>
         </p:txBody>
       </p:sp>
     </p:spTree>
+    <p:extLst>
+      <p:ext uri="{BB962C8B-B14F-4D97-AF65-F5344CB8AC3E}">
+        <p14:creationId xmlns:p14="http://schemas.microsoft.com/office/powerpoint/2010/main" val="3327308791"/>
+      </p:ext>
+    </p:extLst>
   </p:cSld>
   <p:clrMapOvr>
     <a:masterClrMapping/>
@@ -5317,7 +7072,7 @@
 </file>
 
 <file path=ppt/theme/theme1.xml><?xml version="1.0" encoding="utf-8"?>
-<a:theme xmlns:a="http://schemas.openxmlformats.org/drawingml/2006/main" xmlns:r="http://schemas.openxmlformats.org/officeDocument/2006/relationships" name="Simple Light">
+<a:theme xmlns:a="http://schemas.openxmlformats.org/drawingml/2006/main" name="Simple Light">
   <a:themeElements>
     <a:clrScheme name="Simple Light">
       <a:dk1>
@@ -5592,11 +7347,13 @@
       </a:bgFillStyleLst>
     </a:fmtScheme>
   </a:themeElements>
+  <a:objectDefaults/>
+  <a:extraClrSchemeLst/>
 </a:theme>
 </file>
 
 <file path=ppt/theme/theme2.xml><?xml version="1.0" encoding="utf-8"?>
-<a:theme xmlns:a="http://schemas.openxmlformats.org/drawingml/2006/main" xmlns:r="http://schemas.openxmlformats.org/officeDocument/2006/relationships" name="Custom Theme">
+<a:theme xmlns:a="http://schemas.openxmlformats.org/drawingml/2006/main" name="Custom Theme">
   <a:themeElements>
     <a:clrScheme name="Default">
       <a:dk1>
@@ -5871,5 +7628,7 @@
       </a:bgFillStyleLst>
     </a:fmtScheme>
   </a:themeElements>
+  <a:objectDefaults/>
+  <a:extraClrSchemeLst/>
 </a:theme>
 </file>
--- a/Gabarit_Proposition_du_Projet.pptx
+++ b/Gabarit_Proposition_du_Projet.pptx
@@ -220,7 +220,2834 @@
       </a:defRPr>
     </a:lvl9pPr>
   </p:defaultTextStyle>
+  <p:extLst>
+    <p:ext uri="{EFAFB233-063F-42B5-8137-9DF3F51BA10A}">
+      <p15:sldGuideLst xmlns:p15="http://schemas.microsoft.com/office/powerpoint/2012/main"/>
+    </p:ext>
+  </p:extLst>
 </p:presentation>
+</file>
+
+<file path=ppt/diagrams/colors1.xml><?xml version="1.0" encoding="utf-8"?>
+<dgm:colorsDef xmlns:dgm="http://schemas.openxmlformats.org/drawingml/2006/diagram" xmlns:a="http://schemas.openxmlformats.org/drawingml/2006/main" uniqueId="urn:microsoft.com/office/officeart/2005/8/colors/accent1_2">
+  <dgm:title val=""/>
+  <dgm:desc val=""/>
+  <dgm:catLst>
+    <dgm:cat type="accent1" pri="11200"/>
+  </dgm:catLst>
+  <dgm:styleLbl name="node0">
+    <dgm:fillClrLst meth="repeat">
+      <a:schemeClr val="accent1"/>
+    </dgm:fillClrLst>
+    <dgm:linClrLst meth="repeat">
+      <a:schemeClr val="lt1"/>
+    </dgm:linClrLst>
+    <dgm:effectClrLst/>
+    <dgm:txLinClrLst/>
+    <dgm:txFillClrLst/>
+    <dgm:txEffectClrLst/>
+  </dgm:styleLbl>
+  <dgm:styleLbl name="alignNode1">
+    <dgm:fillClrLst meth="repeat">
+      <a:schemeClr val="accent1"/>
+    </dgm:fillClrLst>
+    <dgm:linClrLst meth="repeat">
+      <a:schemeClr val="accent1"/>
+    </dgm:linClrLst>
+    <dgm:effectClrLst/>
+    <dgm:txLinClrLst/>
+    <dgm:txFillClrLst/>
+    <dgm:txEffectClrLst/>
+  </dgm:styleLbl>
+  <dgm:styleLbl name="node1">
+    <dgm:fillClrLst meth="repeat">
+      <a:schemeClr val="accent1"/>
+    </dgm:fillClrLst>
+    <dgm:linClrLst meth="repeat">
+      <a:schemeClr val="lt1"/>
+    </dgm:linClrLst>
+    <dgm:effectClrLst/>
+    <dgm:txLinClrLst/>
+    <dgm:txFillClrLst/>
+    <dgm:txEffectClrLst/>
+  </dgm:styleLbl>
+  <dgm:styleLbl name="lnNode1">
+    <dgm:fillClrLst meth="repeat">
+      <a:schemeClr val="accent1"/>
+    </dgm:fillClrLst>
+    <dgm:linClrLst meth="repeat">
+      <a:schemeClr val="lt1"/>
+    </dgm:linClrLst>
+    <dgm:effectClrLst/>
+    <dgm:txLinClrLst/>
+    <dgm:txFillClrLst/>
+    <dgm:txEffectClrLst/>
+  </dgm:styleLbl>
+  <dgm:styleLbl name="vennNode1">
+    <dgm:fillClrLst meth="repeat">
+      <a:schemeClr val="accent1">
+        <a:alpha val="50000"/>
+      </a:schemeClr>
+    </dgm:fillClrLst>
+    <dgm:linClrLst meth="repeat">
+      <a:schemeClr val="lt1"/>
+    </dgm:linClrLst>
+    <dgm:effectClrLst/>
+    <dgm:txLinClrLst/>
+    <dgm:txFillClrLst/>
+    <dgm:txEffectClrLst/>
+  </dgm:styleLbl>
+  <dgm:styleLbl name="node2">
+    <dgm:fillClrLst meth="repeat">
+      <a:schemeClr val="accent1"/>
+    </dgm:fillClrLst>
+    <dgm:linClrLst meth="repeat">
+      <a:schemeClr val="lt1"/>
+    </dgm:linClrLst>
+    <dgm:effectClrLst/>
+    <dgm:txLinClrLst/>
+    <dgm:txFillClrLst/>
+    <dgm:txEffectClrLst/>
+  </dgm:styleLbl>
+  <dgm:styleLbl name="node3">
+    <dgm:fillClrLst meth="repeat">
+      <a:schemeClr val="accent1"/>
+    </dgm:fillClrLst>
+    <dgm:linClrLst meth="repeat">
+      <a:schemeClr val="lt1"/>
+    </dgm:linClrLst>
+    <dgm:effectClrLst/>
+    <dgm:txLinClrLst/>
+    <dgm:txFillClrLst/>
+    <dgm:txEffectClrLst/>
+  </dgm:styleLbl>
+  <dgm:styleLbl name="node4">
+    <dgm:fillClrLst meth="repeat">
+      <a:schemeClr val="accent1"/>
+    </dgm:fillClrLst>
+    <dgm:linClrLst meth="repeat">
+      <a:schemeClr val="lt1"/>
+    </dgm:linClrLst>
+    <dgm:effectClrLst/>
+    <dgm:txLinClrLst/>
+    <dgm:txFillClrLst/>
+    <dgm:txEffectClrLst/>
+  </dgm:styleLbl>
+  <dgm:styleLbl name="fgImgPlace1">
+    <dgm:fillClrLst meth="repeat">
+      <a:schemeClr val="accent1">
+        <a:tint val="50000"/>
+      </a:schemeClr>
+    </dgm:fillClrLst>
+    <dgm:linClrLst meth="repeat">
+      <a:schemeClr val="lt1"/>
+    </dgm:linClrLst>
+    <dgm:effectClrLst/>
+    <dgm:txLinClrLst/>
+    <dgm:txFillClrLst meth="repeat">
+      <a:schemeClr val="lt1"/>
+    </dgm:txFillClrLst>
+    <dgm:txEffectClrLst/>
+  </dgm:styleLbl>
+  <dgm:styleLbl name="alignImgPlace1">
+    <dgm:fillClrLst meth="repeat">
+      <a:schemeClr val="accent1">
+        <a:tint val="50000"/>
+      </a:schemeClr>
+    </dgm:fillClrLst>
+    <dgm:linClrLst meth="repeat">
+      <a:schemeClr val="lt1"/>
+    </dgm:linClrLst>
+    <dgm:effectClrLst/>
+    <dgm:txLinClrLst/>
+    <dgm:txFillClrLst meth="repeat">
+      <a:schemeClr val="lt1"/>
+    </dgm:txFillClrLst>
+    <dgm:txEffectClrLst/>
+  </dgm:styleLbl>
+  <dgm:styleLbl name="bgImgPlace1">
+    <dgm:fillClrLst meth="repeat">
+      <a:schemeClr val="accent1">
+        <a:tint val="50000"/>
+      </a:schemeClr>
+    </dgm:fillClrLst>
+    <dgm:linClrLst meth="repeat">
+      <a:schemeClr val="lt1"/>
+    </dgm:linClrLst>
+    <dgm:effectClrLst/>
+    <dgm:txLinClrLst/>
+    <dgm:txFillClrLst meth="repeat">
+      <a:schemeClr val="lt1"/>
+    </dgm:txFillClrLst>
+    <dgm:txEffectClrLst/>
+  </dgm:styleLbl>
+  <dgm:styleLbl name="sibTrans2D1">
+    <dgm:fillClrLst meth="repeat">
+      <a:schemeClr val="accent1">
+        <a:tint val="60000"/>
+      </a:schemeClr>
+    </dgm:fillClrLst>
+    <dgm:linClrLst meth="repeat">
+      <a:schemeClr val="accent1">
+        <a:tint val="60000"/>
+      </a:schemeClr>
+    </dgm:linClrLst>
+    <dgm:effectClrLst/>
+    <dgm:txLinClrLst/>
+    <dgm:txFillClrLst/>
+    <dgm:txEffectClrLst/>
+  </dgm:styleLbl>
+  <dgm:styleLbl name="fgSibTrans2D1">
+    <dgm:fillClrLst meth="repeat">
+      <a:schemeClr val="accent1">
+        <a:tint val="60000"/>
+      </a:schemeClr>
+    </dgm:fillClrLst>
+    <dgm:linClrLst meth="repeat">
+      <a:schemeClr val="accent1">
+        <a:tint val="60000"/>
+      </a:schemeClr>
+    </dgm:linClrLst>
+    <dgm:effectClrLst/>
+    <dgm:txLinClrLst/>
+    <dgm:txFillClrLst/>
+    <dgm:txEffectClrLst/>
+  </dgm:styleLbl>
+  <dgm:styleLbl name="bgSibTrans2D1">
+    <dgm:fillClrLst meth="repeat">
+      <a:schemeClr val="accent1">
+        <a:tint val="60000"/>
+      </a:schemeClr>
+    </dgm:fillClrLst>
+    <dgm:linClrLst meth="repeat">
+      <a:schemeClr val="accent1">
+        <a:tint val="60000"/>
+      </a:schemeClr>
+    </dgm:linClrLst>
+    <dgm:effectClrLst/>
+    <dgm:txLinClrLst/>
+    <dgm:txFillClrLst/>
+    <dgm:txEffectClrLst/>
+  </dgm:styleLbl>
+  <dgm:styleLbl name="sibTrans1D1">
+    <dgm:fillClrLst meth="repeat">
+      <a:schemeClr val="accent1"/>
+    </dgm:fillClrLst>
+    <dgm:linClrLst meth="repeat">
+      <a:schemeClr val="accent1"/>
+    </dgm:linClrLst>
+    <dgm:effectClrLst/>
+    <dgm:txLinClrLst/>
+    <dgm:txFillClrLst meth="repeat">
+      <a:schemeClr val="tx1"/>
+    </dgm:txFillClrLst>
+    <dgm:txEffectClrLst/>
+  </dgm:styleLbl>
+  <dgm:styleLbl name="callout">
+    <dgm:fillClrLst meth="repeat">
+      <a:schemeClr val="accent1"/>
+    </dgm:fillClrLst>
+    <dgm:linClrLst meth="repeat">
+      <a:schemeClr val="accent1">
+        <a:tint val="50000"/>
+      </a:schemeClr>
+    </dgm:linClrLst>
+    <dgm:effectClrLst/>
+    <dgm:txLinClrLst/>
+    <dgm:txFillClrLst meth="repeat">
+      <a:schemeClr val="tx1"/>
+    </dgm:txFillClrLst>
+    <dgm:txEffectClrLst/>
+  </dgm:styleLbl>
+  <dgm:styleLbl name="asst0">
+    <dgm:fillClrLst meth="repeat">
+      <a:schemeClr val="accent1"/>
+    </dgm:fillClrLst>
+    <dgm:linClrLst meth="repeat">
+      <a:schemeClr val="lt1"/>
+    </dgm:linClrLst>
+    <dgm:effectClrLst/>
+    <dgm:txLinClrLst/>
+    <dgm:txFillClrLst/>
+    <dgm:txEffectClrLst/>
+  </dgm:styleLbl>
+  <dgm:styleLbl name="asst1">
+    <dgm:fillClrLst meth="repeat">
+      <a:schemeClr val="accent1"/>
+    </dgm:fillClrLst>
+    <dgm:linClrLst meth="repeat">
+      <a:schemeClr val="lt1"/>
+    </dgm:linClrLst>
+    <dgm:effectClrLst/>
+    <dgm:txLinClrLst/>
+    <dgm:txFillClrLst/>
+    <dgm:txEffectClrLst/>
+  </dgm:styleLbl>
+  <dgm:styleLbl name="asst2">
+    <dgm:fillClrLst meth="repeat">
+      <a:schemeClr val="accent1"/>
+    </dgm:fillClrLst>
+    <dgm:linClrLst meth="repeat">
+      <a:schemeClr val="lt1"/>
+    </dgm:linClrLst>
+    <dgm:effectClrLst/>
+    <dgm:txLinClrLst/>
+    <dgm:txFillClrLst/>
+    <dgm:txEffectClrLst/>
+  </dgm:styleLbl>
+  <dgm:styleLbl name="asst3">
+    <dgm:fillClrLst meth="repeat">
+      <a:schemeClr val="accent1"/>
+    </dgm:fillClrLst>
+    <dgm:linClrLst meth="repeat">
+      <a:schemeClr val="lt1"/>
+    </dgm:linClrLst>
+    <dgm:effectClrLst/>
+    <dgm:txLinClrLst/>
+    <dgm:txFillClrLst/>
+    <dgm:txEffectClrLst/>
+  </dgm:styleLbl>
+  <dgm:styleLbl name="asst4">
+    <dgm:fillClrLst meth="repeat">
+      <a:schemeClr val="accent1"/>
+    </dgm:fillClrLst>
+    <dgm:linClrLst meth="repeat">
+      <a:schemeClr val="lt1"/>
+    </dgm:linClrLst>
+    <dgm:effectClrLst/>
+    <dgm:txLinClrLst/>
+    <dgm:txFillClrLst/>
+    <dgm:txEffectClrLst/>
+  </dgm:styleLbl>
+  <dgm:styleLbl name="parChTrans2D1">
+    <dgm:fillClrLst meth="repeat">
+      <a:schemeClr val="accent1">
+        <a:tint val="60000"/>
+      </a:schemeClr>
+    </dgm:fillClrLst>
+    <dgm:linClrLst meth="repeat">
+      <a:schemeClr val="accent1">
+        <a:tint val="60000"/>
+      </a:schemeClr>
+    </dgm:linClrLst>
+    <dgm:effectClrLst/>
+    <dgm:txLinClrLst/>
+    <dgm:txFillClrLst meth="repeat">
+      <a:schemeClr val="lt1"/>
+    </dgm:txFillClrLst>
+    <dgm:txEffectClrLst/>
+  </dgm:styleLbl>
+  <dgm:styleLbl name="parChTrans2D2">
+    <dgm:fillClrLst meth="repeat">
+      <a:schemeClr val="accent1"/>
+    </dgm:fillClrLst>
+    <dgm:linClrLst meth="repeat">
+      <a:schemeClr val="accent1"/>
+    </dgm:linClrLst>
+    <dgm:effectClrLst/>
+    <dgm:txLinClrLst/>
+    <dgm:txFillClrLst meth="repeat">
+      <a:schemeClr val="lt1"/>
+    </dgm:txFillClrLst>
+    <dgm:txEffectClrLst/>
+  </dgm:styleLbl>
+  <dgm:styleLbl name="parChTrans2D3">
+    <dgm:fillClrLst meth="repeat">
+      <a:schemeClr val="accent1"/>
+    </dgm:fillClrLst>
+    <dgm:linClrLst meth="repeat">
+      <a:schemeClr val="accent1"/>
+    </dgm:linClrLst>
+    <dgm:effectClrLst/>
+    <dgm:txLinClrLst/>
+    <dgm:txFillClrLst meth="repeat">
+      <a:schemeClr val="lt1"/>
+    </dgm:txFillClrLst>
+    <dgm:txEffectClrLst/>
+  </dgm:styleLbl>
+  <dgm:styleLbl name="parChTrans2D4">
+    <dgm:fillClrLst meth="repeat">
+      <a:schemeClr val="accent1"/>
+    </dgm:fillClrLst>
+    <dgm:linClrLst meth="repeat">
+      <a:schemeClr val="accent1"/>
+    </dgm:linClrLst>
+    <dgm:effectClrLst/>
+    <dgm:txLinClrLst/>
+    <dgm:txFillClrLst meth="repeat">
+      <a:schemeClr val="lt1"/>
+    </dgm:txFillClrLst>
+    <dgm:txEffectClrLst/>
+  </dgm:styleLbl>
+  <dgm:styleLbl name="parChTrans1D1">
+    <dgm:fillClrLst meth="repeat">
+      <a:schemeClr val="accent1"/>
+    </dgm:fillClrLst>
+    <dgm:linClrLst meth="repeat">
+      <a:schemeClr val="accent1">
+        <a:shade val="60000"/>
+      </a:schemeClr>
+    </dgm:linClrLst>
+    <dgm:effectClrLst/>
+    <dgm:txLinClrLst/>
+    <dgm:txFillClrLst meth="repeat">
+      <a:schemeClr val="tx1"/>
+    </dgm:txFillClrLst>
+    <dgm:txEffectClrLst/>
+  </dgm:styleLbl>
+  <dgm:styleLbl name="parChTrans1D2">
+    <dgm:fillClrLst meth="repeat">
+      <a:schemeClr val="accent1"/>
+    </dgm:fillClrLst>
+    <dgm:linClrLst meth="repeat">
+      <a:schemeClr val="accent1">
+        <a:shade val="60000"/>
+      </a:schemeClr>
+    </dgm:linClrLst>
+    <dgm:effectClrLst/>
+    <dgm:txLinClrLst/>
+    <dgm:txFillClrLst meth="repeat">
+      <a:schemeClr val="tx1"/>
+    </dgm:txFillClrLst>
+    <dgm:txEffectClrLst/>
+  </dgm:styleLbl>
+  <dgm:styleLbl name="parChTrans1D3">
+    <dgm:fillClrLst meth="repeat">
+      <a:schemeClr val="accent1"/>
+    </dgm:fillClrLst>
+    <dgm:linClrLst meth="repeat">
+      <a:schemeClr val="accent1">
+        <a:shade val="80000"/>
+      </a:schemeClr>
+    </dgm:linClrLst>
+    <dgm:effectClrLst/>
+    <dgm:txLinClrLst/>
+    <dgm:txFillClrLst meth="repeat">
+      <a:schemeClr val="tx1"/>
+    </dgm:txFillClrLst>
+    <dgm:txEffectClrLst/>
+  </dgm:styleLbl>
+  <dgm:styleLbl name="parChTrans1D4">
+    <dgm:fillClrLst meth="repeat">
+      <a:schemeClr val="accent1"/>
+    </dgm:fillClrLst>
+    <dgm:linClrLst meth="repeat">
+      <a:schemeClr val="accent1">
+        <a:shade val="80000"/>
+      </a:schemeClr>
+    </dgm:linClrLst>
+    <dgm:effectClrLst/>
+    <dgm:txLinClrLst/>
+    <dgm:txFillClrLst meth="repeat">
+      <a:schemeClr val="tx1"/>
+    </dgm:txFillClrLst>
+    <dgm:txEffectClrLst/>
+  </dgm:styleLbl>
+  <dgm:styleLbl name="fgAcc1">
+    <dgm:fillClrLst meth="repeat">
+      <a:schemeClr val="lt1">
+        <a:alpha val="90000"/>
+      </a:schemeClr>
+    </dgm:fillClrLst>
+    <dgm:linClrLst meth="repeat">
+      <a:schemeClr val="accent1"/>
+    </dgm:linClrLst>
+    <dgm:effectClrLst/>
+    <dgm:txLinClrLst/>
+    <dgm:txFillClrLst meth="repeat">
+      <a:schemeClr val="dk1"/>
+    </dgm:txFillClrLst>
+    <dgm:txEffectClrLst/>
+  </dgm:styleLbl>
+  <dgm:styleLbl name="conFgAcc1">
+    <dgm:fillClrLst meth="repeat">
+      <a:schemeClr val="lt1">
+        <a:alpha val="90000"/>
+      </a:schemeClr>
+    </dgm:fillClrLst>
+    <dgm:linClrLst meth="repeat">
+      <a:schemeClr val="accent1"/>
+    </dgm:linClrLst>
+    <dgm:effectClrLst/>
+    <dgm:txLinClrLst/>
+    <dgm:txFillClrLst meth="repeat">
+      <a:schemeClr val="dk1"/>
+    </dgm:txFillClrLst>
+    <dgm:txEffectClrLst/>
+  </dgm:styleLbl>
+  <dgm:styleLbl name="alignAcc1">
+    <dgm:fillClrLst meth="repeat">
+      <a:schemeClr val="lt1">
+        <a:alpha val="90000"/>
+      </a:schemeClr>
+    </dgm:fillClrLst>
+    <dgm:linClrLst meth="repeat">
+      <a:schemeClr val="accent1"/>
+    </dgm:linClrLst>
+    <dgm:effectClrLst/>
+    <dgm:txLinClrLst/>
+    <dgm:txFillClrLst meth="repeat">
+      <a:schemeClr val="dk1"/>
+    </dgm:txFillClrLst>
+    <dgm:txEffectClrLst/>
+  </dgm:styleLbl>
+  <dgm:styleLbl name="trAlignAcc1">
+    <dgm:fillClrLst meth="repeat">
+      <a:schemeClr val="lt1">
+        <a:alpha val="40000"/>
+      </a:schemeClr>
+    </dgm:fillClrLst>
+    <dgm:linClrLst meth="repeat">
+      <a:schemeClr val="accent1"/>
+    </dgm:linClrLst>
+    <dgm:effectClrLst/>
+    <dgm:txLinClrLst/>
+    <dgm:txFillClrLst meth="repeat">
+      <a:schemeClr val="dk1"/>
+    </dgm:txFillClrLst>
+    <dgm:txEffectClrLst/>
+  </dgm:styleLbl>
+  <dgm:styleLbl name="bgAcc1">
+    <dgm:fillClrLst meth="repeat">
+      <a:schemeClr val="lt1">
+        <a:alpha val="90000"/>
+      </a:schemeClr>
+    </dgm:fillClrLst>
+    <dgm:linClrLst meth="repeat">
+      <a:schemeClr val="accent1"/>
+    </dgm:linClrLst>
+    <dgm:effectClrLst/>
+    <dgm:txLinClrLst/>
+    <dgm:txFillClrLst meth="repeat">
+      <a:schemeClr val="dk1"/>
+    </dgm:txFillClrLst>
+    <dgm:txEffectClrLst/>
+  </dgm:styleLbl>
+  <dgm:styleLbl name="solidFgAcc1">
+    <dgm:fillClrLst meth="repeat">
+      <a:schemeClr val="lt1"/>
+    </dgm:fillClrLst>
+    <dgm:linClrLst meth="repeat">
+      <a:schemeClr val="accent1"/>
+    </dgm:linClrLst>
+    <dgm:effectClrLst/>
+    <dgm:txLinClrLst/>
+    <dgm:txFillClrLst meth="repeat">
+      <a:schemeClr val="dk1"/>
+    </dgm:txFillClrLst>
+    <dgm:txEffectClrLst/>
+  </dgm:styleLbl>
+  <dgm:styleLbl name="solidAlignAcc1">
+    <dgm:fillClrLst meth="repeat">
+      <a:schemeClr val="lt1"/>
+    </dgm:fillClrLst>
+    <dgm:linClrLst meth="repeat">
+      <a:schemeClr val="accent1"/>
+    </dgm:linClrLst>
+    <dgm:effectClrLst/>
+    <dgm:txLinClrLst/>
+    <dgm:txFillClrLst meth="repeat">
+      <a:schemeClr val="dk1"/>
+    </dgm:txFillClrLst>
+    <dgm:txEffectClrLst/>
+  </dgm:styleLbl>
+  <dgm:styleLbl name="solidBgAcc1">
+    <dgm:fillClrLst meth="repeat">
+      <a:schemeClr val="lt1"/>
+    </dgm:fillClrLst>
+    <dgm:linClrLst meth="repeat">
+      <a:schemeClr val="accent1"/>
+    </dgm:linClrLst>
+    <dgm:effectClrLst/>
+    <dgm:txLinClrLst/>
+    <dgm:txFillClrLst meth="repeat">
+      <a:schemeClr val="dk1"/>
+    </dgm:txFillClrLst>
+    <dgm:txEffectClrLst/>
+  </dgm:styleLbl>
+  <dgm:styleLbl name="fgAccFollowNode1">
+    <dgm:fillClrLst meth="repeat">
+      <a:schemeClr val="accent1">
+        <a:alpha val="90000"/>
+        <a:tint val="40000"/>
+      </a:schemeClr>
+    </dgm:fillClrLst>
+    <dgm:linClrLst meth="repeat">
+      <a:schemeClr val="accent1">
+        <a:alpha val="90000"/>
+        <a:tint val="40000"/>
+      </a:schemeClr>
+    </dgm:linClrLst>
+    <dgm:effectClrLst/>
+    <dgm:txLinClrLst/>
+    <dgm:txFillClrLst meth="repeat">
+      <a:schemeClr val="dk1"/>
+    </dgm:txFillClrLst>
+    <dgm:txEffectClrLst/>
+  </dgm:styleLbl>
+  <dgm:styleLbl name="alignAccFollowNode1">
+    <dgm:fillClrLst meth="repeat">
+      <a:schemeClr val="accent1">
+        <a:alpha val="90000"/>
+        <a:tint val="40000"/>
+      </a:schemeClr>
+    </dgm:fillClrLst>
+    <dgm:linClrLst meth="repeat">
+      <a:schemeClr val="accent1">
+        <a:alpha val="90000"/>
+        <a:tint val="40000"/>
+      </a:schemeClr>
+    </dgm:linClrLst>
+    <dgm:effectClrLst/>
+    <dgm:txLinClrLst/>
+    <dgm:txFillClrLst meth="repeat">
+      <a:schemeClr val="dk1"/>
+    </dgm:txFillClrLst>
+    <dgm:txEffectClrLst/>
+  </dgm:styleLbl>
+  <dgm:styleLbl name="bgAccFollowNode1">
+    <dgm:fillClrLst meth="repeat">
+      <a:schemeClr val="accent1">
+        <a:alpha val="90000"/>
+        <a:tint val="40000"/>
+      </a:schemeClr>
+    </dgm:fillClrLst>
+    <dgm:linClrLst meth="repeat">
+      <a:schemeClr val="accent1">
+        <a:alpha val="90000"/>
+        <a:tint val="40000"/>
+      </a:schemeClr>
+    </dgm:linClrLst>
+    <dgm:effectClrLst/>
+    <dgm:txLinClrLst/>
+    <dgm:txFillClrLst meth="repeat">
+      <a:schemeClr val="dk1"/>
+    </dgm:txFillClrLst>
+    <dgm:txEffectClrLst/>
+  </dgm:styleLbl>
+  <dgm:styleLbl name="fgAcc0">
+    <dgm:fillClrLst meth="repeat">
+      <a:schemeClr val="lt1">
+        <a:alpha val="90000"/>
+      </a:schemeClr>
+    </dgm:fillClrLst>
+    <dgm:linClrLst meth="repeat">
+      <a:schemeClr val="accent1"/>
+    </dgm:linClrLst>
+    <dgm:effectClrLst/>
+    <dgm:txLinClrLst/>
+    <dgm:txFillClrLst meth="repeat">
+      <a:schemeClr val="dk1"/>
+    </dgm:txFillClrLst>
+    <dgm:txEffectClrLst/>
+  </dgm:styleLbl>
+  <dgm:styleLbl name="fgAcc2">
+    <dgm:fillClrLst meth="repeat">
+      <a:schemeClr val="lt1">
+        <a:alpha val="90000"/>
+      </a:schemeClr>
+    </dgm:fillClrLst>
+    <dgm:linClrLst meth="repeat">
+      <a:schemeClr val="accent1"/>
+    </dgm:linClrLst>
+    <dgm:effectClrLst/>
+    <dgm:txLinClrLst/>
+    <dgm:txFillClrLst meth="repeat">
+      <a:schemeClr val="dk1"/>
+    </dgm:txFillClrLst>
+    <dgm:txEffectClrLst/>
+  </dgm:styleLbl>
+  <dgm:styleLbl name="fgAcc3">
+    <dgm:fillClrLst meth="repeat">
+      <a:schemeClr val="lt1">
+        <a:alpha val="90000"/>
+      </a:schemeClr>
+    </dgm:fillClrLst>
+    <dgm:linClrLst meth="repeat">
+      <a:schemeClr val="accent1"/>
+    </dgm:linClrLst>
+    <dgm:effectClrLst/>
+    <dgm:txLinClrLst/>
+    <dgm:txFillClrLst meth="repeat">
+      <a:schemeClr val="dk1"/>
+    </dgm:txFillClrLst>
+    <dgm:txEffectClrLst/>
+  </dgm:styleLbl>
+  <dgm:styleLbl name="fgAcc4">
+    <dgm:fillClrLst meth="repeat">
+      <a:schemeClr val="lt1">
+        <a:alpha val="90000"/>
+      </a:schemeClr>
+    </dgm:fillClrLst>
+    <dgm:linClrLst meth="repeat">
+      <a:schemeClr val="accent1"/>
+    </dgm:linClrLst>
+    <dgm:effectClrLst/>
+    <dgm:txLinClrLst/>
+    <dgm:txFillClrLst meth="repeat">
+      <a:schemeClr val="dk1"/>
+    </dgm:txFillClrLst>
+    <dgm:txEffectClrLst/>
+  </dgm:styleLbl>
+  <dgm:styleLbl name="bgShp">
+    <dgm:fillClrLst meth="repeat">
+      <a:schemeClr val="accent1">
+        <a:tint val="40000"/>
+      </a:schemeClr>
+    </dgm:fillClrLst>
+    <dgm:linClrLst meth="repeat">
+      <a:schemeClr val="accent1"/>
+    </dgm:linClrLst>
+    <dgm:effectClrLst/>
+    <dgm:txLinClrLst/>
+    <dgm:txFillClrLst meth="repeat">
+      <a:schemeClr val="dk1"/>
+    </dgm:txFillClrLst>
+    <dgm:txEffectClrLst/>
+  </dgm:styleLbl>
+  <dgm:styleLbl name="dkBgShp">
+    <dgm:fillClrLst meth="repeat">
+      <a:schemeClr val="accent1">
+        <a:shade val="80000"/>
+      </a:schemeClr>
+    </dgm:fillClrLst>
+    <dgm:linClrLst meth="repeat">
+      <a:schemeClr val="accent1"/>
+    </dgm:linClrLst>
+    <dgm:effectClrLst/>
+    <dgm:txLinClrLst/>
+    <dgm:txFillClrLst meth="repeat">
+      <a:schemeClr val="lt1"/>
+    </dgm:txFillClrLst>
+    <dgm:txEffectClrLst/>
+  </dgm:styleLbl>
+  <dgm:styleLbl name="trBgShp">
+    <dgm:fillClrLst meth="repeat">
+      <a:schemeClr val="accent1">
+        <a:tint val="50000"/>
+        <a:alpha val="40000"/>
+      </a:schemeClr>
+    </dgm:fillClrLst>
+    <dgm:linClrLst meth="repeat">
+      <a:schemeClr val="accent1"/>
+    </dgm:linClrLst>
+    <dgm:effectClrLst/>
+    <dgm:txLinClrLst/>
+    <dgm:txFillClrLst meth="repeat">
+      <a:schemeClr val="lt1"/>
+    </dgm:txFillClrLst>
+    <dgm:txEffectClrLst/>
+  </dgm:styleLbl>
+  <dgm:styleLbl name="fgShp">
+    <dgm:fillClrLst meth="repeat">
+      <a:schemeClr val="accent1">
+        <a:tint val="60000"/>
+      </a:schemeClr>
+    </dgm:fillClrLst>
+    <dgm:linClrLst meth="repeat">
+      <a:schemeClr val="lt1"/>
+    </dgm:linClrLst>
+    <dgm:effectClrLst/>
+    <dgm:txLinClrLst/>
+    <dgm:txFillClrLst meth="repeat">
+      <a:schemeClr val="dk1"/>
+    </dgm:txFillClrLst>
+    <dgm:txEffectClrLst/>
+  </dgm:styleLbl>
+  <dgm:styleLbl name="revTx">
+    <dgm:fillClrLst meth="repeat">
+      <a:schemeClr val="lt1">
+        <a:alpha val="0"/>
+      </a:schemeClr>
+    </dgm:fillClrLst>
+    <dgm:linClrLst meth="repeat">
+      <a:schemeClr val="dk1">
+        <a:alpha val="0"/>
+      </a:schemeClr>
+    </dgm:linClrLst>
+    <dgm:effectClrLst/>
+    <dgm:txLinClrLst/>
+    <dgm:txFillClrLst meth="repeat">
+      <a:schemeClr val="tx1"/>
+    </dgm:txFillClrLst>
+    <dgm:txEffectClrLst/>
+  </dgm:styleLbl>
+</dgm:colorsDef>
+</file>
+
+<file path=ppt/diagrams/data1.xml><?xml version="1.0" encoding="utf-8"?>
+<dgm:dataModel xmlns:dgm="http://schemas.openxmlformats.org/drawingml/2006/diagram" xmlns:a="http://schemas.openxmlformats.org/drawingml/2006/main">
+  <dgm:ptLst>
+    <dgm:pt modelId="{519CAB83-186E-FB4F-BCFA-93B0DF9A15A5}" type="doc">
+      <dgm:prSet loTypeId="urn:microsoft.com/office/officeart/2005/8/layout/chevron1" loCatId="process" qsTypeId="urn:microsoft.com/office/officeart/2005/8/quickstyle/simple1" qsCatId="simple" csTypeId="urn:microsoft.com/office/officeart/2005/8/colors/accent1_2" csCatId="accent1" phldr="1"/>
+      <dgm:spPr/>
+      <dgm:t>
+        <a:bodyPr/>
+        <a:lstStyle/>
+        <a:p>
+          <a:endParaRPr lang="fr-FR"/>
+        </a:p>
+      </dgm:t>
+    </dgm:pt>
+    <dgm:pt modelId="{934F783C-90E4-3240-83A5-67C8E5242890}">
+      <dgm:prSet custT="1"/>
+      <dgm:spPr/>
+      <dgm:t>
+        <a:bodyPr/>
+        <a:lstStyle/>
+        <a:p>
+          <a:r>
+            <a:rPr lang="fr-FR" sz="1600" b="0" i="0" dirty="0">
+              <a:ln>
+                <a:noFill/>
+              </a:ln>
+              <a:solidFill>
+                <a:schemeClr val="lt1"/>
+              </a:solidFill>
+            </a:rPr>
+            <a:t>S6 : Etude de faisabilité</a:t>
+          </a:r>
+          <a:endParaRPr lang="fr-FR" sz="1600" dirty="0">
+            <a:ln>
+              <a:noFill/>
+            </a:ln>
+            <a:solidFill>
+              <a:schemeClr val="lt1"/>
+            </a:solidFill>
+          </a:endParaRPr>
+        </a:p>
+      </dgm:t>
+    </dgm:pt>
+    <dgm:pt modelId="{44D76101-4A0D-C746-B845-8FBAF5419D1C}" type="parTrans" cxnId="{784F1E74-8CB1-B24E-A09B-3383C2821B8A}">
+      <dgm:prSet/>
+      <dgm:spPr/>
+      <dgm:t>
+        <a:bodyPr/>
+        <a:lstStyle/>
+        <a:p>
+          <a:endParaRPr lang="fr-FR"/>
+        </a:p>
+      </dgm:t>
+    </dgm:pt>
+    <dgm:pt modelId="{E055E3FF-570D-C748-B253-FD6B774512B7}" type="sibTrans" cxnId="{784F1E74-8CB1-B24E-A09B-3383C2821B8A}">
+      <dgm:prSet/>
+      <dgm:spPr/>
+      <dgm:t>
+        <a:bodyPr/>
+        <a:lstStyle/>
+        <a:p>
+          <a:endParaRPr lang="fr-FR"/>
+        </a:p>
+      </dgm:t>
+    </dgm:pt>
+    <dgm:pt modelId="{FD92666C-7359-B247-A778-6AACAD03A534}">
+      <dgm:prSet custT="1"/>
+      <dgm:spPr/>
+      <dgm:t>
+        <a:bodyPr/>
+        <a:lstStyle/>
+        <a:p>
+          <a:r>
+            <a:rPr lang="fr-FR" sz="1600" dirty="0"/>
+            <a:t>S9 : </a:t>
+          </a:r>
+          <a:r>
+            <a:rPr lang="fr-FR" sz="1600" dirty="0">
+              <a:sym typeface="Wingdings" pitchFamily="2" charset="2"/>
+            </a:rPr>
+            <a:t>Revue littérature</a:t>
+          </a:r>
+          <a:endParaRPr lang="fr-FR" sz="1600" dirty="0"/>
+        </a:p>
+      </dgm:t>
+    </dgm:pt>
+    <dgm:pt modelId="{5754B1D9-C50F-694A-9C57-86B0742B2B3A}" type="parTrans" cxnId="{5A714CCF-DFC9-B345-B62F-425113651D16}">
+      <dgm:prSet/>
+      <dgm:spPr/>
+      <dgm:t>
+        <a:bodyPr/>
+        <a:lstStyle/>
+        <a:p>
+          <a:endParaRPr lang="fr-FR"/>
+        </a:p>
+      </dgm:t>
+    </dgm:pt>
+    <dgm:pt modelId="{D319F4AB-8BB1-1343-82C6-BE3876B33A2D}" type="sibTrans" cxnId="{5A714CCF-DFC9-B345-B62F-425113651D16}">
+      <dgm:prSet/>
+      <dgm:spPr/>
+      <dgm:t>
+        <a:bodyPr/>
+        <a:lstStyle/>
+        <a:p>
+          <a:endParaRPr lang="fr-FR"/>
+        </a:p>
+      </dgm:t>
+    </dgm:pt>
+    <dgm:pt modelId="{770072D9-DF39-714E-88B6-2FB6B9AA6000}">
+      <dgm:prSet custT="1"/>
+      <dgm:spPr/>
+      <dgm:t>
+        <a:bodyPr/>
+        <a:lstStyle/>
+        <a:p>
+          <a:r>
+            <a:rPr lang="fr-FR" sz="1600" dirty="0"/>
+            <a:t>S10 : </a:t>
+          </a:r>
+          <a:r>
+            <a:rPr lang="fr-FR" sz="1600" dirty="0">
+              <a:sym typeface="Wingdings" pitchFamily="2" charset="2"/>
+            </a:rPr>
+            <a:t>sélection du modèle</a:t>
+          </a:r>
+          <a:endParaRPr lang="fr-FR" sz="1600" dirty="0"/>
+        </a:p>
+      </dgm:t>
+    </dgm:pt>
+    <dgm:pt modelId="{189FC854-FF4D-9645-8750-A9E0DB4281D6}" type="parTrans" cxnId="{2EFC3E9E-AE1E-4945-BD89-FF1194F5E745}">
+      <dgm:prSet/>
+      <dgm:spPr/>
+      <dgm:t>
+        <a:bodyPr/>
+        <a:lstStyle/>
+        <a:p>
+          <a:endParaRPr lang="fr-FR"/>
+        </a:p>
+      </dgm:t>
+    </dgm:pt>
+    <dgm:pt modelId="{F20456FA-07F2-2A4E-AEB3-163A2B215973}" type="sibTrans" cxnId="{2EFC3E9E-AE1E-4945-BD89-FF1194F5E745}">
+      <dgm:prSet/>
+      <dgm:spPr/>
+      <dgm:t>
+        <a:bodyPr/>
+        <a:lstStyle/>
+        <a:p>
+          <a:endParaRPr lang="fr-FR"/>
+        </a:p>
+      </dgm:t>
+    </dgm:pt>
+    <dgm:pt modelId="{16E10625-AA82-3341-B585-361089E4F4EA}">
+      <dgm:prSet custT="1"/>
+      <dgm:spPr/>
+      <dgm:t>
+        <a:bodyPr/>
+        <a:lstStyle/>
+        <a:p>
+          <a:r>
+            <a:rPr lang="fr-FR" sz="1600" dirty="0"/>
+            <a:t>S12 : Développement du code</a:t>
+          </a:r>
+        </a:p>
+      </dgm:t>
+    </dgm:pt>
+    <dgm:pt modelId="{61B5DAEE-88F5-A048-AA6F-5C11BC964347}" type="parTrans" cxnId="{6CA299C7-90EB-5D40-8A2A-7FFEB3A8B763}">
+      <dgm:prSet/>
+      <dgm:spPr/>
+      <dgm:t>
+        <a:bodyPr/>
+        <a:lstStyle/>
+        <a:p>
+          <a:endParaRPr lang="fr-FR"/>
+        </a:p>
+      </dgm:t>
+    </dgm:pt>
+    <dgm:pt modelId="{23399602-43E0-9943-8D15-12CE68A815BE}" type="sibTrans" cxnId="{6CA299C7-90EB-5D40-8A2A-7FFEB3A8B763}">
+      <dgm:prSet/>
+      <dgm:spPr/>
+      <dgm:t>
+        <a:bodyPr/>
+        <a:lstStyle/>
+        <a:p>
+          <a:endParaRPr lang="fr-FR"/>
+        </a:p>
+      </dgm:t>
+    </dgm:pt>
+    <dgm:pt modelId="{85DB1E64-C9BB-5149-AD47-1B085630DE55}">
+      <dgm:prSet custT="1"/>
+      <dgm:spPr/>
+      <dgm:t>
+        <a:bodyPr/>
+        <a:lstStyle/>
+        <a:p>
+          <a:r>
+            <a:rPr lang="fr-FR" sz="1600" dirty="0"/>
+            <a:t>S13 : Optimisation</a:t>
+          </a:r>
+        </a:p>
+      </dgm:t>
+    </dgm:pt>
+    <dgm:pt modelId="{744AA0EF-44F1-0C49-8C2F-A6A3A0202A41}" type="parTrans" cxnId="{EB9987B1-81AD-E347-9A24-2435780741FE}">
+      <dgm:prSet/>
+      <dgm:spPr/>
+      <dgm:t>
+        <a:bodyPr/>
+        <a:lstStyle/>
+        <a:p>
+          <a:endParaRPr lang="fr-FR"/>
+        </a:p>
+      </dgm:t>
+    </dgm:pt>
+    <dgm:pt modelId="{4E0D0091-BB95-9940-94B4-DDA6BF1780BB}" type="sibTrans" cxnId="{EB9987B1-81AD-E347-9A24-2435780741FE}">
+      <dgm:prSet/>
+      <dgm:spPr/>
+      <dgm:t>
+        <a:bodyPr/>
+        <a:lstStyle/>
+        <a:p>
+          <a:endParaRPr lang="fr-FR"/>
+        </a:p>
+      </dgm:t>
+    </dgm:pt>
+    <dgm:pt modelId="{A4D7CB73-1568-8C42-9D63-954AE917A25E}" type="pres">
+      <dgm:prSet presAssocID="{519CAB83-186E-FB4F-BCFA-93B0DF9A15A5}" presName="Name0" presStyleCnt="0">
+        <dgm:presLayoutVars>
+          <dgm:dir/>
+          <dgm:animLvl val="lvl"/>
+          <dgm:resizeHandles val="exact"/>
+        </dgm:presLayoutVars>
+      </dgm:prSet>
+      <dgm:spPr/>
+    </dgm:pt>
+    <dgm:pt modelId="{CC903D51-B2E5-B348-A0E7-BFB458848C6F}" type="pres">
+      <dgm:prSet presAssocID="{934F783C-90E4-3240-83A5-67C8E5242890}" presName="parTxOnly" presStyleLbl="node1" presStyleIdx="0" presStyleCnt="5" custScaleY="121530">
+        <dgm:presLayoutVars>
+          <dgm:chMax val="0"/>
+          <dgm:chPref val="0"/>
+          <dgm:bulletEnabled val="1"/>
+        </dgm:presLayoutVars>
+      </dgm:prSet>
+      <dgm:spPr/>
+    </dgm:pt>
+    <dgm:pt modelId="{8FC492D9-D930-A34A-99D3-C9939548997E}" type="pres">
+      <dgm:prSet presAssocID="{E055E3FF-570D-C748-B253-FD6B774512B7}" presName="parTxOnlySpace" presStyleCnt="0"/>
+      <dgm:spPr/>
+    </dgm:pt>
+    <dgm:pt modelId="{F76D5A59-922A-C243-B24A-E8D67FE772E6}" type="pres">
+      <dgm:prSet presAssocID="{FD92666C-7359-B247-A778-6AACAD03A534}" presName="parTxOnly" presStyleLbl="node1" presStyleIdx="1" presStyleCnt="5" custScaleY="121530">
+        <dgm:presLayoutVars>
+          <dgm:chMax val="0"/>
+          <dgm:chPref val="0"/>
+          <dgm:bulletEnabled val="1"/>
+        </dgm:presLayoutVars>
+      </dgm:prSet>
+      <dgm:spPr/>
+    </dgm:pt>
+    <dgm:pt modelId="{D17FF2F7-B7C8-7D48-ADD1-3DF8F82DFB66}" type="pres">
+      <dgm:prSet presAssocID="{D319F4AB-8BB1-1343-82C6-BE3876B33A2D}" presName="parTxOnlySpace" presStyleCnt="0"/>
+      <dgm:spPr/>
+    </dgm:pt>
+    <dgm:pt modelId="{82F6E29E-5E46-6548-8C59-4EB43362F013}" type="pres">
+      <dgm:prSet presAssocID="{770072D9-DF39-714E-88B6-2FB6B9AA6000}" presName="parTxOnly" presStyleLbl="node1" presStyleIdx="2" presStyleCnt="5" custScaleY="121530">
+        <dgm:presLayoutVars>
+          <dgm:chMax val="0"/>
+          <dgm:chPref val="0"/>
+          <dgm:bulletEnabled val="1"/>
+        </dgm:presLayoutVars>
+      </dgm:prSet>
+      <dgm:spPr/>
+    </dgm:pt>
+    <dgm:pt modelId="{EFBC66E1-95F2-AA4B-AE85-E886F5C700B8}" type="pres">
+      <dgm:prSet presAssocID="{F20456FA-07F2-2A4E-AEB3-163A2B215973}" presName="parTxOnlySpace" presStyleCnt="0"/>
+      <dgm:spPr/>
+    </dgm:pt>
+    <dgm:pt modelId="{57110196-DBE0-CC4A-9F22-6C241D52BC95}" type="pres">
+      <dgm:prSet presAssocID="{16E10625-AA82-3341-B585-361089E4F4EA}" presName="parTxOnly" presStyleLbl="node1" presStyleIdx="3" presStyleCnt="5" custScaleY="121530">
+        <dgm:presLayoutVars>
+          <dgm:chMax val="0"/>
+          <dgm:chPref val="0"/>
+          <dgm:bulletEnabled val="1"/>
+        </dgm:presLayoutVars>
+      </dgm:prSet>
+      <dgm:spPr/>
+    </dgm:pt>
+    <dgm:pt modelId="{9FBB5E8D-3D00-3C45-8500-FD571175AC3C}" type="pres">
+      <dgm:prSet presAssocID="{23399602-43E0-9943-8D15-12CE68A815BE}" presName="parTxOnlySpace" presStyleCnt="0"/>
+      <dgm:spPr/>
+    </dgm:pt>
+    <dgm:pt modelId="{C6775ADA-F5C1-FC45-8EAB-7279B450D49B}" type="pres">
+      <dgm:prSet presAssocID="{85DB1E64-C9BB-5149-AD47-1B085630DE55}" presName="parTxOnly" presStyleLbl="node1" presStyleIdx="4" presStyleCnt="5" custScaleY="121530">
+        <dgm:presLayoutVars>
+          <dgm:chMax val="0"/>
+          <dgm:chPref val="0"/>
+          <dgm:bulletEnabled val="1"/>
+        </dgm:presLayoutVars>
+      </dgm:prSet>
+      <dgm:spPr/>
+    </dgm:pt>
+  </dgm:ptLst>
+  <dgm:cxnLst>
+    <dgm:cxn modelId="{BBA6501B-4719-E147-A440-9FAAF8A7CAF7}" type="presOf" srcId="{85DB1E64-C9BB-5149-AD47-1B085630DE55}" destId="{C6775ADA-F5C1-FC45-8EAB-7279B450D49B}" srcOrd="0" destOrd="0" presId="urn:microsoft.com/office/officeart/2005/8/layout/chevron1"/>
+    <dgm:cxn modelId="{62EFDE1E-B0E6-5848-8DCA-50D6EEF519C3}" type="presOf" srcId="{16E10625-AA82-3341-B585-361089E4F4EA}" destId="{57110196-DBE0-CC4A-9F22-6C241D52BC95}" srcOrd="0" destOrd="0" presId="urn:microsoft.com/office/officeart/2005/8/layout/chevron1"/>
+    <dgm:cxn modelId="{274F7C4E-9535-E145-8799-6821D7890B9D}" type="presOf" srcId="{934F783C-90E4-3240-83A5-67C8E5242890}" destId="{CC903D51-B2E5-B348-A0E7-BFB458848C6F}" srcOrd="0" destOrd="0" presId="urn:microsoft.com/office/officeart/2005/8/layout/chevron1"/>
+    <dgm:cxn modelId="{784F1E74-8CB1-B24E-A09B-3383C2821B8A}" srcId="{519CAB83-186E-FB4F-BCFA-93B0DF9A15A5}" destId="{934F783C-90E4-3240-83A5-67C8E5242890}" srcOrd="0" destOrd="0" parTransId="{44D76101-4A0D-C746-B845-8FBAF5419D1C}" sibTransId="{E055E3FF-570D-C748-B253-FD6B774512B7}"/>
+    <dgm:cxn modelId="{F597F190-2F64-C449-ADCD-34BB61CDDB67}" type="presOf" srcId="{FD92666C-7359-B247-A778-6AACAD03A534}" destId="{F76D5A59-922A-C243-B24A-E8D67FE772E6}" srcOrd="0" destOrd="0" presId="urn:microsoft.com/office/officeart/2005/8/layout/chevron1"/>
+    <dgm:cxn modelId="{2EFC3E9E-AE1E-4945-BD89-FF1194F5E745}" srcId="{519CAB83-186E-FB4F-BCFA-93B0DF9A15A5}" destId="{770072D9-DF39-714E-88B6-2FB6B9AA6000}" srcOrd="2" destOrd="0" parTransId="{189FC854-FF4D-9645-8750-A9E0DB4281D6}" sibTransId="{F20456FA-07F2-2A4E-AEB3-163A2B215973}"/>
+    <dgm:cxn modelId="{EB9987B1-81AD-E347-9A24-2435780741FE}" srcId="{519CAB83-186E-FB4F-BCFA-93B0DF9A15A5}" destId="{85DB1E64-C9BB-5149-AD47-1B085630DE55}" srcOrd="4" destOrd="0" parTransId="{744AA0EF-44F1-0C49-8C2F-A6A3A0202A41}" sibTransId="{4E0D0091-BB95-9940-94B4-DDA6BF1780BB}"/>
+    <dgm:cxn modelId="{6CA299C7-90EB-5D40-8A2A-7FFEB3A8B763}" srcId="{519CAB83-186E-FB4F-BCFA-93B0DF9A15A5}" destId="{16E10625-AA82-3341-B585-361089E4F4EA}" srcOrd="3" destOrd="0" parTransId="{61B5DAEE-88F5-A048-AA6F-5C11BC964347}" sibTransId="{23399602-43E0-9943-8D15-12CE68A815BE}"/>
+    <dgm:cxn modelId="{5A714CCF-DFC9-B345-B62F-425113651D16}" srcId="{519CAB83-186E-FB4F-BCFA-93B0DF9A15A5}" destId="{FD92666C-7359-B247-A778-6AACAD03A534}" srcOrd="1" destOrd="0" parTransId="{5754B1D9-C50F-694A-9C57-86B0742B2B3A}" sibTransId="{D319F4AB-8BB1-1343-82C6-BE3876B33A2D}"/>
+    <dgm:cxn modelId="{D91593D4-DF05-9242-B8DC-AA4D645930FE}" type="presOf" srcId="{519CAB83-186E-FB4F-BCFA-93B0DF9A15A5}" destId="{A4D7CB73-1568-8C42-9D63-954AE917A25E}" srcOrd="0" destOrd="0" presId="urn:microsoft.com/office/officeart/2005/8/layout/chevron1"/>
+    <dgm:cxn modelId="{31091CFE-9AA4-1440-9BE2-3E56E509C746}" type="presOf" srcId="{770072D9-DF39-714E-88B6-2FB6B9AA6000}" destId="{82F6E29E-5E46-6548-8C59-4EB43362F013}" srcOrd="0" destOrd="0" presId="urn:microsoft.com/office/officeart/2005/8/layout/chevron1"/>
+    <dgm:cxn modelId="{F41F159B-7BA8-444E-A875-B6C7D2A590A4}" type="presParOf" srcId="{A4D7CB73-1568-8C42-9D63-954AE917A25E}" destId="{CC903D51-B2E5-B348-A0E7-BFB458848C6F}" srcOrd="0" destOrd="0" presId="urn:microsoft.com/office/officeart/2005/8/layout/chevron1"/>
+    <dgm:cxn modelId="{E8B7813C-580F-D643-B31D-F9841BE3328D}" type="presParOf" srcId="{A4D7CB73-1568-8C42-9D63-954AE917A25E}" destId="{8FC492D9-D930-A34A-99D3-C9939548997E}" srcOrd="1" destOrd="0" presId="urn:microsoft.com/office/officeart/2005/8/layout/chevron1"/>
+    <dgm:cxn modelId="{479FBF38-CBC6-2945-B2EE-1EA680A2930C}" type="presParOf" srcId="{A4D7CB73-1568-8C42-9D63-954AE917A25E}" destId="{F76D5A59-922A-C243-B24A-E8D67FE772E6}" srcOrd="2" destOrd="0" presId="urn:microsoft.com/office/officeart/2005/8/layout/chevron1"/>
+    <dgm:cxn modelId="{AD4E3C7D-A9CD-4244-A046-63D061A787B6}" type="presParOf" srcId="{A4D7CB73-1568-8C42-9D63-954AE917A25E}" destId="{D17FF2F7-B7C8-7D48-ADD1-3DF8F82DFB66}" srcOrd="3" destOrd="0" presId="urn:microsoft.com/office/officeart/2005/8/layout/chevron1"/>
+    <dgm:cxn modelId="{8D5ACE28-B77A-E642-90C3-CFA263D0F254}" type="presParOf" srcId="{A4D7CB73-1568-8C42-9D63-954AE917A25E}" destId="{82F6E29E-5E46-6548-8C59-4EB43362F013}" srcOrd="4" destOrd="0" presId="urn:microsoft.com/office/officeart/2005/8/layout/chevron1"/>
+    <dgm:cxn modelId="{D0797093-DA4D-9642-AB0E-116F7403D646}" type="presParOf" srcId="{A4D7CB73-1568-8C42-9D63-954AE917A25E}" destId="{EFBC66E1-95F2-AA4B-AE85-E886F5C700B8}" srcOrd="5" destOrd="0" presId="urn:microsoft.com/office/officeart/2005/8/layout/chevron1"/>
+    <dgm:cxn modelId="{7BA773A1-C508-CE40-A201-ACD20654A78C}" type="presParOf" srcId="{A4D7CB73-1568-8C42-9D63-954AE917A25E}" destId="{57110196-DBE0-CC4A-9F22-6C241D52BC95}" srcOrd="6" destOrd="0" presId="urn:microsoft.com/office/officeart/2005/8/layout/chevron1"/>
+    <dgm:cxn modelId="{705B1082-98A8-6E4C-A361-35528401B2D7}" type="presParOf" srcId="{A4D7CB73-1568-8C42-9D63-954AE917A25E}" destId="{9FBB5E8D-3D00-3C45-8500-FD571175AC3C}" srcOrd="7" destOrd="0" presId="urn:microsoft.com/office/officeart/2005/8/layout/chevron1"/>
+    <dgm:cxn modelId="{61FC3FCF-63D7-B544-84B6-B2B86B7CC83F}" type="presParOf" srcId="{A4D7CB73-1568-8C42-9D63-954AE917A25E}" destId="{C6775ADA-F5C1-FC45-8EAB-7279B450D49B}" srcOrd="8" destOrd="0" presId="urn:microsoft.com/office/officeart/2005/8/layout/chevron1"/>
+  </dgm:cxnLst>
+  <dgm:bg/>
+  <dgm:whole/>
+  <dgm:extLst>
+    <a:ext uri="http://schemas.microsoft.com/office/drawing/2008/diagram">
+      <dsp:dataModelExt xmlns:dsp="http://schemas.microsoft.com/office/drawing/2008/diagram" relId="rId7" minVer="http://schemas.openxmlformats.org/drawingml/2006/diagram"/>
+    </a:ext>
+  </dgm:extLst>
+</dgm:dataModel>
+</file>
+
+<file path=ppt/diagrams/drawing1.xml><?xml version="1.0" encoding="utf-8"?>
+<dsp:drawing xmlns:dgm="http://schemas.openxmlformats.org/drawingml/2006/diagram" xmlns:dsp="http://schemas.microsoft.com/office/drawing/2008/diagram" xmlns:a="http://schemas.openxmlformats.org/drawingml/2006/main">
+  <dsp:spTree>
+    <dsp:nvGrpSpPr>
+      <dsp:cNvPr id="0" name=""/>
+      <dsp:cNvGrpSpPr/>
+    </dsp:nvGrpSpPr>
+    <dsp:grpSpPr/>
+    <dsp:sp modelId="{CC903D51-B2E5-B348-A0E7-BFB458848C6F}">
+      <dsp:nvSpPr>
+        <dsp:cNvPr id="0" name=""/>
+        <dsp:cNvSpPr/>
+      </dsp:nvSpPr>
+      <dsp:spPr>
+        <a:xfrm>
+          <a:off x="2080" y="1347152"/>
+          <a:ext cx="1851399" cy="900002"/>
+        </a:xfrm>
+        <a:prstGeom prst="chevron">
+          <a:avLst/>
+        </a:prstGeom>
+        <a:solidFill>
+          <a:schemeClr val="accent1">
+            <a:hueOff val="0"/>
+            <a:satOff val="0"/>
+            <a:lumOff val="0"/>
+            <a:alphaOff val="0"/>
+          </a:schemeClr>
+        </a:solidFill>
+        <a:ln w="25400" cap="flat" cmpd="sng" algn="ctr">
+          <a:solidFill>
+            <a:schemeClr val="lt1">
+              <a:hueOff val="0"/>
+              <a:satOff val="0"/>
+              <a:lumOff val="0"/>
+              <a:alphaOff val="0"/>
+            </a:schemeClr>
+          </a:solidFill>
+          <a:prstDash val="solid"/>
+        </a:ln>
+        <a:effectLst/>
+      </dsp:spPr>
+      <dsp:style>
+        <a:lnRef idx="2">
+          <a:scrgbClr r="0" g="0" b="0"/>
+        </a:lnRef>
+        <a:fillRef idx="1">
+          <a:scrgbClr r="0" g="0" b="0"/>
+        </a:fillRef>
+        <a:effectRef idx="0">
+          <a:scrgbClr r="0" g="0" b="0"/>
+        </a:effectRef>
+        <a:fontRef idx="minor">
+          <a:schemeClr val="lt1"/>
+        </a:fontRef>
+      </dsp:style>
+      <dsp:txBody>
+        <a:bodyPr spcFirstLastPara="0" vert="horz" wrap="square" lIns="64008" tIns="21336" rIns="21336" bIns="21336" numCol="1" spcCol="1270" anchor="ctr" anchorCtr="0">
+          <a:noAutofit/>
+        </a:bodyPr>
+        <a:lstStyle/>
+        <a:p>
+          <a:pPr marL="0" lvl="0" indent="0" algn="ctr" defTabSz="711200">
+            <a:lnSpc>
+              <a:spcPct val="90000"/>
+            </a:lnSpc>
+            <a:spcBef>
+              <a:spcPct val="0"/>
+            </a:spcBef>
+            <a:spcAft>
+              <a:spcPct val="35000"/>
+            </a:spcAft>
+            <a:buNone/>
+          </a:pPr>
+          <a:r>
+            <a:rPr lang="fr-FR" sz="1600" b="0" i="0" kern="1200" dirty="0">
+              <a:ln>
+                <a:noFill/>
+              </a:ln>
+              <a:solidFill>
+                <a:schemeClr val="lt1"/>
+              </a:solidFill>
+            </a:rPr>
+            <a:t>S6 : Etude de faisabilité</a:t>
+          </a:r>
+          <a:endParaRPr lang="fr-FR" sz="1600" kern="1200" dirty="0">
+            <a:ln>
+              <a:noFill/>
+            </a:ln>
+            <a:solidFill>
+              <a:schemeClr val="lt1"/>
+            </a:solidFill>
+          </a:endParaRPr>
+        </a:p>
+      </dsp:txBody>
+      <dsp:txXfrm>
+        <a:off x="452081" y="1347152"/>
+        <a:ext cx="951397" cy="900002"/>
+      </dsp:txXfrm>
+    </dsp:sp>
+    <dsp:sp modelId="{F76D5A59-922A-C243-B24A-E8D67FE772E6}">
+      <dsp:nvSpPr>
+        <dsp:cNvPr id="0" name=""/>
+        <dsp:cNvSpPr/>
+      </dsp:nvSpPr>
+      <dsp:spPr>
+        <a:xfrm>
+          <a:off x="1668340" y="1347152"/>
+          <a:ext cx="1851399" cy="900002"/>
+        </a:xfrm>
+        <a:prstGeom prst="chevron">
+          <a:avLst/>
+        </a:prstGeom>
+        <a:solidFill>
+          <a:schemeClr val="accent1">
+            <a:hueOff val="0"/>
+            <a:satOff val="0"/>
+            <a:lumOff val="0"/>
+            <a:alphaOff val="0"/>
+          </a:schemeClr>
+        </a:solidFill>
+        <a:ln w="25400" cap="flat" cmpd="sng" algn="ctr">
+          <a:solidFill>
+            <a:schemeClr val="lt1">
+              <a:hueOff val="0"/>
+              <a:satOff val="0"/>
+              <a:lumOff val="0"/>
+              <a:alphaOff val="0"/>
+            </a:schemeClr>
+          </a:solidFill>
+          <a:prstDash val="solid"/>
+        </a:ln>
+        <a:effectLst/>
+      </dsp:spPr>
+      <dsp:style>
+        <a:lnRef idx="2">
+          <a:scrgbClr r="0" g="0" b="0"/>
+        </a:lnRef>
+        <a:fillRef idx="1">
+          <a:scrgbClr r="0" g="0" b="0"/>
+        </a:fillRef>
+        <a:effectRef idx="0">
+          <a:scrgbClr r="0" g="0" b="0"/>
+        </a:effectRef>
+        <a:fontRef idx="minor">
+          <a:schemeClr val="lt1"/>
+        </a:fontRef>
+      </dsp:style>
+      <dsp:txBody>
+        <a:bodyPr spcFirstLastPara="0" vert="horz" wrap="square" lIns="64008" tIns="21336" rIns="21336" bIns="21336" numCol="1" spcCol="1270" anchor="ctr" anchorCtr="0">
+          <a:noAutofit/>
+        </a:bodyPr>
+        <a:lstStyle/>
+        <a:p>
+          <a:pPr marL="0" lvl="0" indent="0" algn="ctr" defTabSz="711200">
+            <a:lnSpc>
+              <a:spcPct val="90000"/>
+            </a:lnSpc>
+            <a:spcBef>
+              <a:spcPct val="0"/>
+            </a:spcBef>
+            <a:spcAft>
+              <a:spcPct val="35000"/>
+            </a:spcAft>
+            <a:buNone/>
+          </a:pPr>
+          <a:r>
+            <a:rPr lang="fr-FR" sz="1600" kern="1200" dirty="0"/>
+            <a:t>S9 : </a:t>
+          </a:r>
+          <a:r>
+            <a:rPr lang="fr-FR" sz="1600" kern="1200" dirty="0">
+              <a:sym typeface="Wingdings" pitchFamily="2" charset="2"/>
+            </a:rPr>
+            <a:t>Revue littérature</a:t>
+          </a:r>
+          <a:endParaRPr lang="fr-FR" sz="1600" kern="1200" dirty="0"/>
+        </a:p>
+      </dsp:txBody>
+      <dsp:txXfrm>
+        <a:off x="2118341" y="1347152"/>
+        <a:ext cx="951397" cy="900002"/>
+      </dsp:txXfrm>
+    </dsp:sp>
+    <dsp:sp modelId="{82F6E29E-5E46-6548-8C59-4EB43362F013}">
+      <dsp:nvSpPr>
+        <dsp:cNvPr id="0" name=""/>
+        <dsp:cNvSpPr/>
+      </dsp:nvSpPr>
+      <dsp:spPr>
+        <a:xfrm>
+          <a:off x="3334600" y="1347152"/>
+          <a:ext cx="1851399" cy="900002"/>
+        </a:xfrm>
+        <a:prstGeom prst="chevron">
+          <a:avLst/>
+        </a:prstGeom>
+        <a:solidFill>
+          <a:schemeClr val="accent1">
+            <a:hueOff val="0"/>
+            <a:satOff val="0"/>
+            <a:lumOff val="0"/>
+            <a:alphaOff val="0"/>
+          </a:schemeClr>
+        </a:solidFill>
+        <a:ln w="25400" cap="flat" cmpd="sng" algn="ctr">
+          <a:solidFill>
+            <a:schemeClr val="lt1">
+              <a:hueOff val="0"/>
+              <a:satOff val="0"/>
+              <a:lumOff val="0"/>
+              <a:alphaOff val="0"/>
+            </a:schemeClr>
+          </a:solidFill>
+          <a:prstDash val="solid"/>
+        </a:ln>
+        <a:effectLst/>
+      </dsp:spPr>
+      <dsp:style>
+        <a:lnRef idx="2">
+          <a:scrgbClr r="0" g="0" b="0"/>
+        </a:lnRef>
+        <a:fillRef idx="1">
+          <a:scrgbClr r="0" g="0" b="0"/>
+        </a:fillRef>
+        <a:effectRef idx="0">
+          <a:scrgbClr r="0" g="0" b="0"/>
+        </a:effectRef>
+        <a:fontRef idx="minor">
+          <a:schemeClr val="lt1"/>
+        </a:fontRef>
+      </dsp:style>
+      <dsp:txBody>
+        <a:bodyPr spcFirstLastPara="0" vert="horz" wrap="square" lIns="64008" tIns="21336" rIns="21336" bIns="21336" numCol="1" spcCol="1270" anchor="ctr" anchorCtr="0">
+          <a:noAutofit/>
+        </a:bodyPr>
+        <a:lstStyle/>
+        <a:p>
+          <a:pPr marL="0" lvl="0" indent="0" algn="ctr" defTabSz="711200">
+            <a:lnSpc>
+              <a:spcPct val="90000"/>
+            </a:lnSpc>
+            <a:spcBef>
+              <a:spcPct val="0"/>
+            </a:spcBef>
+            <a:spcAft>
+              <a:spcPct val="35000"/>
+            </a:spcAft>
+            <a:buNone/>
+          </a:pPr>
+          <a:r>
+            <a:rPr lang="fr-FR" sz="1600" kern="1200" dirty="0"/>
+            <a:t>S10 : </a:t>
+          </a:r>
+          <a:r>
+            <a:rPr lang="fr-FR" sz="1600" kern="1200" dirty="0">
+              <a:sym typeface="Wingdings" pitchFamily="2" charset="2"/>
+            </a:rPr>
+            <a:t>sélection du modèle</a:t>
+          </a:r>
+          <a:endParaRPr lang="fr-FR" sz="1600" kern="1200" dirty="0"/>
+        </a:p>
+      </dsp:txBody>
+      <dsp:txXfrm>
+        <a:off x="3784601" y="1347152"/>
+        <a:ext cx="951397" cy="900002"/>
+      </dsp:txXfrm>
+    </dsp:sp>
+    <dsp:sp modelId="{57110196-DBE0-CC4A-9F22-6C241D52BC95}">
+      <dsp:nvSpPr>
+        <dsp:cNvPr id="0" name=""/>
+        <dsp:cNvSpPr/>
+      </dsp:nvSpPr>
+      <dsp:spPr>
+        <a:xfrm>
+          <a:off x="5000859" y="1347152"/>
+          <a:ext cx="1851399" cy="900002"/>
+        </a:xfrm>
+        <a:prstGeom prst="chevron">
+          <a:avLst/>
+        </a:prstGeom>
+        <a:solidFill>
+          <a:schemeClr val="accent1">
+            <a:hueOff val="0"/>
+            <a:satOff val="0"/>
+            <a:lumOff val="0"/>
+            <a:alphaOff val="0"/>
+          </a:schemeClr>
+        </a:solidFill>
+        <a:ln w="25400" cap="flat" cmpd="sng" algn="ctr">
+          <a:solidFill>
+            <a:schemeClr val="lt1">
+              <a:hueOff val="0"/>
+              <a:satOff val="0"/>
+              <a:lumOff val="0"/>
+              <a:alphaOff val="0"/>
+            </a:schemeClr>
+          </a:solidFill>
+          <a:prstDash val="solid"/>
+        </a:ln>
+        <a:effectLst/>
+      </dsp:spPr>
+      <dsp:style>
+        <a:lnRef idx="2">
+          <a:scrgbClr r="0" g="0" b="0"/>
+        </a:lnRef>
+        <a:fillRef idx="1">
+          <a:scrgbClr r="0" g="0" b="0"/>
+        </a:fillRef>
+        <a:effectRef idx="0">
+          <a:scrgbClr r="0" g="0" b="0"/>
+        </a:effectRef>
+        <a:fontRef idx="minor">
+          <a:schemeClr val="lt1"/>
+        </a:fontRef>
+      </dsp:style>
+      <dsp:txBody>
+        <a:bodyPr spcFirstLastPara="0" vert="horz" wrap="square" lIns="64008" tIns="21336" rIns="21336" bIns="21336" numCol="1" spcCol="1270" anchor="ctr" anchorCtr="0">
+          <a:noAutofit/>
+        </a:bodyPr>
+        <a:lstStyle/>
+        <a:p>
+          <a:pPr marL="0" lvl="0" indent="0" algn="ctr" defTabSz="711200">
+            <a:lnSpc>
+              <a:spcPct val="90000"/>
+            </a:lnSpc>
+            <a:spcBef>
+              <a:spcPct val="0"/>
+            </a:spcBef>
+            <a:spcAft>
+              <a:spcPct val="35000"/>
+            </a:spcAft>
+            <a:buNone/>
+          </a:pPr>
+          <a:r>
+            <a:rPr lang="fr-FR" sz="1600" kern="1200" dirty="0"/>
+            <a:t>S12 : Développement du code</a:t>
+          </a:r>
+        </a:p>
+      </dsp:txBody>
+      <dsp:txXfrm>
+        <a:off x="5450860" y="1347152"/>
+        <a:ext cx="951397" cy="900002"/>
+      </dsp:txXfrm>
+    </dsp:sp>
+    <dsp:sp modelId="{C6775ADA-F5C1-FC45-8EAB-7279B450D49B}">
+      <dsp:nvSpPr>
+        <dsp:cNvPr id="0" name=""/>
+        <dsp:cNvSpPr/>
+      </dsp:nvSpPr>
+      <dsp:spPr>
+        <a:xfrm>
+          <a:off x="6667119" y="1347152"/>
+          <a:ext cx="1851399" cy="900002"/>
+        </a:xfrm>
+        <a:prstGeom prst="chevron">
+          <a:avLst/>
+        </a:prstGeom>
+        <a:solidFill>
+          <a:schemeClr val="accent1">
+            <a:hueOff val="0"/>
+            <a:satOff val="0"/>
+            <a:lumOff val="0"/>
+            <a:alphaOff val="0"/>
+          </a:schemeClr>
+        </a:solidFill>
+        <a:ln w="25400" cap="flat" cmpd="sng" algn="ctr">
+          <a:solidFill>
+            <a:schemeClr val="lt1">
+              <a:hueOff val="0"/>
+              <a:satOff val="0"/>
+              <a:lumOff val="0"/>
+              <a:alphaOff val="0"/>
+            </a:schemeClr>
+          </a:solidFill>
+          <a:prstDash val="solid"/>
+        </a:ln>
+        <a:effectLst/>
+      </dsp:spPr>
+      <dsp:style>
+        <a:lnRef idx="2">
+          <a:scrgbClr r="0" g="0" b="0"/>
+        </a:lnRef>
+        <a:fillRef idx="1">
+          <a:scrgbClr r="0" g="0" b="0"/>
+        </a:fillRef>
+        <a:effectRef idx="0">
+          <a:scrgbClr r="0" g="0" b="0"/>
+        </a:effectRef>
+        <a:fontRef idx="minor">
+          <a:schemeClr val="lt1"/>
+        </a:fontRef>
+      </dsp:style>
+      <dsp:txBody>
+        <a:bodyPr spcFirstLastPara="0" vert="horz" wrap="square" lIns="64008" tIns="21336" rIns="21336" bIns="21336" numCol="1" spcCol="1270" anchor="ctr" anchorCtr="0">
+          <a:noAutofit/>
+        </a:bodyPr>
+        <a:lstStyle/>
+        <a:p>
+          <a:pPr marL="0" lvl="0" indent="0" algn="ctr" defTabSz="711200">
+            <a:lnSpc>
+              <a:spcPct val="90000"/>
+            </a:lnSpc>
+            <a:spcBef>
+              <a:spcPct val="0"/>
+            </a:spcBef>
+            <a:spcAft>
+              <a:spcPct val="35000"/>
+            </a:spcAft>
+            <a:buNone/>
+          </a:pPr>
+          <a:r>
+            <a:rPr lang="fr-FR" sz="1600" kern="1200" dirty="0"/>
+            <a:t>S13 : Optimisation</a:t>
+          </a:r>
+        </a:p>
+      </dsp:txBody>
+      <dsp:txXfrm>
+        <a:off x="7117120" y="1347152"/>
+        <a:ext cx="951397" cy="900002"/>
+      </dsp:txXfrm>
+    </dsp:sp>
+  </dsp:spTree>
+</dsp:drawing>
+</file>
+
+<file path=ppt/diagrams/layout1.xml><?xml version="1.0" encoding="utf-8"?>
+<dgm:layoutDef xmlns:dgm="http://schemas.openxmlformats.org/drawingml/2006/diagram" xmlns:a="http://schemas.openxmlformats.org/drawingml/2006/main" uniqueId="urn:microsoft.com/office/officeart/2005/8/layout/chevron1">
+  <dgm:title val=""/>
+  <dgm:desc val=""/>
+  <dgm:catLst>
+    <dgm:cat type="process" pri="9000"/>
+  </dgm:catLst>
+  <dgm:sampData useDef="1">
+    <dgm:dataModel>
+      <dgm:ptLst/>
+      <dgm:bg/>
+      <dgm:whole/>
+    </dgm:dataModel>
+  </dgm:sampData>
+  <dgm:styleData>
+    <dgm:dataModel>
+      <dgm:ptLst>
+        <dgm:pt modelId="0" type="doc"/>
+        <dgm:pt modelId="1"/>
+        <dgm:pt modelId="2"/>
+      </dgm:ptLst>
+      <dgm:cxnLst>
+        <dgm:cxn modelId="3" srcId="0" destId="1" srcOrd="0" destOrd="0"/>
+        <dgm:cxn modelId="4" srcId="0" destId="2" srcOrd="1" destOrd="0"/>
+      </dgm:cxnLst>
+      <dgm:bg/>
+      <dgm:whole/>
+    </dgm:dataModel>
+  </dgm:styleData>
+  <dgm:clrData>
+    <dgm:dataModel>
+      <dgm:ptLst>
+        <dgm:pt modelId="0" type="doc"/>
+        <dgm:pt modelId="1"/>
+        <dgm:pt modelId="2"/>
+        <dgm:pt modelId="3"/>
+        <dgm:pt modelId="4"/>
+      </dgm:ptLst>
+      <dgm:cxnLst>
+        <dgm:cxn modelId="5" srcId="0" destId="1" srcOrd="0" destOrd="0"/>
+        <dgm:cxn modelId="6" srcId="0" destId="2" srcOrd="1" destOrd="0"/>
+        <dgm:cxn modelId="7" srcId="0" destId="3" srcOrd="2" destOrd="0"/>
+        <dgm:cxn modelId="8" srcId="0" destId="4" srcOrd="3" destOrd="0"/>
+      </dgm:cxnLst>
+      <dgm:bg/>
+      <dgm:whole/>
+    </dgm:dataModel>
+  </dgm:clrData>
+  <dgm:layoutNode name="Name0">
+    <dgm:varLst>
+      <dgm:dir/>
+      <dgm:animLvl val="lvl"/>
+      <dgm:resizeHandles val="exact"/>
+    </dgm:varLst>
+    <dgm:choose name="Name1">
+      <dgm:if name="Name2" func="var" arg="dir" op="equ" val="norm">
+        <dgm:alg type="lin"/>
+      </dgm:if>
+      <dgm:else name="Name3">
+        <dgm:alg type="lin">
+          <dgm:param type="linDir" val="fromR"/>
+        </dgm:alg>
+      </dgm:else>
+    </dgm:choose>
+    <dgm:shape xmlns:r="http://schemas.openxmlformats.org/officeDocument/2006/relationships" r:blip="">
+      <dgm:adjLst/>
+    </dgm:shape>
+    <dgm:presOf/>
+    <dgm:choose name="Name4">
+      <dgm:if name="Name5" axis="des" func="maxDepth" op="gte" val="2">
+        <dgm:constrLst>
+          <dgm:constr type="h" for="ch" forName="composite" refType="h"/>
+          <dgm:constr type="w" for="ch" forName="composite" refType="w"/>
+          <dgm:constr type="w" for="des" forName="parTx"/>
+          <dgm:constr type="h" for="des" forName="parTx" op="equ"/>
+          <dgm:constr type="w" for="des" forName="desTx"/>
+          <dgm:constr type="h" for="des" forName="desTx" op="equ"/>
+          <dgm:constr type="primFontSz" for="des" forName="parTx" val="65"/>
+          <dgm:constr type="secFontSz" for="des" forName="desTx" refType="primFontSz" refFor="des" refForName="parTx" op="equ"/>
+          <dgm:constr type="h" for="des" forName="parTx" refType="primFontSz" refFor="des" refForName="parTx" fact="1.5"/>
+          <dgm:constr type="h" for="des" forName="desTx" refType="primFontSz" refFor="des" refForName="parTx" fact="0.5"/>
+          <dgm:constr type="w" for="ch" forName="space" op="equ" val="-6"/>
+        </dgm:constrLst>
+        <dgm:ruleLst>
+          <dgm:rule type="w" for="ch" forName="composite" val="0" fact="NaN" max="NaN"/>
+          <dgm:rule type="primFontSz" for="des" forName="parTx" val="5" fact="NaN" max="NaN"/>
+        </dgm:ruleLst>
+        <dgm:forEach name="Name6" axis="ch" ptType="node">
+          <dgm:layoutNode name="composite">
+            <dgm:alg type="composite"/>
+            <dgm:shape xmlns:r="http://schemas.openxmlformats.org/officeDocument/2006/relationships" r:blip="">
+              <dgm:adjLst/>
+            </dgm:shape>
+            <dgm:presOf/>
+            <dgm:choose name="Name7">
+              <dgm:if name="Name8" func="var" arg="dir" op="equ" val="norm">
+                <dgm:constrLst>
+                  <dgm:constr type="l" for="ch" forName="parTx"/>
+                  <dgm:constr type="w" for="ch" forName="parTx" refType="w"/>
+                  <dgm:constr type="t" for="ch" forName="parTx"/>
+                  <dgm:constr type="l" for="ch" forName="desTx"/>
+                  <dgm:constr type="w" for="ch" forName="desTx" refType="w" refFor="ch" refForName="parTx" fact="0.8"/>
+                  <dgm:constr type="t" for="ch" forName="desTx" refType="h" refFor="ch" refForName="parTx" fact="1.125"/>
+                </dgm:constrLst>
+              </dgm:if>
+              <dgm:else name="Name9">
+                <dgm:constrLst>
+                  <dgm:constr type="l" for="ch" forName="parTx"/>
+                  <dgm:constr type="w" for="ch" forName="parTx" refType="w"/>
+                  <dgm:constr type="t" for="ch" forName="parTx"/>
+                  <dgm:constr type="l" for="ch" forName="desTx" refType="w" fact="0.2"/>
+                  <dgm:constr type="w" for="ch" forName="desTx" refType="w" refFor="ch" refForName="parTx" fact="0.8"/>
+                  <dgm:constr type="t" for="ch" forName="desTx" refType="h" refFor="ch" refForName="parTx" fact="1.125"/>
+                </dgm:constrLst>
+              </dgm:else>
+            </dgm:choose>
+            <dgm:ruleLst>
+              <dgm:rule type="h" val="INF" fact="NaN" max="NaN"/>
+            </dgm:ruleLst>
+            <dgm:layoutNode name="parTx">
+              <dgm:varLst>
+                <dgm:chMax val="0"/>
+                <dgm:chPref val="0"/>
+                <dgm:bulletEnabled val="1"/>
+              </dgm:varLst>
+              <dgm:alg type="tx"/>
+              <dgm:choose name="Name10">
+                <dgm:if name="Name11" func="var" arg="dir" op="equ" val="norm">
+                  <dgm:shape xmlns:r="http://schemas.openxmlformats.org/officeDocument/2006/relationships" type="chevron" r:blip="">
+                    <dgm:adjLst/>
+                  </dgm:shape>
+                </dgm:if>
+                <dgm:else name="Name12">
+                  <dgm:shape xmlns:r="http://schemas.openxmlformats.org/officeDocument/2006/relationships" rot="180" type="chevron" r:blip="">
+                    <dgm:adjLst/>
+                  </dgm:shape>
+                </dgm:else>
+              </dgm:choose>
+              <dgm:presOf axis="self" ptType="node"/>
+              <dgm:choose name="Name13">
+                <dgm:if name="Name14" func="var" arg="dir" op="equ" val="norm">
+                  <dgm:constrLst>
+                    <dgm:constr type="h" refType="w" op="lte" fact="0.4"/>
+                    <dgm:constr type="h"/>
+                    <dgm:constr type="tMarg" refType="primFontSz" fact="0.105"/>
+                    <dgm:constr type="bMarg" refType="primFontSz" fact="0.105"/>
+                    <dgm:constr type="lMarg" refType="primFontSz" fact="0.315"/>
+                    <dgm:constr type="rMarg" refType="primFontSz" fact="0.105"/>
+                  </dgm:constrLst>
+                </dgm:if>
+                <dgm:else name="Name15">
+                  <dgm:constrLst>
+                    <dgm:constr type="h" refType="w" op="lte" fact="0.4"/>
+                    <dgm:constr type="h"/>
+                    <dgm:constr type="tMarg" refType="primFontSz" fact="0.105"/>
+                    <dgm:constr type="bMarg" refType="primFontSz" fact="0.105"/>
+                    <dgm:constr type="lMarg" refType="primFontSz" fact="0.105"/>
+                    <dgm:constr type="rMarg" refType="primFontSz" fact="0.315"/>
+                  </dgm:constrLst>
+                </dgm:else>
+              </dgm:choose>
+              <dgm:ruleLst>
+                <dgm:rule type="h" val="INF" fact="NaN" max="NaN"/>
+              </dgm:ruleLst>
+            </dgm:layoutNode>
+            <dgm:layoutNode name="desTx" styleLbl="revTx">
+              <dgm:varLst>
+                <dgm:bulletEnabled val="1"/>
+              </dgm:varLst>
+              <dgm:alg type="tx">
+                <dgm:param type="stBulletLvl" val="1"/>
+              </dgm:alg>
+              <dgm:choose name="Name16">
+                <dgm:if name="Name17" axis="ch" ptType="node" func="cnt" op="gte" val="1">
+                  <dgm:shape xmlns:r="http://schemas.openxmlformats.org/officeDocument/2006/relationships" type="rect" r:blip="">
+                    <dgm:adjLst/>
+                  </dgm:shape>
+                </dgm:if>
+                <dgm:else name="Name18">
+                  <dgm:shape xmlns:r="http://schemas.openxmlformats.org/officeDocument/2006/relationships" type="rect" r:blip="" hideGeom="1">
+                    <dgm:adjLst/>
+                  </dgm:shape>
+                </dgm:else>
+              </dgm:choose>
+              <dgm:presOf axis="des" ptType="node"/>
+              <dgm:constrLst>
+                <dgm:constr type="secFontSz" val="65"/>
+                <dgm:constr type="primFontSz" refType="secFontSz"/>
+                <dgm:constr type="h"/>
+                <dgm:constr type="tMarg"/>
+                <dgm:constr type="bMarg"/>
+                <dgm:constr type="rMarg"/>
+                <dgm:constr type="lMarg"/>
+              </dgm:constrLst>
+              <dgm:ruleLst>
+                <dgm:rule type="h" val="INF" fact="NaN" max="NaN"/>
+              </dgm:ruleLst>
+            </dgm:layoutNode>
+          </dgm:layoutNode>
+          <dgm:forEach name="Name19" axis="followSib" ptType="sibTrans" cnt="1">
+            <dgm:layoutNode name="space">
+              <dgm:alg type="sp"/>
+              <dgm:shape xmlns:r="http://schemas.openxmlformats.org/officeDocument/2006/relationships" r:blip="">
+                <dgm:adjLst/>
+              </dgm:shape>
+              <dgm:presOf/>
+              <dgm:constrLst/>
+              <dgm:ruleLst/>
+            </dgm:layoutNode>
+          </dgm:forEach>
+        </dgm:forEach>
+      </dgm:if>
+      <dgm:else name="Name20">
+        <dgm:constrLst>
+          <dgm:constr type="w" for="ch" forName="parTxOnly" refType="w"/>
+          <dgm:constr type="h" for="des" forName="parTxOnly" op="equ"/>
+          <dgm:constr type="primFontSz" for="des" forName="parTxOnly" op="equ" val="65"/>
+          <dgm:constr type="w" for="ch" forName="parTxOnlySpace" refType="w" refFor="ch" refForName="parTxOnly" fact="-0.1"/>
+        </dgm:constrLst>
+        <dgm:ruleLst/>
+        <dgm:forEach name="Name21" axis="ch" ptType="node">
+          <dgm:layoutNode name="parTxOnly">
+            <dgm:varLst>
+              <dgm:chMax val="0"/>
+              <dgm:chPref val="0"/>
+              <dgm:bulletEnabled val="1"/>
+            </dgm:varLst>
+            <dgm:alg type="tx"/>
+            <dgm:choose name="Name22">
+              <dgm:if name="Name23" func="var" arg="dir" op="equ" val="norm">
+                <dgm:shape xmlns:r="http://schemas.openxmlformats.org/officeDocument/2006/relationships" type="chevron" r:blip="">
+                  <dgm:adjLst/>
+                </dgm:shape>
+              </dgm:if>
+              <dgm:else name="Name24">
+                <dgm:shape xmlns:r="http://schemas.openxmlformats.org/officeDocument/2006/relationships" rot="180" type="chevron" r:blip="">
+                  <dgm:adjLst/>
+                </dgm:shape>
+              </dgm:else>
+            </dgm:choose>
+            <dgm:presOf axis="self" ptType="node"/>
+            <dgm:choose name="Name25">
+              <dgm:if name="Name26" func="var" arg="dir" op="equ" val="norm">
+                <dgm:constrLst>
+                  <dgm:constr type="h" refType="w" op="equ" fact="0.4"/>
+                  <dgm:constr type="tMarg" refType="primFontSz" fact="0.105"/>
+                  <dgm:constr type="bMarg" refType="primFontSz" fact="0.105"/>
+                  <dgm:constr type="lMarg" refType="primFontSz" fact="0.315"/>
+                  <dgm:constr type="rMarg" refType="primFontSz" fact="0.105"/>
+                </dgm:constrLst>
+              </dgm:if>
+              <dgm:else name="Name27">
+                <dgm:constrLst>
+                  <dgm:constr type="h" refType="w" op="equ" fact="0.4"/>
+                  <dgm:constr type="tMarg" refType="primFontSz" fact="0.105"/>
+                  <dgm:constr type="bMarg" refType="primFontSz" fact="0.105"/>
+                  <dgm:constr type="lMarg" refType="primFontSz" fact="0.105"/>
+                  <dgm:constr type="rMarg" refType="primFontSz" fact="0.315"/>
+                </dgm:constrLst>
+              </dgm:else>
+            </dgm:choose>
+            <dgm:ruleLst>
+              <dgm:rule type="primFontSz" val="5" fact="NaN" max="NaN"/>
+            </dgm:ruleLst>
+          </dgm:layoutNode>
+          <dgm:forEach name="Name28" axis="followSib" ptType="sibTrans" cnt="1">
+            <dgm:layoutNode name="parTxOnlySpace">
+              <dgm:alg type="sp"/>
+              <dgm:shape xmlns:r="http://schemas.openxmlformats.org/officeDocument/2006/relationships" r:blip="">
+                <dgm:adjLst/>
+              </dgm:shape>
+              <dgm:presOf/>
+              <dgm:constrLst/>
+              <dgm:ruleLst/>
+            </dgm:layoutNode>
+          </dgm:forEach>
+        </dgm:forEach>
+      </dgm:else>
+    </dgm:choose>
+  </dgm:layoutNode>
+</dgm:layoutDef>
+</file>
+
+<file path=ppt/diagrams/quickStyle1.xml><?xml version="1.0" encoding="utf-8"?>
+<dgm:styleDef xmlns:dgm="http://schemas.openxmlformats.org/drawingml/2006/diagram" xmlns:a="http://schemas.openxmlformats.org/drawingml/2006/main" uniqueId="urn:microsoft.com/office/officeart/2005/8/quickstyle/simple1">
+  <dgm:title val=""/>
+  <dgm:desc val=""/>
+  <dgm:catLst>
+    <dgm:cat type="simple" pri="10100"/>
+  </dgm:catLst>
+  <dgm:scene3d>
+    <a:camera prst="orthographicFront"/>
+    <a:lightRig rig="threePt" dir="t"/>
+  </dgm:scene3d>
+  <dgm:styleLbl name="node0">
+    <dgm:scene3d>
+      <a:camera prst="orthographicFront"/>
+      <a:lightRig rig="threePt" dir="t"/>
+    </dgm:scene3d>
+    <dgm:sp3d/>
+    <dgm:txPr/>
+    <dgm:style>
+      <a:lnRef idx="2">
+        <a:scrgbClr r="0" g="0" b="0"/>
+      </a:lnRef>
+      <a:fillRef idx="1">
+        <a:scrgbClr r="0" g="0" b="0"/>
+      </a:fillRef>
+      <a:effectRef idx="0">
+        <a:scrgbClr r="0" g="0" b="0"/>
+      </a:effectRef>
+      <a:fontRef idx="minor">
+        <a:schemeClr val="lt1"/>
+      </a:fontRef>
+    </dgm:style>
+  </dgm:styleLbl>
+  <dgm:styleLbl name="lnNode1">
+    <dgm:scene3d>
+      <a:camera prst="orthographicFront"/>
+      <a:lightRig rig="threePt" dir="t"/>
+    </dgm:scene3d>
+    <dgm:sp3d/>
+    <dgm:txPr/>
+    <dgm:style>
+      <a:lnRef idx="2">
+        <a:scrgbClr r="0" g="0" b="0"/>
+      </a:lnRef>
+      <a:fillRef idx="1">
+        <a:scrgbClr r="0" g="0" b="0"/>
+      </a:fillRef>
+      <a:effectRef idx="0">
+        <a:scrgbClr r="0" g="0" b="0"/>
+      </a:effectRef>
+      <a:fontRef idx="minor">
+        <a:schemeClr val="lt1"/>
+      </a:fontRef>
+    </dgm:style>
+  </dgm:styleLbl>
+  <dgm:styleLbl name="vennNode1">
+    <dgm:scene3d>
+      <a:camera prst="orthographicFront"/>
+      <a:lightRig rig="threePt" dir="t"/>
+    </dgm:scene3d>
+    <dgm:sp3d/>
+    <dgm:txPr/>
+    <dgm:style>
+      <a:lnRef idx="2">
+        <a:scrgbClr r="0" g="0" b="0"/>
+      </a:lnRef>
+      <a:fillRef idx="1">
+        <a:scrgbClr r="0" g="0" b="0"/>
+      </a:fillRef>
+      <a:effectRef idx="0">
+        <a:scrgbClr r="0" g="0" b="0"/>
+      </a:effectRef>
+      <a:fontRef idx="minor">
+        <a:schemeClr val="tx1"/>
+      </a:fontRef>
+    </dgm:style>
+  </dgm:styleLbl>
+  <dgm:styleLbl name="alignNode1">
+    <dgm:scene3d>
+      <a:camera prst="orthographicFront"/>
+      <a:lightRig rig="threePt" dir="t"/>
+    </dgm:scene3d>
+    <dgm:sp3d/>
+    <dgm:txPr/>
+    <dgm:style>
+      <a:lnRef idx="2">
+        <a:scrgbClr r="0" g="0" b="0"/>
+      </a:lnRef>
+      <a:fillRef idx="1">
+        <a:scrgbClr r="0" g="0" b="0"/>
+      </a:fillRef>
+      <a:effectRef idx="0">
+        <a:scrgbClr r="0" g="0" b="0"/>
+      </a:effectRef>
+      <a:fontRef idx="minor">
+        <a:schemeClr val="lt1"/>
+      </a:fontRef>
+    </dgm:style>
+  </dgm:styleLbl>
+  <dgm:styleLbl name="node1">
+    <dgm:scene3d>
+      <a:camera prst="orthographicFront"/>
+      <a:lightRig rig="threePt" dir="t"/>
+    </dgm:scene3d>
+    <dgm:sp3d/>
+    <dgm:txPr/>
+    <dgm:style>
+      <a:lnRef idx="2">
+        <a:scrgbClr r="0" g="0" b="0"/>
+      </a:lnRef>
+      <a:fillRef idx="1">
+        <a:scrgbClr r="0" g="0" b="0"/>
+      </a:fillRef>
+      <a:effectRef idx="0">
+        <a:scrgbClr r="0" g="0" b="0"/>
+      </a:effectRef>
+      <a:fontRef idx="minor">
+        <a:schemeClr val="lt1"/>
+      </a:fontRef>
+    </dgm:style>
+  </dgm:styleLbl>
+  <dgm:styleLbl name="node2">
+    <dgm:scene3d>
+      <a:camera prst="orthographicFront"/>
+      <a:lightRig rig="threePt" dir="t"/>
+    </dgm:scene3d>
+    <dgm:sp3d/>
+    <dgm:txPr/>
+    <dgm:style>
+      <a:lnRef idx="2">
+        <a:scrgbClr r="0" g="0" b="0"/>
+      </a:lnRef>
+      <a:fillRef idx="1">
+        <a:scrgbClr r="0" g="0" b="0"/>
+      </a:fillRef>
+      <a:effectRef idx="0">
+        <a:scrgbClr r="0" g="0" b="0"/>
+      </a:effectRef>
+      <a:fontRef idx="minor">
+        <a:schemeClr val="lt1"/>
+      </a:fontRef>
+    </dgm:style>
+  </dgm:styleLbl>
+  <dgm:styleLbl name="node3">
+    <dgm:scene3d>
+      <a:camera prst="orthographicFront"/>
+      <a:lightRig rig="threePt" dir="t"/>
+    </dgm:scene3d>
+    <dgm:sp3d/>
+    <dgm:txPr/>
+    <dgm:style>
+      <a:lnRef idx="2">
+        <a:scrgbClr r="0" g="0" b="0"/>
+      </a:lnRef>
+      <a:fillRef idx="1">
+        <a:scrgbClr r="0" g="0" b="0"/>
+      </a:fillRef>
+      <a:effectRef idx="0">
+        <a:scrgbClr r="0" g="0" b="0"/>
+      </a:effectRef>
+      <a:fontRef idx="minor">
+        <a:schemeClr val="lt1"/>
+      </a:fontRef>
+    </dgm:style>
+  </dgm:styleLbl>
+  <dgm:styleLbl name="node4">
+    <dgm:scene3d>
+      <a:camera prst="orthographicFront"/>
+      <a:lightRig rig="threePt" dir="t"/>
+    </dgm:scene3d>
+    <dgm:sp3d/>
+    <dgm:txPr/>
+    <dgm:style>
+      <a:lnRef idx="2">
+        <a:scrgbClr r="0" g="0" b="0"/>
+      </a:lnRef>
+      <a:fillRef idx="1">
+        <a:scrgbClr r="0" g="0" b="0"/>
+      </a:fillRef>
+      <a:effectRef idx="0">
+        <a:scrgbClr r="0" g="0" b="0"/>
+      </a:effectRef>
+      <a:fontRef idx="minor">
+        <a:schemeClr val="lt1"/>
+      </a:fontRef>
+    </dgm:style>
+  </dgm:styleLbl>
+  <dgm:styleLbl name="fgImgPlace1">
+    <dgm:scene3d>
+      <a:camera prst="orthographicFront"/>
+      <a:lightRig rig="threePt" dir="t"/>
+    </dgm:scene3d>
+    <dgm:sp3d/>
+    <dgm:txPr/>
+    <dgm:style>
+      <a:lnRef idx="2">
+        <a:scrgbClr r="0" g="0" b="0"/>
+      </a:lnRef>
+      <a:fillRef idx="1">
+        <a:scrgbClr r="0" g="0" b="0"/>
+      </a:fillRef>
+      <a:effectRef idx="0">
+        <a:scrgbClr r="0" g="0" b="0"/>
+      </a:effectRef>
+      <a:fontRef idx="minor"/>
+    </dgm:style>
+  </dgm:styleLbl>
+  <dgm:styleLbl name="alignImgPlace1">
+    <dgm:scene3d>
+      <a:camera prst="orthographicFront"/>
+      <a:lightRig rig="threePt" dir="t"/>
+    </dgm:scene3d>
+    <dgm:sp3d/>
+    <dgm:txPr/>
+    <dgm:style>
+      <a:lnRef idx="2">
+        <a:scrgbClr r="0" g="0" b="0"/>
+      </a:lnRef>
+      <a:fillRef idx="1">
+        <a:scrgbClr r="0" g="0" b="0"/>
+      </a:fillRef>
+      <a:effectRef idx="0">
+        <a:scrgbClr r="0" g="0" b="0"/>
+      </a:effectRef>
+      <a:fontRef idx="minor"/>
+    </dgm:style>
+  </dgm:styleLbl>
+  <dgm:styleLbl name="bgImgPlace1">
+    <dgm:scene3d>
+      <a:camera prst="orthographicFront"/>
+      <a:lightRig rig="threePt" dir="t"/>
+    </dgm:scene3d>
+    <dgm:sp3d/>
+    <dgm:txPr/>
+    <dgm:style>
+      <a:lnRef idx="2">
+        <a:scrgbClr r="0" g="0" b="0"/>
+      </a:lnRef>
+      <a:fillRef idx="1">
+        <a:scrgbClr r="0" g="0" b="0"/>
+      </a:fillRef>
+      <a:effectRef idx="0">
+        <a:scrgbClr r="0" g="0" b="0"/>
+      </a:effectRef>
+      <a:fontRef idx="minor"/>
+    </dgm:style>
+  </dgm:styleLbl>
+  <dgm:styleLbl name="sibTrans2D1">
+    <dgm:scene3d>
+      <a:camera prst="orthographicFront"/>
+      <a:lightRig rig="threePt" dir="t"/>
+    </dgm:scene3d>
+    <dgm:sp3d/>
+    <dgm:txPr/>
+    <dgm:style>
+      <a:lnRef idx="0">
+        <a:scrgbClr r="0" g="0" b="0"/>
+      </a:lnRef>
+      <a:fillRef idx="1">
+        <a:scrgbClr r="0" g="0" b="0"/>
+      </a:fillRef>
+      <a:effectRef idx="0">
+        <a:scrgbClr r="0" g="0" b="0"/>
+      </a:effectRef>
+      <a:fontRef idx="minor">
+        <a:schemeClr val="lt1"/>
+      </a:fontRef>
+    </dgm:style>
+  </dgm:styleLbl>
+  <dgm:styleLbl name="fgSibTrans2D1">
+    <dgm:scene3d>
+      <a:camera prst="orthographicFront"/>
+      <a:lightRig rig="threePt" dir="t"/>
+    </dgm:scene3d>
+    <dgm:sp3d/>
+    <dgm:txPr/>
+    <dgm:style>
+      <a:lnRef idx="0">
+        <a:scrgbClr r="0" g="0" b="0"/>
+      </a:lnRef>
+      <a:fillRef idx="1">
+        <a:scrgbClr r="0" g="0" b="0"/>
+      </a:fillRef>
+      <a:effectRef idx="0">
+        <a:scrgbClr r="0" g="0" b="0"/>
+      </a:effectRef>
+      <a:fontRef idx="minor">
+        <a:schemeClr val="lt1"/>
+      </a:fontRef>
+    </dgm:style>
+  </dgm:styleLbl>
+  <dgm:styleLbl name="bgSibTrans2D1">
+    <dgm:scene3d>
+      <a:camera prst="orthographicFront"/>
+      <a:lightRig rig="threePt" dir="t"/>
+    </dgm:scene3d>
+    <dgm:sp3d/>
+    <dgm:txPr/>
+    <dgm:style>
+      <a:lnRef idx="0">
+        <a:scrgbClr r="0" g="0" b="0"/>
+      </a:lnRef>
+      <a:fillRef idx="1">
+        <a:scrgbClr r="0" g="0" b="0"/>
+      </a:fillRef>
+      <a:effectRef idx="0">
+        <a:scrgbClr r="0" g="0" b="0"/>
+      </a:effectRef>
+      <a:fontRef idx="minor">
+        <a:schemeClr val="lt1"/>
+      </a:fontRef>
+    </dgm:style>
+  </dgm:styleLbl>
+  <dgm:styleLbl name="sibTrans1D1">
+    <dgm:scene3d>
+      <a:camera prst="orthographicFront"/>
+      <a:lightRig rig="threePt" dir="t"/>
+    </dgm:scene3d>
+    <dgm:sp3d/>
+    <dgm:txPr/>
+    <dgm:style>
+      <a:lnRef idx="1">
+        <a:scrgbClr r="0" g="0" b="0"/>
+      </a:lnRef>
+      <a:fillRef idx="0">
+        <a:scrgbClr r="0" g="0" b="0"/>
+      </a:fillRef>
+      <a:effectRef idx="0">
+        <a:scrgbClr r="0" g="0" b="0"/>
+      </a:effectRef>
+      <a:fontRef idx="minor"/>
+    </dgm:style>
+  </dgm:styleLbl>
+  <dgm:styleLbl name="callout">
+    <dgm:scene3d>
+      <a:camera prst="orthographicFront"/>
+      <a:lightRig rig="threePt" dir="t"/>
+    </dgm:scene3d>
+    <dgm:sp3d/>
+    <dgm:txPr/>
+    <dgm:style>
+      <a:lnRef idx="2">
+        <a:scrgbClr r="0" g="0" b="0"/>
+      </a:lnRef>
+      <a:fillRef idx="1">
+        <a:scrgbClr r="0" g="0" b="0"/>
+      </a:fillRef>
+      <a:effectRef idx="0">
+        <a:scrgbClr r="0" g="0" b="0"/>
+      </a:effectRef>
+      <a:fontRef idx="minor"/>
+    </dgm:style>
+  </dgm:styleLbl>
+  <dgm:styleLbl name="asst0">
+    <dgm:scene3d>
+      <a:camera prst="orthographicFront"/>
+      <a:lightRig rig="threePt" dir="t"/>
+    </dgm:scene3d>
+    <dgm:sp3d/>
+    <dgm:txPr/>
+    <dgm:style>
+      <a:lnRef idx="2">
+        <a:scrgbClr r="0" g="0" b="0"/>
+      </a:lnRef>
+      <a:fillRef idx="1">
+        <a:scrgbClr r="0" g="0" b="0"/>
+      </a:fillRef>
+      <a:effectRef idx="0">
+        <a:scrgbClr r="0" g="0" b="0"/>
+      </a:effectRef>
+      <a:fontRef idx="minor">
+        <a:schemeClr val="lt1"/>
+      </a:fontRef>
+    </dgm:style>
+  </dgm:styleLbl>
+  <dgm:styleLbl name="asst1">
+    <dgm:scene3d>
+      <a:camera prst="orthographicFront"/>
+      <a:lightRig rig="threePt" dir="t"/>
+    </dgm:scene3d>
+    <dgm:sp3d/>
+    <dgm:txPr/>
+    <dgm:style>
+      <a:lnRef idx="2">
+        <a:scrgbClr r="0" g="0" b="0"/>
+      </a:lnRef>
+      <a:fillRef idx="1">
+        <a:scrgbClr r="0" g="0" b="0"/>
+      </a:fillRef>
+      <a:effectRef idx="0">
+        <a:scrgbClr r="0" g="0" b="0"/>
+      </a:effectRef>
+      <a:fontRef idx="minor">
+        <a:schemeClr val="lt1"/>
+      </a:fontRef>
+    </dgm:style>
+  </dgm:styleLbl>
+  <dgm:styleLbl name="asst2">
+    <dgm:scene3d>
+      <a:camera prst="orthographicFront"/>
+      <a:lightRig rig="threePt" dir="t"/>
+    </dgm:scene3d>
+    <dgm:sp3d/>
+    <dgm:txPr/>
+    <dgm:style>
+      <a:lnRef idx="2">
+        <a:scrgbClr r="0" g="0" b="0"/>
+      </a:lnRef>
+      <a:fillRef idx="1">
+        <a:scrgbClr r="0" g="0" b="0"/>
+      </a:fillRef>
+      <a:effectRef idx="0">
+        <a:scrgbClr r="0" g="0" b="0"/>
+      </a:effectRef>
+      <a:fontRef idx="minor">
+        <a:schemeClr val="lt1"/>
+      </a:fontRef>
+    </dgm:style>
+  </dgm:styleLbl>
+  <dgm:styleLbl name="asst3">
+    <dgm:scene3d>
+      <a:camera prst="orthographicFront"/>
+      <a:lightRig rig="threePt" dir="t"/>
+    </dgm:scene3d>
+    <dgm:sp3d/>
+    <dgm:txPr/>
+    <dgm:style>
+      <a:lnRef idx="2">
+        <a:scrgbClr r="0" g="0" b="0"/>
+      </a:lnRef>
+      <a:fillRef idx="1">
+        <a:scrgbClr r="0" g="0" b="0"/>
+      </a:fillRef>
+      <a:effectRef idx="0">
+        <a:scrgbClr r="0" g="0" b="0"/>
+      </a:effectRef>
+      <a:fontRef idx="minor">
+        <a:schemeClr val="lt1"/>
+      </a:fontRef>
+    </dgm:style>
+  </dgm:styleLbl>
+  <dgm:styleLbl name="asst4">
+    <dgm:scene3d>
+      <a:camera prst="orthographicFront"/>
+      <a:lightRig rig="threePt" dir="t"/>
+    </dgm:scene3d>
+    <dgm:sp3d/>
+    <dgm:txPr/>
+    <dgm:style>
+      <a:lnRef idx="2">
+        <a:scrgbClr r="0" g="0" b="0"/>
+      </a:lnRef>
+      <a:fillRef idx="1">
+        <a:scrgbClr r="0" g="0" b="0"/>
+      </a:fillRef>
+      <a:effectRef idx="0">
+        <a:scrgbClr r="0" g="0" b="0"/>
+      </a:effectRef>
+      <a:fontRef idx="minor">
+        <a:schemeClr val="lt1"/>
+      </a:fontRef>
+    </dgm:style>
+  </dgm:styleLbl>
+  <dgm:styleLbl name="parChTrans2D1">
+    <dgm:scene3d>
+      <a:camera prst="orthographicFront"/>
+      <a:lightRig rig="threePt" dir="t"/>
+    </dgm:scene3d>
+    <dgm:sp3d/>
+    <dgm:txPr/>
+    <dgm:style>
+      <a:lnRef idx="2">
+        <a:scrgbClr r="0" g="0" b="0"/>
+      </a:lnRef>
+      <a:fillRef idx="1">
+        <a:scrgbClr r="0" g="0" b="0"/>
+      </a:fillRef>
+      <a:effectRef idx="0">
+        <a:scrgbClr r="0" g="0" b="0"/>
+      </a:effectRef>
+      <a:fontRef idx="minor">
+        <a:schemeClr val="lt1"/>
+      </a:fontRef>
+    </dgm:style>
+  </dgm:styleLbl>
+  <dgm:styleLbl name="parChTrans2D2">
+    <dgm:scene3d>
+      <a:camera prst="orthographicFront"/>
+      <a:lightRig rig="threePt" dir="t"/>
+    </dgm:scene3d>
+    <dgm:sp3d/>
+    <dgm:txPr/>
+    <dgm:style>
+      <a:lnRef idx="2">
+        <a:scrgbClr r="0" g="0" b="0"/>
+      </a:lnRef>
+      <a:fillRef idx="1">
+        <a:scrgbClr r="0" g="0" b="0"/>
+      </a:fillRef>
+      <a:effectRef idx="0">
+        <a:scrgbClr r="0" g="0" b="0"/>
+      </a:effectRef>
+      <a:fontRef idx="minor">
+        <a:schemeClr val="lt1"/>
+      </a:fontRef>
+    </dgm:style>
+  </dgm:styleLbl>
+  <dgm:styleLbl name="parChTrans2D3">
+    <dgm:scene3d>
+      <a:camera prst="orthographicFront"/>
+      <a:lightRig rig="threePt" dir="t"/>
+    </dgm:scene3d>
+    <dgm:sp3d/>
+    <dgm:txPr/>
+    <dgm:style>
+      <a:lnRef idx="2">
+        <a:scrgbClr r="0" g="0" b="0"/>
+      </a:lnRef>
+      <a:fillRef idx="1">
+        <a:scrgbClr r="0" g="0" b="0"/>
+      </a:fillRef>
+      <a:effectRef idx="0">
+        <a:scrgbClr r="0" g="0" b="0"/>
+      </a:effectRef>
+      <a:fontRef idx="minor">
+        <a:schemeClr val="lt1"/>
+      </a:fontRef>
+    </dgm:style>
+  </dgm:styleLbl>
+  <dgm:styleLbl name="parChTrans2D4">
+    <dgm:scene3d>
+      <a:camera prst="orthographicFront"/>
+      <a:lightRig rig="threePt" dir="t"/>
+    </dgm:scene3d>
+    <dgm:sp3d/>
+    <dgm:txPr/>
+    <dgm:style>
+      <a:lnRef idx="2">
+        <a:scrgbClr r="0" g="0" b="0"/>
+      </a:lnRef>
+      <a:fillRef idx="1">
+        <a:scrgbClr r="0" g="0" b="0"/>
+      </a:fillRef>
+      <a:effectRef idx="0">
+        <a:scrgbClr r="0" g="0" b="0"/>
+      </a:effectRef>
+      <a:fontRef idx="minor">
+        <a:schemeClr val="lt1"/>
+      </a:fontRef>
+    </dgm:style>
+  </dgm:styleLbl>
+  <dgm:styleLbl name="parChTrans1D1">
+    <dgm:scene3d>
+      <a:camera prst="orthographicFront"/>
+      <a:lightRig rig="threePt" dir="t"/>
+    </dgm:scene3d>
+    <dgm:sp3d/>
+    <dgm:txPr/>
+    <dgm:style>
+      <a:lnRef idx="2">
+        <a:scrgbClr r="0" g="0" b="0"/>
+      </a:lnRef>
+      <a:fillRef idx="0">
+        <a:scrgbClr r="0" g="0" b="0"/>
+      </a:fillRef>
+      <a:effectRef idx="0">
+        <a:scrgbClr r="0" g="0" b="0"/>
+      </a:effectRef>
+      <a:fontRef idx="minor"/>
+    </dgm:style>
+  </dgm:styleLbl>
+  <dgm:styleLbl name="parChTrans1D2">
+    <dgm:scene3d>
+      <a:camera prst="orthographicFront"/>
+      <a:lightRig rig="threePt" dir="t"/>
+    </dgm:scene3d>
+    <dgm:sp3d/>
+    <dgm:txPr/>
+    <dgm:style>
+      <a:lnRef idx="2">
+        <a:scrgbClr r="0" g="0" b="0"/>
+      </a:lnRef>
+      <a:fillRef idx="0">
+        <a:scrgbClr r="0" g="0" b="0"/>
+      </a:fillRef>
+      <a:effectRef idx="0">
+        <a:scrgbClr r="0" g="0" b="0"/>
+      </a:effectRef>
+      <a:fontRef idx="minor"/>
+    </dgm:style>
+  </dgm:styleLbl>
+  <dgm:styleLbl name="parChTrans1D3">
+    <dgm:scene3d>
+      <a:camera prst="orthographicFront"/>
+      <a:lightRig rig="threePt" dir="t"/>
+    </dgm:scene3d>
+    <dgm:sp3d/>
+    <dgm:txPr/>
+    <dgm:style>
+      <a:lnRef idx="2">
+        <a:scrgbClr r="0" g="0" b="0"/>
+      </a:lnRef>
+      <a:fillRef idx="0">
+        <a:scrgbClr r="0" g="0" b="0"/>
+      </a:fillRef>
+      <a:effectRef idx="0">
+        <a:scrgbClr r="0" g="0" b="0"/>
+      </a:effectRef>
+      <a:fontRef idx="minor"/>
+    </dgm:style>
+  </dgm:styleLbl>
+  <dgm:styleLbl name="parChTrans1D4">
+    <dgm:scene3d>
+      <a:camera prst="orthographicFront"/>
+      <a:lightRig rig="threePt" dir="t"/>
+    </dgm:scene3d>
+    <dgm:sp3d/>
+    <dgm:txPr/>
+    <dgm:style>
+      <a:lnRef idx="2">
+        <a:scrgbClr r="0" g="0" b="0"/>
+      </a:lnRef>
+      <a:fillRef idx="0">
+        <a:scrgbClr r="0" g="0" b="0"/>
+      </a:fillRef>
+      <a:effectRef idx="0">
+        <a:scrgbClr r="0" g="0" b="0"/>
+      </a:effectRef>
+      <a:fontRef idx="minor"/>
+    </dgm:style>
+  </dgm:styleLbl>
+  <dgm:styleLbl name="fgAcc1">
+    <dgm:scene3d>
+      <a:camera prst="orthographicFront"/>
+      <a:lightRig rig="threePt" dir="t"/>
+    </dgm:scene3d>
+    <dgm:sp3d/>
+    <dgm:txPr/>
+    <dgm:style>
+      <a:lnRef idx="2">
+        <a:scrgbClr r="0" g="0" b="0"/>
+      </a:lnRef>
+      <a:fillRef idx="1">
+        <a:scrgbClr r="0" g="0" b="0"/>
+      </a:fillRef>
+      <a:effectRef idx="0">
+        <a:scrgbClr r="0" g="0" b="0"/>
+      </a:effectRef>
+      <a:fontRef idx="minor"/>
+    </dgm:style>
+  </dgm:styleLbl>
+  <dgm:styleLbl name="conFgAcc1">
+    <dgm:scene3d>
+      <a:camera prst="orthographicFront"/>
+      <a:lightRig rig="threePt" dir="t"/>
+    </dgm:scene3d>
+    <dgm:sp3d/>
+    <dgm:txPr/>
+    <dgm:style>
+      <a:lnRef idx="2">
+        <a:scrgbClr r="0" g="0" b="0"/>
+      </a:lnRef>
+      <a:fillRef idx="1">
+        <a:scrgbClr r="0" g="0" b="0"/>
+      </a:fillRef>
+      <a:effectRef idx="0">
+        <a:scrgbClr r="0" g="0" b="0"/>
+      </a:effectRef>
+      <a:fontRef idx="minor"/>
+    </dgm:style>
+  </dgm:styleLbl>
+  <dgm:styleLbl name="alignAcc1">
+    <dgm:scene3d>
+      <a:camera prst="orthographicFront"/>
+      <a:lightRig rig="threePt" dir="t"/>
+    </dgm:scene3d>
+    <dgm:sp3d/>
+    <dgm:txPr/>
+    <dgm:style>
+      <a:lnRef idx="2">
+        <a:scrgbClr r="0" g="0" b="0"/>
+      </a:lnRef>
+      <a:fillRef idx="1">
+        <a:scrgbClr r="0" g="0" b="0"/>
+      </a:fillRef>
+      <a:effectRef idx="0">
+        <a:scrgbClr r="0" g="0" b="0"/>
+      </a:effectRef>
+      <a:fontRef idx="minor"/>
+    </dgm:style>
+  </dgm:styleLbl>
+  <dgm:styleLbl name="trAlignAcc1">
+    <dgm:scene3d>
+      <a:camera prst="orthographicFront"/>
+      <a:lightRig rig="threePt" dir="t"/>
+    </dgm:scene3d>
+    <dgm:sp3d/>
+    <dgm:txPr/>
+    <dgm:style>
+      <a:lnRef idx="1">
+        <a:scrgbClr r="0" g="0" b="0"/>
+      </a:lnRef>
+      <a:fillRef idx="1">
+        <a:scrgbClr r="0" g="0" b="0"/>
+      </a:fillRef>
+      <a:effectRef idx="0">
+        <a:scrgbClr r="0" g="0" b="0"/>
+      </a:effectRef>
+      <a:fontRef idx="minor"/>
+    </dgm:style>
+  </dgm:styleLbl>
+  <dgm:styleLbl name="bgAcc1">
+    <dgm:scene3d>
+      <a:camera prst="orthographicFront"/>
+      <a:lightRig rig="threePt" dir="t"/>
+    </dgm:scene3d>
+    <dgm:sp3d/>
+    <dgm:txPr/>
+    <dgm:style>
+      <a:lnRef idx="2">
+        <a:scrgbClr r="0" g="0" b="0"/>
+      </a:lnRef>
+      <a:fillRef idx="1">
+        <a:scrgbClr r="0" g="0" b="0"/>
+      </a:fillRef>
+      <a:effectRef idx="0">
+        <a:scrgbClr r="0" g="0" b="0"/>
+      </a:effectRef>
+      <a:fontRef idx="minor"/>
+    </dgm:style>
+  </dgm:styleLbl>
+  <dgm:styleLbl name="solidFgAcc1">
+    <dgm:scene3d>
+      <a:camera prst="orthographicFront"/>
+      <a:lightRig rig="threePt" dir="t"/>
+    </dgm:scene3d>
+    <dgm:sp3d/>
+    <dgm:txPr/>
+    <dgm:style>
+      <a:lnRef idx="2">
+        <a:scrgbClr r="0" g="0" b="0"/>
+      </a:lnRef>
+      <a:fillRef idx="1">
+        <a:scrgbClr r="0" g="0" b="0"/>
+      </a:fillRef>
+      <a:effectRef idx="0">
+        <a:scrgbClr r="0" g="0" b="0"/>
+      </a:effectRef>
+      <a:fontRef idx="minor"/>
+    </dgm:style>
+  </dgm:styleLbl>
+  <dgm:styleLbl name="solidAlignAcc1">
+    <dgm:scene3d>
+      <a:camera prst="orthographicFront"/>
+      <a:lightRig rig="threePt" dir="t"/>
+    </dgm:scene3d>
+    <dgm:sp3d/>
+    <dgm:txPr/>
+    <dgm:style>
+      <a:lnRef idx="2">
+        <a:scrgbClr r="0" g="0" b="0"/>
+      </a:lnRef>
+      <a:fillRef idx="1">
+        <a:scrgbClr r="0" g="0" b="0"/>
+      </a:fillRef>
+      <a:effectRef idx="0">
+        <a:scrgbClr r="0" g="0" b="0"/>
+      </a:effectRef>
+      <a:fontRef idx="minor"/>
+    </dgm:style>
+  </dgm:styleLbl>
+  <dgm:styleLbl name="solidBgAcc1">
+    <dgm:scene3d>
+      <a:camera prst="orthographicFront"/>
+      <a:lightRig rig="threePt" dir="t"/>
+    </dgm:scene3d>
+    <dgm:sp3d/>
+    <dgm:txPr/>
+    <dgm:style>
+      <a:lnRef idx="2">
+        <a:scrgbClr r="0" g="0" b="0"/>
+      </a:lnRef>
+      <a:fillRef idx="1">
+        <a:scrgbClr r="0" g="0" b="0"/>
+      </a:fillRef>
+      <a:effectRef idx="0">
+        <a:scrgbClr r="0" g="0" b="0"/>
+      </a:effectRef>
+      <a:fontRef idx="minor"/>
+    </dgm:style>
+  </dgm:styleLbl>
+  <dgm:styleLbl name="fgAccFollowNode1">
+    <dgm:scene3d>
+      <a:camera prst="orthographicFront"/>
+      <a:lightRig rig="threePt" dir="t"/>
+    </dgm:scene3d>
+    <dgm:sp3d/>
+    <dgm:txPr/>
+    <dgm:style>
+      <a:lnRef idx="2">
+        <a:scrgbClr r="0" g="0" b="0"/>
+      </a:lnRef>
+      <a:fillRef idx="1">
+        <a:scrgbClr r="0" g="0" b="0"/>
+      </a:fillRef>
+      <a:effectRef idx="0">
+        <a:scrgbClr r="0" g="0" b="0"/>
+      </a:effectRef>
+      <a:fontRef idx="minor"/>
+    </dgm:style>
+  </dgm:styleLbl>
+  <dgm:styleLbl name="alignAccFollowNode1">
+    <dgm:scene3d>
+      <a:camera prst="orthographicFront"/>
+      <a:lightRig rig="threePt" dir="t"/>
+    </dgm:scene3d>
+    <dgm:sp3d/>
+    <dgm:txPr/>
+    <dgm:style>
+      <a:lnRef idx="2">
+        <a:scrgbClr r="0" g="0" b="0"/>
+      </a:lnRef>
+      <a:fillRef idx="1">
+        <a:scrgbClr r="0" g="0" b="0"/>
+      </a:fillRef>
+      <a:effectRef idx="0">
+        <a:scrgbClr r="0" g="0" b="0"/>
+      </a:effectRef>
+      <a:fontRef idx="minor"/>
+    </dgm:style>
+  </dgm:styleLbl>
+  <dgm:styleLbl name="bgAccFollowNode1">
+    <dgm:scene3d>
+      <a:camera prst="orthographicFront"/>
+      <a:lightRig rig="threePt" dir="t"/>
+    </dgm:scene3d>
+    <dgm:sp3d/>
+    <dgm:txPr/>
+    <dgm:style>
+      <a:lnRef idx="2">
+        <a:scrgbClr r="0" g="0" b="0"/>
+      </a:lnRef>
+      <a:fillRef idx="1">
+        <a:scrgbClr r="0" g="0" b="0"/>
+      </a:fillRef>
+      <a:effectRef idx="0">
+        <a:scrgbClr r="0" g="0" b="0"/>
+      </a:effectRef>
+      <a:fontRef idx="minor"/>
+    </dgm:style>
+  </dgm:styleLbl>
+  <dgm:styleLbl name="fgAcc0">
+    <dgm:scene3d>
+      <a:camera prst="orthographicFront"/>
+      <a:lightRig rig="threePt" dir="t"/>
+    </dgm:scene3d>
+    <dgm:sp3d/>
+    <dgm:txPr/>
+    <dgm:style>
+      <a:lnRef idx="2">
+        <a:scrgbClr r="0" g="0" b="0"/>
+      </a:lnRef>
+      <a:fillRef idx="1">
+        <a:scrgbClr r="0" g="0" b="0"/>
+      </a:fillRef>
+      <a:effectRef idx="0">
+        <a:scrgbClr r="0" g="0" b="0"/>
+      </a:effectRef>
+      <a:fontRef idx="minor"/>
+    </dgm:style>
+  </dgm:styleLbl>
+  <dgm:styleLbl name="fgAcc2">
+    <dgm:scene3d>
+      <a:camera prst="orthographicFront"/>
+      <a:lightRig rig="threePt" dir="t"/>
+    </dgm:scene3d>
+    <dgm:sp3d/>
+    <dgm:txPr/>
+    <dgm:style>
+      <a:lnRef idx="2">
+        <a:scrgbClr r="0" g="0" b="0"/>
+      </a:lnRef>
+      <a:fillRef idx="1">
+        <a:scrgbClr r="0" g="0" b="0"/>
+      </a:fillRef>
+      <a:effectRef idx="0">
+        <a:scrgbClr r="0" g="0" b="0"/>
+      </a:effectRef>
+      <a:fontRef idx="minor"/>
+    </dgm:style>
+  </dgm:styleLbl>
+  <dgm:styleLbl name="fgAcc3">
+    <dgm:scene3d>
+      <a:camera prst="orthographicFront"/>
+      <a:lightRig rig="threePt" dir="t"/>
+    </dgm:scene3d>
+    <dgm:sp3d/>
+    <dgm:txPr/>
+    <dgm:style>
+      <a:lnRef idx="2">
+        <a:scrgbClr r="0" g="0" b="0"/>
+      </a:lnRef>
+      <a:fillRef idx="1">
+        <a:scrgbClr r="0" g="0" b="0"/>
+      </a:fillRef>
+      <a:effectRef idx="0">
+        <a:scrgbClr r="0" g="0" b="0"/>
+      </a:effectRef>
+      <a:fontRef idx="minor"/>
+    </dgm:style>
+  </dgm:styleLbl>
+  <dgm:styleLbl name="fgAcc4">
+    <dgm:scene3d>
+      <a:camera prst="orthographicFront"/>
+      <a:lightRig rig="threePt" dir="t"/>
+    </dgm:scene3d>
+    <dgm:sp3d/>
+    <dgm:txPr/>
+    <dgm:style>
+      <a:lnRef idx="2">
+        <a:scrgbClr r="0" g="0" b="0"/>
+      </a:lnRef>
+      <a:fillRef idx="1">
+        <a:scrgbClr r="0" g="0" b="0"/>
+      </a:fillRef>
+      <a:effectRef idx="0">
+        <a:scrgbClr r="0" g="0" b="0"/>
+      </a:effectRef>
+      <a:fontRef idx="minor"/>
+    </dgm:style>
+  </dgm:styleLbl>
+  <dgm:styleLbl name="bgShp">
+    <dgm:scene3d>
+      <a:camera prst="orthographicFront"/>
+      <a:lightRig rig="threePt" dir="t"/>
+    </dgm:scene3d>
+    <dgm:sp3d/>
+    <dgm:txPr/>
+    <dgm:style>
+      <a:lnRef idx="0">
+        <a:scrgbClr r="0" g="0" b="0"/>
+      </a:lnRef>
+      <a:fillRef idx="1">
+        <a:scrgbClr r="0" g="0" b="0"/>
+      </a:fillRef>
+      <a:effectRef idx="0">
+        <a:scrgbClr r="0" g="0" b="0"/>
+      </a:effectRef>
+      <a:fontRef idx="minor"/>
+    </dgm:style>
+  </dgm:styleLbl>
+  <dgm:styleLbl name="dkBgShp">
+    <dgm:scene3d>
+      <a:camera prst="orthographicFront"/>
+      <a:lightRig rig="threePt" dir="t"/>
+    </dgm:scene3d>
+    <dgm:sp3d/>
+    <dgm:txPr/>
+    <dgm:style>
+      <a:lnRef idx="0">
+        <a:scrgbClr r="0" g="0" b="0"/>
+      </a:lnRef>
+      <a:fillRef idx="1">
+        <a:scrgbClr r="0" g="0" b="0"/>
+      </a:fillRef>
+      <a:effectRef idx="0">
+        <a:scrgbClr r="0" g="0" b="0"/>
+      </a:effectRef>
+      <a:fontRef idx="minor"/>
+    </dgm:style>
+  </dgm:styleLbl>
+  <dgm:styleLbl name="trBgShp">
+    <dgm:scene3d>
+      <a:camera prst="orthographicFront"/>
+      <a:lightRig rig="threePt" dir="t"/>
+    </dgm:scene3d>
+    <dgm:sp3d/>
+    <dgm:txPr/>
+    <dgm:style>
+      <a:lnRef idx="0">
+        <a:scrgbClr r="0" g="0" b="0"/>
+      </a:lnRef>
+      <a:fillRef idx="1">
+        <a:scrgbClr r="0" g="0" b="0"/>
+      </a:fillRef>
+      <a:effectRef idx="0">
+        <a:scrgbClr r="0" g="0" b="0"/>
+      </a:effectRef>
+      <a:fontRef idx="minor"/>
+    </dgm:style>
+  </dgm:styleLbl>
+  <dgm:styleLbl name="fgShp">
+    <dgm:scene3d>
+      <a:camera prst="orthographicFront"/>
+      <a:lightRig rig="threePt" dir="t"/>
+    </dgm:scene3d>
+    <dgm:sp3d/>
+    <dgm:txPr/>
+    <dgm:style>
+      <a:lnRef idx="2">
+        <a:scrgbClr r="0" g="0" b="0"/>
+      </a:lnRef>
+      <a:fillRef idx="1">
+        <a:scrgbClr r="0" g="0" b="0"/>
+      </a:fillRef>
+      <a:effectRef idx="0">
+        <a:scrgbClr r="0" g="0" b="0"/>
+      </a:effectRef>
+      <a:fontRef idx="minor"/>
+    </dgm:style>
+  </dgm:styleLbl>
+  <dgm:styleLbl name="revTx">
+    <dgm:scene3d>
+      <a:camera prst="orthographicFront"/>
+      <a:lightRig rig="threePt" dir="t"/>
+    </dgm:scene3d>
+    <dgm:sp3d/>
+    <dgm:txPr/>
+    <dgm:style>
+      <a:lnRef idx="0">
+        <a:scrgbClr r="0" g="0" b="0"/>
+      </a:lnRef>
+      <a:fillRef idx="0">
+        <a:scrgbClr r="0" g="0" b="0"/>
+      </a:fillRef>
+      <a:effectRef idx="0">
+        <a:scrgbClr r="0" g="0" b="0"/>
+      </a:effectRef>
+      <a:fontRef idx="minor"/>
+    </dgm:style>
+  </dgm:styleLbl>
+</dgm:styleDef>
 </file>
 
 <file path=ppt/notesMasters/notesMaster1.xml><?xml version="1.0" encoding="utf-8"?>
@@ -930,7 +3757,12 @@
             <p:ph type="sldImg"/>
           </p:nvPr>
         </p:nvSpPr>
-        <p:spPr/>
+        <p:spPr>
+          <a:xfrm>
+            <a:off x="381000" y="685800"/>
+            <a:ext cx="6096000" cy="3429000"/>
+          </a:xfrm>
+        </p:spPr>
       </p:sp>
       <p:sp>
         <p:nvSpPr>
@@ -5593,7 +8425,7 @@
             </a:pPr>
             <a:r>
               <a:rPr lang="fr-FR" sz="3600" dirty="0"/>
-              <a:t>Description du projet</a:t>
+              <a:t>Base de données OASIS 1</a:t>
             </a:r>
           </a:p>
         </p:txBody>
@@ -6263,7 +9095,7 @@
         </p:nvSpPr>
         <p:spPr>
           <a:xfrm>
-            <a:off x="311700" y="288275"/>
+            <a:off x="311700" y="423943"/>
             <a:ext cx="8520600" cy="572700"/>
           </a:xfrm>
           <a:prstGeom prst="rect">
@@ -6287,147 +9119,68 @@
             </a:pPr>
             <a:r>
               <a:rPr lang="en" sz="3600" dirty="0"/>
-              <a:t>Description du </a:t>
-            </a:r>
-            <a:r>
-              <a:rPr lang="en" sz="3600" dirty="0" err="1"/>
-              <a:t>Projet</a:t>
+              <a:t>Plan</a:t>
             </a:r>
             <a:endParaRPr sz="3600" dirty="0"/>
           </a:p>
         </p:txBody>
       </p:sp>
-      <p:sp>
-        <p:nvSpPr>
-          <p:cNvPr id="7" name="Shape 68">
+      <p:graphicFrame>
+        <p:nvGraphicFramePr>
+          <p:cNvPr id="2" name="Diagramme 1">
             <a:extLst>
               <a:ext uri="{FF2B5EF4-FFF2-40B4-BE49-F238E27FC236}">
-                <a16:creationId xmlns:a16="http://schemas.microsoft.com/office/drawing/2014/main" id="{DF5553CE-3F52-5506-CC7D-5FB8299095FA}"/>
+                <a16:creationId xmlns:a16="http://schemas.microsoft.com/office/drawing/2014/main" id="{DBF40A20-D231-EEE8-5587-7712682022F9}"/>
               </a:ext>
             </a:extLst>
           </p:cNvPr>
-          <p:cNvSpPr txBox="1">
-            <a:spLocks noGrp="1"/>
-          </p:cNvSpPr>
+          <p:cNvGraphicFramePr/>
           <p:nvPr>
-            <p:ph type="body" idx="1"/>
+            <p:extLst>
+              <p:ext uri="{D42A27DB-BD31-4B8C-83A1-F6EECF244321}">
+                <p14:modId xmlns:p14="http://schemas.microsoft.com/office/powerpoint/2010/main" val="568289452"/>
+              </p:ext>
+            </p:extLst>
           </p:nvPr>
+        </p:nvGraphicFramePr>
+        <p:xfrm>
+          <a:off x="311700" y="838899"/>
+          <a:ext cx="8520600" cy="3594308"/>
+        </p:xfrm>
+        <a:graphic>
+          <a:graphicData uri="http://schemas.openxmlformats.org/drawingml/2006/diagram">
+            <dgm:relIds xmlns:dgm="http://schemas.openxmlformats.org/drawingml/2006/diagram" xmlns:r="http://schemas.openxmlformats.org/officeDocument/2006/relationships" r:dm="rId3" r:lo="rId4" r:qs="rId5" r:cs="rId6"/>
+          </a:graphicData>
+        </a:graphic>
+      </p:graphicFrame>
+      <p:sp>
+        <p:nvSpPr>
+          <p:cNvPr id="3" name="ZoneTexte 2">
+            <a:extLst>
+              <a:ext uri="{FF2B5EF4-FFF2-40B4-BE49-F238E27FC236}">
+                <a16:creationId xmlns:a16="http://schemas.microsoft.com/office/drawing/2014/main" id="{142D9586-69AA-1291-46D8-F1960FB19A1B}"/>
+              </a:ext>
+            </a:extLst>
+          </p:cNvPr>
+          <p:cNvSpPr txBox="1"/>
+          <p:nvPr/>
         </p:nvSpPr>
         <p:spPr>
           <a:xfrm>
-            <a:off x="311700" y="1152475"/>
-            <a:ext cx="8520600" cy="3280732"/>
+            <a:off x="2141315" y="2571750"/>
+            <a:ext cx="1493135" cy="306000"/>
           </a:xfrm>
           <a:prstGeom prst="rect">
             <a:avLst/>
           </a:prstGeom>
+          <a:noFill/>
         </p:spPr>
         <p:txBody>
-          <a:bodyPr wrap="square" lIns="91425" tIns="91425" rIns="91425" bIns="91425" anchor="t" anchorCtr="0">
-            <a:noAutofit/>
+          <a:bodyPr wrap="square" rtlCol="0">
+            <a:spAutoFit/>
           </a:bodyPr>
           <a:lstStyle/>
           <a:p>
-            <a:pPr marL="457200" lvl="0" indent="-342900" rtl="0">
-              <a:spcBef>
-                <a:spcPts val="0"/>
-              </a:spcBef>
-              <a:spcAft>
-                <a:spcPts val="0"/>
-              </a:spcAft>
-              <a:buSzPts val="1800"/>
-              <a:buChar char="●"/>
-            </a:pPr>
-            <a:r>
-              <a:rPr lang="fr-FR" dirty="0"/>
-              <a:t>Trois possibilités : </a:t>
-            </a:r>
-          </a:p>
-          <a:p>
-            <a:pPr marL="114300" lvl="0" indent="0" rtl="0">
-              <a:spcBef>
-                <a:spcPts val="0"/>
-              </a:spcBef>
-              <a:spcAft>
-                <a:spcPts val="0"/>
-              </a:spcAft>
-              <a:buSzPts val="1800"/>
-              <a:buNone/>
-            </a:pPr>
-            <a:endParaRPr lang="fr-FR" dirty="0"/>
-          </a:p>
-          <a:p>
-            <a:pPr marL="857250" lvl="1" indent="-285750">
-              <a:spcBef>
-                <a:spcPts val="0"/>
-              </a:spcBef>
-              <a:buSzPts val="1800"/>
-            </a:pPr>
-            <a:r>
-              <a:rPr lang="fr-FR" dirty="0"/>
-              <a:t>Étude sur les images IRM</a:t>
-            </a:r>
-          </a:p>
-          <a:p>
-            <a:pPr marL="571500" lvl="1" indent="0">
-              <a:spcBef>
-                <a:spcPts val="0"/>
-              </a:spcBef>
-              <a:buSzPts val="1800"/>
-              <a:buNone/>
-            </a:pPr>
-            <a:endParaRPr lang="fr-FR" dirty="0"/>
-          </a:p>
-          <a:p>
-            <a:pPr marL="857250" lvl="1" indent="-285750">
-              <a:spcBef>
-                <a:spcPts val="0"/>
-              </a:spcBef>
-              <a:buSzPts val="1800"/>
-            </a:pPr>
-            <a:r>
-              <a:rPr lang="fr-FR" dirty="0"/>
-              <a:t>Étude sur les données annexes</a:t>
-            </a:r>
-          </a:p>
-          <a:p>
-            <a:pPr marL="857250" lvl="1" indent="-285750">
-              <a:spcBef>
-                <a:spcPts val="0"/>
-              </a:spcBef>
-              <a:buSzPts val="1800"/>
-            </a:pPr>
-            <a:endParaRPr lang="fr-FR" dirty="0"/>
-          </a:p>
-          <a:p>
-            <a:pPr marL="857250" lvl="1" indent="-285750">
-              <a:spcBef>
-                <a:spcPts val="0"/>
-              </a:spcBef>
-              <a:buSzPts val="1800"/>
-            </a:pPr>
-            <a:r>
-              <a:rPr lang="fr-FR" dirty="0"/>
-              <a:t>Combinaison des deux types de données</a:t>
-            </a:r>
-          </a:p>
-          <a:p>
-            <a:pPr marL="571500" lvl="1" indent="0">
-              <a:spcBef>
-                <a:spcPts val="0"/>
-              </a:spcBef>
-              <a:buSzPts val="1800"/>
-              <a:buNone/>
-            </a:pPr>
-            <a:endParaRPr lang="fr-FR" dirty="0"/>
-          </a:p>
-          <a:p>
-            <a:pPr marL="857250" lvl="1" indent="-285750">
-              <a:spcBef>
-                <a:spcPts val="0"/>
-              </a:spcBef>
-              <a:buSzPts val="1800"/>
-            </a:pPr>
             <a:endParaRPr lang="fr-FR" dirty="0"/>
           </a:p>
         </p:txBody>
@@ -6464,58 +9217,6 @@
       </p:grpSpPr>
       <p:sp>
         <p:nvSpPr>
-          <p:cNvPr id="4" name="Shape 67">
-            <a:extLst>
-              <a:ext uri="{FF2B5EF4-FFF2-40B4-BE49-F238E27FC236}">
-                <a16:creationId xmlns:a16="http://schemas.microsoft.com/office/drawing/2014/main" id="{CBDDC186-9D1B-828A-FE31-951CB87E8ED2}"/>
-              </a:ext>
-            </a:extLst>
-          </p:cNvPr>
-          <p:cNvSpPr txBox="1">
-            <a:spLocks noGrp="1"/>
-          </p:cNvSpPr>
-          <p:nvPr>
-            <p:ph type="title"/>
-          </p:nvPr>
-        </p:nvSpPr>
-        <p:spPr>
-          <a:xfrm>
-            <a:off x="311700" y="445025"/>
-            <a:ext cx="8520600" cy="572700"/>
-          </a:xfrm>
-          <a:prstGeom prst="rect">
-            <a:avLst/>
-          </a:prstGeom>
-        </p:spPr>
-        <p:txBody>
-          <a:bodyPr wrap="square" lIns="91425" tIns="91425" rIns="91425" bIns="91425" anchor="t" anchorCtr="0">
-            <a:noAutofit/>
-          </a:bodyPr>
-          <a:lstStyle/>
-          <a:p>
-            <a:pPr marL="0" lvl="0" indent="0">
-              <a:spcBef>
-                <a:spcPts val="0"/>
-              </a:spcBef>
-              <a:spcAft>
-                <a:spcPts val="0"/>
-              </a:spcAft>
-              <a:buNone/>
-            </a:pPr>
-            <a:r>
-              <a:rPr lang="en" sz="3600" dirty="0"/>
-              <a:t>Description du </a:t>
-            </a:r>
-            <a:r>
-              <a:rPr lang="en" sz="3600" dirty="0" err="1"/>
-              <a:t>Projet</a:t>
-            </a:r>
-            <a:endParaRPr sz="3600" dirty="0"/>
-          </a:p>
-        </p:txBody>
-      </p:sp>
-      <p:sp>
-        <p:nvSpPr>
           <p:cNvPr id="5" name="Shape 68">
             <a:extLst>
               <a:ext uri="{FF2B5EF4-FFF2-40B4-BE49-F238E27FC236}">
@@ -6532,8 +9233,8 @@
         </p:nvSpPr>
         <p:spPr>
           <a:xfrm>
-            <a:off x="311700" y="1152475"/>
-            <a:ext cx="8520600" cy="3416400"/>
+            <a:off x="311700" y="411694"/>
+            <a:ext cx="8520600" cy="4333925"/>
           </a:xfrm>
           <a:prstGeom prst="rect">
             <a:avLst/>
@@ -6690,14 +9391,60 @@
             </a:r>
           </a:p>
           <a:p>
-            <a:pPr lvl="1" indent="-342900">
+            <a:pPr marL="1028700" lvl="2" indent="0">
               <a:spcBef>
                 <a:spcPts val="0"/>
               </a:spcBef>
               <a:buSzPts val="1800"/>
-              <a:buChar char="●"/>
+              <a:buNone/>
             </a:pPr>
             <a:endParaRPr lang="fr-FR" dirty="0"/>
+          </a:p>
+          <a:p>
+            <a:pPr marL="857250" lvl="1" indent="-285750">
+              <a:spcBef>
+                <a:spcPts val="0"/>
+              </a:spcBef>
+              <a:buSzPts val="1800"/>
+            </a:pPr>
+            <a:r>
+              <a:rPr lang="fr-FR" dirty="0"/>
+              <a:t>Première étude d’images en </a:t>
+            </a:r>
+            <a:r>
+              <a:rPr lang="fr-FR" dirty="0" err="1"/>
+              <a:t>deep</a:t>
+            </a:r>
+            <a:r>
+              <a:rPr lang="fr-FR" dirty="0"/>
+              <a:t> </a:t>
+            </a:r>
+            <a:r>
+              <a:rPr lang="fr-FR" dirty="0" err="1"/>
+              <a:t>learning</a:t>
+            </a:r>
+            <a:endParaRPr lang="fr-FR" dirty="0"/>
+          </a:p>
+          <a:p>
+            <a:pPr marL="857250" lvl="1" indent="-285750">
+              <a:spcBef>
+                <a:spcPts val="0"/>
+              </a:spcBef>
+              <a:buSzPts val="1800"/>
+            </a:pPr>
+            <a:endParaRPr lang="fr-FR" dirty="0"/>
+          </a:p>
+          <a:p>
+            <a:pPr marL="857250" lvl="1" indent="-285750">
+              <a:spcBef>
+                <a:spcPts val="0"/>
+              </a:spcBef>
+              <a:buSzPts val="1800"/>
+            </a:pPr>
+            <a:r>
+              <a:rPr lang="fr-FR" dirty="0"/>
+              <a:t>Peu de développement </a:t>
+            </a:r>
           </a:p>
         </p:txBody>
       </p:sp>
@@ -6723,7 +9470,7 @@
         </p:blipFill>
         <p:spPr>
           <a:xfrm>
-            <a:off x="5028602" y="1496602"/>
+            <a:off x="5051751" y="992792"/>
             <a:ext cx="3454400" cy="520700"/>
           </a:xfrm>
           <a:prstGeom prst="rect">
@@ -6760,7 +9507,7 @@
         </p:blipFill>
         <p:spPr bwMode="auto">
           <a:xfrm>
-            <a:off x="5028602" y="2882128"/>
+            <a:off x="5051751" y="2143214"/>
             <a:ext cx="3362362" cy="1486795"/>
           </a:xfrm>
           <a:prstGeom prst="rect">
@@ -6853,7 +9600,7 @@
             </a:r>
             <a:r>
               <a:rPr lang="fr-FR" dirty="0"/>
-              <a:t>(probabilité de succès : 55%)</a:t>
+              <a:t>(probabilité de succès : 65%)</a:t>
             </a:r>
           </a:p>
           <a:p>
